--- a/랩미팅/201812/1812 W Tip 논문 정리 (Jong).pptx
+++ b/랩미팅/201812/1812 W Tip 논문 정리 (Jong).pptx
@@ -5,20 +5,15 @@
     <p:sldMasterId id="2147483660" r:id="rId1"/>
   </p:sldMasterIdLst>
   <p:notesMasterIdLst>
-    <p:notesMasterId r:id="rId13"/>
+    <p:notesMasterId r:id="rId8"/>
   </p:notesMasterIdLst>
   <p:sldIdLst>
     <p:sldId id="258" r:id="rId2"/>
     <p:sldId id="303" r:id="rId3"/>
     <p:sldId id="305" r:id="rId4"/>
-    <p:sldId id="306" r:id="rId5"/>
-    <p:sldId id="307" r:id="rId6"/>
-    <p:sldId id="298" r:id="rId7"/>
-    <p:sldId id="299" r:id="rId8"/>
-    <p:sldId id="300" r:id="rId9"/>
-    <p:sldId id="301" r:id="rId10"/>
-    <p:sldId id="302" r:id="rId11"/>
-    <p:sldId id="304" r:id="rId12"/>
+    <p:sldId id="307" r:id="rId5"/>
+    <p:sldId id="298" r:id="rId6"/>
+    <p:sldId id="302" r:id="rId7"/>
   </p:sldIdLst>
   <p:sldSz cx="9144000" cy="6858000" type="screen4x3"/>
   <p:notesSz cx="6735763" cy="9866313"/>
@@ -207,7 +202,7 @@
           <a:p>
             <a:fld id="{A9D6DECA-6E4E-4D09-9277-E151A2E3F74C}" type="datetimeFigureOut">
               <a:rPr lang="ko-KR" altLang="en-US" smtClean="0"/>
-              <a:t>2018-11-28</a:t>
+              <a:t>2018-12-09</a:t>
             </a:fld>
             <a:endParaRPr lang="ko-KR" altLang="en-US"/>
           </a:p>
@@ -690,7 +685,7 @@
           <a:p>
             <a:fld id="{78E89258-A40F-4400-BA1A-638141289729}" type="datetime1">
               <a:rPr lang="ko-KR" altLang="en-US" smtClean="0"/>
-              <a:t>2018-11-28</a:t>
+              <a:t>2018-12-09</a:t>
             </a:fld>
             <a:endParaRPr lang="ko-KR" altLang="en-US"/>
           </a:p>
@@ -867,7 +862,7 @@
           <a:p>
             <a:fld id="{CD116CEF-802E-43F7-8932-78519DF2A264}" type="datetime1">
               <a:rPr lang="ko-KR" altLang="en-US" smtClean="0"/>
-              <a:t>2018-11-28</a:t>
+              <a:t>2018-12-09</a:t>
             </a:fld>
             <a:endParaRPr lang="ko-KR" altLang="en-US"/>
           </a:p>
@@ -1047,7 +1042,7 @@
           <a:p>
             <a:fld id="{EFD9D7C3-1982-427D-BFA7-1AF9687AAB0F}" type="datetime1">
               <a:rPr lang="ko-KR" altLang="en-US" smtClean="0"/>
-              <a:t>2018-11-28</a:t>
+              <a:t>2018-12-09</a:t>
             </a:fld>
             <a:endParaRPr lang="ko-KR" altLang="en-US"/>
           </a:p>
@@ -1217,7 +1212,7 @@
           <a:p>
             <a:fld id="{EDD93E7F-B437-40E5-8ACB-B79696783EFA}" type="datetime1">
               <a:rPr lang="ko-KR" altLang="en-US" smtClean="0"/>
-              <a:t>2018-11-28</a:t>
+              <a:t>2018-12-09</a:t>
             </a:fld>
             <a:endParaRPr lang="ko-KR" altLang="en-US"/>
           </a:p>
@@ -1461,7 +1456,7 @@
           <a:p>
             <a:fld id="{DB249950-0BD4-4F6E-BE3F-CB53B7E2FD06}" type="datetime1">
               <a:rPr lang="ko-KR" altLang="en-US" smtClean="0"/>
-              <a:t>2018-11-28</a:t>
+              <a:t>2018-12-09</a:t>
             </a:fld>
             <a:endParaRPr lang="ko-KR" altLang="en-US"/>
           </a:p>
@@ -1693,7 +1688,7 @@
           <a:p>
             <a:fld id="{7B016D7E-32C0-4DB3-B6B3-0506A62840FB}" type="datetime1">
               <a:rPr lang="ko-KR" altLang="en-US" smtClean="0"/>
-              <a:t>2018-11-28</a:t>
+              <a:t>2018-12-09</a:t>
             </a:fld>
             <a:endParaRPr lang="ko-KR" altLang="en-US"/>
           </a:p>
@@ -2060,7 +2055,7 @@
           <a:p>
             <a:fld id="{B246672D-B3FD-4B2E-92C0-4A80DA670927}" type="datetime1">
               <a:rPr lang="ko-KR" altLang="en-US" smtClean="0"/>
-              <a:t>2018-11-28</a:t>
+              <a:t>2018-12-09</a:t>
             </a:fld>
             <a:endParaRPr lang="ko-KR" altLang="en-US"/>
           </a:p>
@@ -2178,7 +2173,7 @@
           <a:p>
             <a:fld id="{9B9B7D2E-B202-4D7A-9519-0C490A04EB9C}" type="datetime1">
               <a:rPr lang="ko-KR" altLang="en-US" smtClean="0"/>
-              <a:t>2018-11-28</a:t>
+              <a:t>2018-12-09</a:t>
             </a:fld>
             <a:endParaRPr lang="ko-KR" altLang="en-US"/>
           </a:p>
@@ -2273,7 +2268,7 @@
           <a:p>
             <a:fld id="{12FB9327-987E-47D6-AE2D-63CED8A79494}" type="datetime1">
               <a:rPr lang="ko-KR" altLang="en-US" smtClean="0"/>
-              <a:t>2018-11-28</a:t>
+              <a:t>2018-12-09</a:t>
             </a:fld>
             <a:endParaRPr lang="ko-KR" altLang="en-US"/>
           </a:p>
@@ -2550,7 +2545,7 @@
           <a:p>
             <a:fld id="{D8D87011-7294-4632-A156-4F695AB9E41C}" type="datetime1">
               <a:rPr lang="ko-KR" altLang="en-US" smtClean="0"/>
-              <a:t>2018-11-28</a:t>
+              <a:t>2018-12-09</a:t>
             </a:fld>
             <a:endParaRPr lang="ko-KR" altLang="en-US"/>
           </a:p>
@@ -2807,7 +2802,7 @@
           <a:p>
             <a:fld id="{1BDC7FDB-72DE-4D65-AF4F-510496DAF70F}" type="datetime1">
               <a:rPr lang="ko-KR" altLang="en-US" smtClean="0"/>
-              <a:t>2018-11-28</a:t>
+              <a:t>2018-12-09</a:t>
             </a:fld>
             <a:endParaRPr lang="ko-KR" altLang="en-US"/>
           </a:p>
@@ -3020,7 +3015,7 @@
           <a:p>
             <a:fld id="{9A286DBF-DB43-470A-A903-26374CB6EF47}" type="datetime1">
               <a:rPr lang="ko-KR" altLang="en-US" smtClean="0"/>
-              <a:t>2018-11-28</a:t>
+              <a:t>2018-12-09</a:t>
             </a:fld>
             <a:endParaRPr lang="ko-KR" altLang="en-US"/>
           </a:p>
@@ -3605,7 +3600,7 @@
           <a:p>
             <a:fld id="{32C03489-23FC-4021-B9AB-958EFB3C0FE7}" type="datetime1">
               <a:rPr lang="ko-KR" altLang="en-US" smtClean="0"/>
-              <a:t>2018-11-28</a:t>
+              <a:t>2018-12-09</a:t>
             </a:fld>
             <a:endParaRPr lang="ko-KR" altLang="en-US"/>
           </a:p>
@@ -3638,1121 +3633,6 @@
     <p:extLst>
       <p:ext uri="{BB962C8B-B14F-4D97-AF65-F5344CB8AC3E}">
         <p14:creationId xmlns:p14="http://schemas.microsoft.com/office/powerpoint/2010/main" val="22502826"/>
-      </p:ext>
-    </p:extLst>
-  </p:cSld>
-  <p:clrMapOvr>
-    <a:masterClrMapping/>
-  </p:clrMapOvr>
-  <p:timing>
-    <p:tnLst>
-      <p:par>
-        <p:cTn id="1" dur="indefinite" restart="never" nodeType="tmRoot"/>
-      </p:par>
-    </p:tnLst>
-  </p:timing>
-</p:sld>
-</file>
-
-<file path=ppt/slides/slide10.xml><?xml version="1.0" encoding="utf-8"?>
-<p:sld xmlns:a="http://schemas.openxmlformats.org/drawingml/2006/main" xmlns:r="http://schemas.openxmlformats.org/officeDocument/2006/relationships" xmlns:p="http://schemas.openxmlformats.org/presentationml/2006/main">
-  <p:cSld>
-    <p:spTree>
-      <p:nvGrpSpPr>
-        <p:cNvPr id="1" name=""/>
-        <p:cNvGrpSpPr/>
-        <p:nvPr/>
-      </p:nvGrpSpPr>
-      <p:grpSpPr>
-        <a:xfrm>
-          <a:off x="0" y="0"/>
-          <a:ext cx="0" cy="0"/>
-          <a:chOff x="0" y="0"/>
-          <a:chExt cx="0" cy="0"/>
-        </a:xfrm>
-      </p:grpSpPr>
-      <p:sp>
-        <p:nvSpPr>
-          <p:cNvPr id="4" name="날짜 개체 틀 3"/>
-          <p:cNvSpPr>
-            <a:spLocks noGrp="1"/>
-          </p:cNvSpPr>
-          <p:nvPr>
-            <p:ph type="dt" sz="half" idx="10"/>
-          </p:nvPr>
-        </p:nvSpPr>
-        <p:spPr/>
-        <p:txBody>
-          <a:bodyPr/>
-          <a:lstStyle/>
-          <a:p>
-            <a:fld id="{EDD93E7F-B437-40E5-8ACB-B79696783EFA}" type="datetime1">
-              <a:rPr lang="ko-KR" altLang="en-US" smtClean="0"/>
-              <a:t>2018-11-28</a:t>
-            </a:fld>
-            <a:endParaRPr lang="ko-KR" altLang="en-US"/>
-          </a:p>
-        </p:txBody>
-      </p:sp>
-      <p:sp>
-        <p:nvSpPr>
-          <p:cNvPr id="5" name="슬라이드 번호 개체 틀 4"/>
-          <p:cNvSpPr>
-            <a:spLocks noGrp="1"/>
-          </p:cNvSpPr>
-          <p:nvPr>
-            <p:ph type="sldNum" sz="quarter" idx="12"/>
-          </p:nvPr>
-        </p:nvSpPr>
-        <p:spPr/>
-        <p:txBody>
-          <a:bodyPr/>
-          <a:lstStyle/>
-          <a:p>
-            <a:fld id="{8765F8EB-1186-4395-8E70-F957669279DD}" type="slidenum">
-              <a:rPr lang="ko-KR" altLang="en-US" smtClean="0"/>
-              <a:t>10</a:t>
-            </a:fld>
-            <a:endParaRPr lang="ko-KR" altLang="en-US"/>
-          </a:p>
-        </p:txBody>
-      </p:sp>
-      <p:sp>
-        <p:nvSpPr>
-          <p:cNvPr id="7" name="Rectangle 55"/>
-          <p:cNvSpPr>
-            <a:spLocks noChangeArrowheads="1"/>
-          </p:cNvSpPr>
-          <p:nvPr/>
-        </p:nvSpPr>
-        <p:spPr bwMode="auto">
-          <a:xfrm>
-            <a:off x="0" y="0"/>
-            <a:ext cx="9144000" cy="692150"/>
-          </a:xfrm>
-          <a:prstGeom prst="rect">
-            <a:avLst/>
-          </a:prstGeom>
-          <a:solidFill>
-            <a:srgbClr val="3333FF"/>
-          </a:solidFill>
-          <a:ln>
-            <a:noFill/>
-          </a:ln>
-          <a:effectLst/>
-          <a:extLst>
-            <a:ext uri="{91240B29-F687-4F45-9708-019B960494DF}">
-              <a14:hiddenLine xmlns:a14="http://schemas.microsoft.com/office/drawing/2010/main" w="9525">
-                <a:solidFill>
-                  <a:schemeClr val="tx1"/>
-                </a:solidFill>
-                <a:miter lim="800000"/>
-                <a:headEnd/>
-                <a:tailEnd/>
-              </a14:hiddenLine>
-            </a:ext>
-            <a:ext uri="{AF507438-7753-43E0-B8FC-AC1667EBCBE1}">
-              <a14:hiddenEffects xmlns:a14="http://schemas.microsoft.com/office/drawing/2010/main">
-                <a:effectLst>
-                  <a:outerShdw dist="35921" dir="2700000" algn="ctr" rotWithShape="0">
-                    <a:schemeClr val="bg2"/>
-                  </a:outerShdw>
-                </a:effectLst>
-              </a14:hiddenEffects>
-            </a:ext>
-          </a:extLst>
-        </p:spPr>
-        <p:txBody>
-          <a:bodyPr wrap="none" anchor="ctr"/>
-          <a:lstStyle/>
-          <a:p>
-            <a:pPr algn="ctr"/>
-            <a:r>
-              <a:rPr lang="en-US" altLang="ko-KR" sz="2800" dirty="0" smtClean="0">
-                <a:solidFill>
-                  <a:schemeClr val="bg1"/>
-                </a:solidFill>
-                <a:latin typeface="Arial" panose="020B0604020202020204" pitchFamily="34" charset="0"/>
-              </a:rPr>
-              <a:t>Tungsten Tip Etching</a:t>
-            </a:r>
-          </a:p>
-        </p:txBody>
-      </p:sp>
-      <p:pic>
-        <p:nvPicPr>
-          <p:cNvPr id="2" name="그림 1"/>
-          <p:cNvPicPr>
-            <a:picLocks noChangeAspect="1"/>
-          </p:cNvPicPr>
-          <p:nvPr/>
-        </p:nvPicPr>
-        <p:blipFill>
-          <a:blip r:embed="rId3"/>
-          <a:stretch>
-            <a:fillRect/>
-          </a:stretch>
-        </p:blipFill>
-        <p:spPr>
-          <a:xfrm>
-            <a:off x="1803750" y="1211938"/>
-            <a:ext cx="3387486" cy="4416426"/>
-          </a:xfrm>
-          <a:prstGeom prst="rect">
-            <a:avLst/>
-          </a:prstGeom>
-        </p:spPr>
-      </p:pic>
-      <p:pic>
-        <p:nvPicPr>
-          <p:cNvPr id="3" name="그림 2"/>
-          <p:cNvPicPr>
-            <a:picLocks noChangeAspect="1"/>
-          </p:cNvPicPr>
-          <p:nvPr/>
-        </p:nvPicPr>
-        <p:blipFill>
-          <a:blip r:embed="rId4"/>
-          <a:stretch>
-            <a:fillRect/>
-          </a:stretch>
-        </p:blipFill>
-        <p:spPr>
-          <a:xfrm>
-            <a:off x="4960421" y="1152525"/>
-            <a:ext cx="3738563" cy="1776176"/>
-          </a:xfrm>
-          <a:prstGeom prst="rect">
-            <a:avLst/>
-          </a:prstGeom>
-        </p:spPr>
-      </p:pic>
-      <p:sp>
-        <p:nvSpPr>
-          <p:cNvPr id="13" name="왼쪽 중괄호 12"/>
-          <p:cNvSpPr/>
-          <p:nvPr/>
-        </p:nvSpPr>
-        <p:spPr>
-          <a:xfrm>
-            <a:off x="1603431" y="1506495"/>
-            <a:ext cx="472741" cy="1449151"/>
-          </a:xfrm>
-          <a:prstGeom prst="leftBrace">
-            <a:avLst>
-              <a:gd name="adj1" fmla="val 60082"/>
-              <a:gd name="adj2" fmla="val 50000"/>
-            </a:avLst>
-          </a:prstGeom>
-          <a:noFill/>
-          <a:ln w="19050">
-            <a:solidFill>
-              <a:schemeClr val="tx1"/>
-            </a:solidFill>
-          </a:ln>
-        </p:spPr>
-        <p:style>
-          <a:lnRef idx="1">
-            <a:schemeClr val="accent1"/>
-          </a:lnRef>
-          <a:fillRef idx="0">
-            <a:schemeClr val="accent1"/>
-          </a:fillRef>
-          <a:effectRef idx="0">
-            <a:schemeClr val="accent1"/>
-          </a:effectRef>
-          <a:fontRef idx="minor">
-            <a:schemeClr val="tx1"/>
-          </a:fontRef>
-        </p:style>
-        <p:txBody>
-          <a:bodyPr rtlCol="0" anchor="ctr"/>
-          <a:lstStyle/>
-          <a:p>
-            <a:pPr algn="ctr"/>
-            <a:endParaRPr lang="ko-KR" altLang="en-US"/>
-          </a:p>
-        </p:txBody>
-      </p:sp>
-      <p:sp>
-        <p:nvSpPr>
-          <p:cNvPr id="14" name="TextBox 13"/>
-          <p:cNvSpPr txBox="1"/>
-          <p:nvPr/>
-        </p:nvSpPr>
-        <p:spPr>
-          <a:xfrm>
-            <a:off x="222587" y="1907904"/>
-            <a:ext cx="1340367" cy="646331"/>
-          </a:xfrm>
-          <a:prstGeom prst="rect">
-            <a:avLst/>
-          </a:prstGeom>
-          <a:noFill/>
-        </p:spPr>
-        <p:txBody>
-          <a:bodyPr wrap="none" rtlCol="0">
-            <a:spAutoFit/>
-          </a:bodyPr>
-          <a:lstStyle/>
-          <a:p>
-            <a:pPr algn="ctr"/>
-            <a:r>
-              <a:rPr lang="en-US" altLang="ko-KR" dirty="0" smtClean="0"/>
-              <a:t>DC(uniform)</a:t>
-            </a:r>
-          </a:p>
-          <a:p>
-            <a:pPr algn="ctr"/>
-            <a:r>
-              <a:rPr lang="en-US" altLang="ko-KR" dirty="0" smtClean="0"/>
-              <a:t>etching</a:t>
-            </a:r>
-            <a:endParaRPr lang="ko-KR" altLang="en-US" dirty="0"/>
-          </a:p>
-        </p:txBody>
-      </p:sp>
-      <p:sp>
-        <p:nvSpPr>
-          <p:cNvPr id="15" name="왼쪽 중괄호 14"/>
-          <p:cNvSpPr/>
-          <p:nvPr/>
-        </p:nvSpPr>
-        <p:spPr>
-          <a:xfrm>
-            <a:off x="1420979" y="3475434"/>
-            <a:ext cx="472741" cy="1449151"/>
-          </a:xfrm>
-          <a:prstGeom prst="leftBrace">
-            <a:avLst>
-              <a:gd name="adj1" fmla="val 60082"/>
-              <a:gd name="adj2" fmla="val 50000"/>
-            </a:avLst>
-          </a:prstGeom>
-          <a:noFill/>
-          <a:ln w="19050">
-            <a:solidFill>
-              <a:schemeClr val="tx1"/>
-            </a:solidFill>
-          </a:ln>
-        </p:spPr>
-        <p:style>
-          <a:lnRef idx="1">
-            <a:schemeClr val="accent1"/>
-          </a:lnRef>
-          <a:fillRef idx="0">
-            <a:schemeClr val="accent1"/>
-          </a:fillRef>
-          <a:effectRef idx="0">
-            <a:schemeClr val="accent1"/>
-          </a:effectRef>
-          <a:fontRef idx="minor">
-            <a:schemeClr val="tx1"/>
-          </a:fontRef>
-        </p:style>
-        <p:txBody>
-          <a:bodyPr rtlCol="0" anchor="ctr"/>
-          <a:lstStyle/>
-          <a:p>
-            <a:pPr algn="ctr"/>
-            <a:endParaRPr lang="ko-KR" altLang="en-US"/>
-          </a:p>
-        </p:txBody>
-      </p:sp>
-      <p:sp>
-        <p:nvSpPr>
-          <p:cNvPr id="16" name="TextBox 15"/>
-          <p:cNvSpPr txBox="1"/>
-          <p:nvPr/>
-        </p:nvSpPr>
-        <p:spPr>
-          <a:xfrm>
-            <a:off x="454605" y="3876843"/>
-            <a:ext cx="876330" cy="646331"/>
-          </a:xfrm>
-          <a:prstGeom prst="rect">
-            <a:avLst/>
-          </a:prstGeom>
-          <a:noFill/>
-        </p:spPr>
-        <p:txBody>
-          <a:bodyPr wrap="none" rtlCol="0">
-            <a:spAutoFit/>
-          </a:bodyPr>
-          <a:lstStyle/>
-          <a:p>
-            <a:pPr algn="ctr"/>
-            <a:r>
-              <a:rPr lang="en-US" altLang="ko-KR" dirty="0" smtClean="0"/>
-              <a:t>Pulse</a:t>
-            </a:r>
-          </a:p>
-          <a:p>
-            <a:pPr algn="ctr"/>
-            <a:r>
-              <a:rPr lang="en-US" altLang="ko-KR" dirty="0" smtClean="0"/>
-              <a:t>etching</a:t>
-            </a:r>
-            <a:endParaRPr lang="ko-KR" altLang="en-US" dirty="0"/>
-          </a:p>
-        </p:txBody>
-      </p:sp>
-      <p:sp>
-        <p:nvSpPr>
-          <p:cNvPr id="17" name="직사각형 16"/>
-          <p:cNvSpPr/>
-          <p:nvPr/>
-        </p:nvSpPr>
-        <p:spPr>
-          <a:xfrm>
-            <a:off x="4238625" y="1506495"/>
-            <a:ext cx="428625" cy="160380"/>
-          </a:xfrm>
-          <a:prstGeom prst="rect">
-            <a:avLst/>
-          </a:prstGeom>
-          <a:noFill/>
-          <a:ln w="28575">
-            <a:solidFill>
-              <a:srgbClr val="3333FF"/>
-            </a:solidFill>
-          </a:ln>
-        </p:spPr>
-        <p:style>
-          <a:lnRef idx="2">
-            <a:schemeClr val="accent1">
-              <a:shade val="50000"/>
-            </a:schemeClr>
-          </a:lnRef>
-          <a:fillRef idx="1">
-            <a:schemeClr val="accent1"/>
-          </a:fillRef>
-          <a:effectRef idx="0">
-            <a:schemeClr val="accent1"/>
-          </a:effectRef>
-          <a:fontRef idx="minor">
-            <a:schemeClr val="lt1"/>
-          </a:fontRef>
-        </p:style>
-        <p:txBody>
-          <a:bodyPr rtlCol="0" anchor="ctr"/>
-          <a:lstStyle/>
-          <a:p>
-            <a:pPr algn="ctr"/>
-            <a:endParaRPr lang="ko-KR" altLang="en-US"/>
-          </a:p>
-        </p:txBody>
-      </p:sp>
-      <p:cxnSp>
-        <p:nvCxnSpPr>
-          <p:cNvPr id="18" name="직선 화살표 연결선 17"/>
-          <p:cNvCxnSpPr/>
-          <p:nvPr/>
-        </p:nvCxnSpPr>
-        <p:spPr>
-          <a:xfrm>
-            <a:off x="3497493" y="2238615"/>
-            <a:ext cx="0" cy="545701"/>
-          </a:xfrm>
-          <a:prstGeom prst="straightConnector1">
-            <a:avLst/>
-          </a:prstGeom>
-          <a:ln w="38100">
-            <a:tailEnd type="triangle"/>
-          </a:ln>
-        </p:spPr>
-        <p:style>
-          <a:lnRef idx="1">
-            <a:schemeClr val="dk1"/>
-          </a:lnRef>
-          <a:fillRef idx="0">
-            <a:schemeClr val="dk1"/>
-          </a:fillRef>
-          <a:effectRef idx="0">
-            <a:schemeClr val="dk1"/>
-          </a:effectRef>
-          <a:fontRef idx="minor">
-            <a:schemeClr val="tx1"/>
-          </a:fontRef>
-        </p:style>
-      </p:cxnSp>
-      <p:graphicFrame>
-        <p:nvGraphicFramePr>
-          <p:cNvPr id="20" name="개체 19"/>
-          <p:cNvGraphicFramePr>
-            <a:graphicFrameLocks noChangeAspect="1"/>
-          </p:cNvGraphicFramePr>
-          <p:nvPr>
-            <p:extLst>
-              <p:ext uri="{D42A27DB-BD31-4B8C-83A1-F6EECF244321}">
-                <p14:modId xmlns:p14="http://schemas.microsoft.com/office/powerpoint/2010/main" val="3875265536"/>
-              </p:ext>
-            </p:extLst>
-          </p:nvPr>
-        </p:nvGraphicFramePr>
-        <p:xfrm>
-          <a:off x="3062204" y="2409945"/>
-          <a:ext cx="381000" cy="241300"/>
-        </p:xfrm>
-        <a:graphic>
-          <a:graphicData uri="http://schemas.openxmlformats.org/presentationml/2006/ole">
-            <mc:AlternateContent xmlns:mc="http://schemas.openxmlformats.org/markup-compatibility/2006">
-              <mc:Choice xmlns:v="urn:schemas-microsoft-com:vml" Requires="v">
-                <p:oleObj spid="_x0000_s2108" name="Equation" r:id="rId5" imgW="380880" imgH="241200" progId="Equation.DSMT4">
-                  <p:embed/>
-                </p:oleObj>
-              </mc:Choice>
-              <mc:Fallback>
-                <p:oleObj name="Equation" r:id="rId5" imgW="380880" imgH="241200" progId="Equation.DSMT4">
-                  <p:embed/>
-                  <p:pic>
-                    <p:nvPicPr>
-                      <p:cNvPr id="0" name=""/>
-                      <p:cNvPicPr/>
-                      <p:nvPr/>
-                    </p:nvPicPr>
-                    <p:blipFill>
-                      <a:blip r:embed="rId6"/>
-                      <a:stretch>
-                        <a:fillRect/>
-                      </a:stretch>
-                    </p:blipFill>
-                    <p:spPr>
-                      <a:xfrm>
-                        <a:off x="3062204" y="2409945"/>
-                        <a:ext cx="381000" cy="241300"/>
-                      </a:xfrm>
-                      <a:prstGeom prst="rect">
-                        <a:avLst/>
-                      </a:prstGeom>
-                    </p:spPr>
-                  </p:pic>
-                </p:oleObj>
-              </mc:Fallback>
-            </mc:AlternateContent>
-          </a:graphicData>
-        </a:graphic>
-      </p:graphicFrame>
-      <p:sp>
-        <p:nvSpPr>
-          <p:cNvPr id="22" name="TextBox 21"/>
-          <p:cNvSpPr txBox="1"/>
-          <p:nvPr/>
-        </p:nvSpPr>
-        <p:spPr>
-          <a:xfrm>
-            <a:off x="547341" y="6216274"/>
-            <a:ext cx="8049318" cy="200055"/>
-          </a:xfrm>
-          <a:prstGeom prst="rect">
-            <a:avLst/>
-          </a:prstGeom>
-          <a:noFill/>
-        </p:spPr>
-        <p:txBody>
-          <a:bodyPr wrap="square" rtlCol="0">
-            <a:spAutoFit/>
-          </a:bodyPr>
-          <a:lstStyle/>
-          <a:p>
-            <a:r>
-              <a:rPr lang="en-US" altLang="ko-KR" sz="700" b="1" dirty="0" smtClean="0"/>
-              <a:t>2012-Rev. Sci. Instrum.-83,08374-Method of electrochemical etching of tungsten tips with controllable profiles(Wei-</a:t>
-            </a:r>
-            <a:r>
-              <a:rPr lang="en-US" altLang="ko-KR" sz="700" b="1" dirty="0" err="1" smtClean="0"/>
-              <a:t>Tse</a:t>
-            </a:r>
-            <a:r>
-              <a:rPr lang="en-US" altLang="ko-KR" sz="700" b="1" dirty="0" smtClean="0"/>
-              <a:t> Chang, </a:t>
-            </a:r>
-            <a:r>
-              <a:rPr lang="en-US" altLang="ko-KR" sz="700" b="1" dirty="0" err="1" smtClean="0"/>
-              <a:t>Ing-Shouh</a:t>
-            </a:r>
-            <a:r>
-              <a:rPr lang="en-US" altLang="ko-KR" sz="700" b="1" dirty="0" smtClean="0"/>
-              <a:t> Hwang, Mu-Tung Chang, Chung-</a:t>
-            </a:r>
-            <a:r>
-              <a:rPr lang="en-US" altLang="ko-KR" sz="700" b="1" dirty="0" err="1" smtClean="0"/>
-              <a:t>Yueh</a:t>
-            </a:r>
-            <a:r>
-              <a:rPr lang="en-US" altLang="ko-KR" sz="700" b="1" dirty="0" smtClean="0"/>
-              <a:t> Lin, Wei-</a:t>
-            </a:r>
-            <a:r>
-              <a:rPr lang="en-US" altLang="ko-KR" sz="700" b="1" dirty="0" err="1" smtClean="0"/>
-              <a:t>Hao</a:t>
-            </a:r>
-            <a:r>
-              <a:rPr lang="en-US" altLang="ko-KR" sz="700" b="1" dirty="0" smtClean="0"/>
-              <a:t> Hsu and </a:t>
-            </a:r>
-            <a:r>
-              <a:rPr lang="en-US" altLang="ko-KR" sz="700" b="1" dirty="0" err="1" smtClean="0"/>
-              <a:t>Jin</a:t>
-            </a:r>
-            <a:r>
-              <a:rPr lang="en-US" altLang="ko-KR" sz="700" b="1" dirty="0" smtClean="0"/>
-              <a:t>-Long </a:t>
-            </a:r>
-            <a:r>
-              <a:rPr lang="en-US" altLang="ko-KR" sz="700" b="1" dirty="0" err="1" smtClean="0"/>
-              <a:t>Hou</a:t>
-            </a:r>
-            <a:r>
-              <a:rPr lang="en-US" altLang="ko-KR" sz="700" b="1" dirty="0" smtClean="0"/>
-              <a:t>)</a:t>
-            </a:r>
-            <a:endParaRPr lang="ko-KR" altLang="en-US" sz="700" b="1" dirty="0"/>
-          </a:p>
-        </p:txBody>
-      </p:sp>
-    </p:spTree>
-    <p:extLst>
-      <p:ext uri="{BB962C8B-B14F-4D97-AF65-F5344CB8AC3E}">
-        <p14:creationId xmlns:p14="http://schemas.microsoft.com/office/powerpoint/2010/main" val="421860086"/>
-      </p:ext>
-    </p:extLst>
-  </p:cSld>
-  <p:clrMapOvr>
-    <a:masterClrMapping/>
-  </p:clrMapOvr>
-  <p:timing>
-    <p:tnLst>
-      <p:par>
-        <p:cTn id="1" dur="indefinite" restart="never" nodeType="tmRoot"/>
-      </p:par>
-    </p:tnLst>
-  </p:timing>
-</p:sld>
-</file>
-
-<file path=ppt/slides/slide11.xml><?xml version="1.0" encoding="utf-8"?>
-<p:sld xmlns:a="http://schemas.openxmlformats.org/drawingml/2006/main" xmlns:r="http://schemas.openxmlformats.org/officeDocument/2006/relationships" xmlns:p="http://schemas.openxmlformats.org/presentationml/2006/main">
-  <p:cSld>
-    <p:spTree>
-      <p:nvGrpSpPr>
-        <p:cNvPr id="1" name=""/>
-        <p:cNvGrpSpPr/>
-        <p:nvPr/>
-      </p:nvGrpSpPr>
-      <p:grpSpPr>
-        <a:xfrm>
-          <a:off x="0" y="0"/>
-          <a:ext cx="0" cy="0"/>
-          <a:chOff x="0" y="0"/>
-          <a:chExt cx="0" cy="0"/>
-        </a:xfrm>
-      </p:grpSpPr>
-      <p:sp>
-        <p:nvSpPr>
-          <p:cNvPr id="4" name="날짜 개체 틀 3"/>
-          <p:cNvSpPr>
-            <a:spLocks noGrp="1"/>
-          </p:cNvSpPr>
-          <p:nvPr>
-            <p:ph type="dt" sz="half" idx="10"/>
-          </p:nvPr>
-        </p:nvSpPr>
-        <p:spPr/>
-        <p:txBody>
-          <a:bodyPr/>
-          <a:lstStyle/>
-          <a:p>
-            <a:fld id="{EDD93E7F-B437-40E5-8ACB-B79696783EFA}" type="datetime1">
-              <a:rPr lang="ko-KR" altLang="en-US" smtClean="0"/>
-              <a:t>2018-11-28</a:t>
-            </a:fld>
-            <a:endParaRPr lang="ko-KR" altLang="en-US"/>
-          </a:p>
-        </p:txBody>
-      </p:sp>
-      <p:sp>
-        <p:nvSpPr>
-          <p:cNvPr id="5" name="슬라이드 번호 개체 틀 4"/>
-          <p:cNvSpPr>
-            <a:spLocks noGrp="1"/>
-          </p:cNvSpPr>
-          <p:nvPr>
-            <p:ph type="sldNum" sz="quarter" idx="12"/>
-          </p:nvPr>
-        </p:nvSpPr>
-        <p:spPr/>
-        <p:txBody>
-          <a:bodyPr/>
-          <a:lstStyle/>
-          <a:p>
-            <a:fld id="{8765F8EB-1186-4395-8E70-F957669279DD}" type="slidenum">
-              <a:rPr lang="ko-KR" altLang="en-US" smtClean="0"/>
-              <a:t>11</a:t>
-            </a:fld>
-            <a:endParaRPr lang="ko-KR" altLang="en-US"/>
-          </a:p>
-        </p:txBody>
-      </p:sp>
-      <p:sp>
-        <p:nvSpPr>
-          <p:cNvPr id="7" name="Rectangle 55"/>
-          <p:cNvSpPr>
-            <a:spLocks noChangeArrowheads="1"/>
-          </p:cNvSpPr>
-          <p:nvPr/>
-        </p:nvSpPr>
-        <p:spPr bwMode="auto">
-          <a:xfrm>
-            <a:off x="0" y="0"/>
-            <a:ext cx="9144000" cy="692150"/>
-          </a:xfrm>
-          <a:prstGeom prst="rect">
-            <a:avLst/>
-          </a:prstGeom>
-          <a:solidFill>
-            <a:srgbClr val="3333FF"/>
-          </a:solidFill>
-          <a:ln>
-            <a:noFill/>
-          </a:ln>
-          <a:effectLst/>
-          <a:extLst>
-            <a:ext uri="{91240B29-F687-4F45-9708-019B960494DF}">
-              <a14:hiddenLine xmlns:a14="http://schemas.microsoft.com/office/drawing/2010/main" w="9525">
-                <a:solidFill>
-                  <a:schemeClr val="tx1"/>
-                </a:solidFill>
-                <a:miter lim="800000"/>
-                <a:headEnd/>
-                <a:tailEnd/>
-              </a14:hiddenLine>
-            </a:ext>
-            <a:ext uri="{AF507438-7753-43E0-B8FC-AC1667EBCBE1}">
-              <a14:hiddenEffects xmlns:a14="http://schemas.microsoft.com/office/drawing/2010/main">
-                <a:effectLst>
-                  <a:outerShdw dist="35921" dir="2700000" algn="ctr" rotWithShape="0">
-                    <a:schemeClr val="bg2"/>
-                  </a:outerShdw>
-                </a:effectLst>
-              </a14:hiddenEffects>
-            </a:ext>
-          </a:extLst>
-        </p:spPr>
-        <p:txBody>
-          <a:bodyPr wrap="none" anchor="ctr"/>
-          <a:lstStyle/>
-          <a:p>
-            <a:pPr algn="ctr"/>
-            <a:r>
-              <a:rPr lang="en-US" altLang="ko-KR" sz="2800" dirty="0">
-                <a:solidFill>
-                  <a:schemeClr val="bg1"/>
-                </a:solidFill>
-                <a:latin typeface="Arial" panose="020B0604020202020204" pitchFamily="34" charset="0"/>
-              </a:rPr>
-              <a:t>Hardware </a:t>
-            </a:r>
-            <a:r>
-              <a:rPr lang="en-US" altLang="ko-KR" sz="2800" dirty="0" smtClean="0">
-                <a:solidFill>
-                  <a:schemeClr val="bg1"/>
-                </a:solidFill>
-                <a:latin typeface="Arial" panose="020B0604020202020204" pitchFamily="34" charset="0"/>
-              </a:rPr>
-              <a:t>Design</a:t>
-            </a:r>
-          </a:p>
-        </p:txBody>
-      </p:sp>
-      <p:pic>
-        <p:nvPicPr>
-          <p:cNvPr id="2" name="그림 1"/>
-          <p:cNvPicPr>
-            <a:picLocks noChangeAspect="1"/>
-          </p:cNvPicPr>
-          <p:nvPr/>
-        </p:nvPicPr>
-        <p:blipFill>
-          <a:blip r:embed="rId2"/>
-          <a:stretch>
-            <a:fillRect/>
-          </a:stretch>
-        </p:blipFill>
-        <p:spPr>
-          <a:xfrm>
-            <a:off x="5654171" y="1429342"/>
-            <a:ext cx="2388608" cy="1349913"/>
-          </a:xfrm>
-          <a:prstGeom prst="rect">
-            <a:avLst/>
-          </a:prstGeom>
-        </p:spPr>
-      </p:pic>
-      <p:sp>
-        <p:nvSpPr>
-          <p:cNvPr id="3" name="TextBox 2"/>
-          <p:cNvSpPr txBox="1"/>
-          <p:nvPr/>
-        </p:nvSpPr>
-        <p:spPr>
-          <a:xfrm>
-            <a:off x="628650" y="922964"/>
-            <a:ext cx="6219825" cy="2031325"/>
-          </a:xfrm>
-          <a:prstGeom prst="rect">
-            <a:avLst/>
-          </a:prstGeom>
-          <a:noFill/>
-        </p:spPr>
-        <p:txBody>
-          <a:bodyPr wrap="square" rtlCol="0">
-            <a:spAutoFit/>
-          </a:bodyPr>
-          <a:lstStyle/>
-          <a:p>
-            <a:r>
-              <a:rPr lang="en-US" altLang="ko-KR" b="1" dirty="0" smtClean="0"/>
-              <a:t>Current Sensor: INA219 High Side DC Current Sensor Breakout</a:t>
-            </a:r>
-          </a:p>
-          <a:p>
-            <a:pPr marL="285750" indent="-285750">
-              <a:buFontTx/>
-              <a:buChar char="-"/>
-            </a:pPr>
-            <a:r>
-              <a:rPr lang="en-US" altLang="ko-KR" dirty="0" smtClean="0"/>
-              <a:t>Max DC: 26 V</a:t>
-            </a:r>
-          </a:p>
-          <a:p>
-            <a:pPr marL="285750" indent="-285750">
-              <a:buFontTx/>
-              <a:buChar char="-"/>
-            </a:pPr>
-            <a:r>
-              <a:rPr lang="en-US" altLang="ko-KR" dirty="0" smtClean="0"/>
-              <a:t>Max Current: ±3.2 A</a:t>
-            </a:r>
-          </a:p>
-          <a:p>
-            <a:pPr marL="285750" indent="-285750">
-              <a:buFontTx/>
-              <a:buChar char="-"/>
-            </a:pPr>
-            <a:r>
-              <a:rPr lang="en-US" altLang="ko-KR" dirty="0" smtClean="0"/>
-              <a:t>Resolution: 0.1 mA</a:t>
-            </a:r>
-          </a:p>
-          <a:p>
-            <a:pPr marL="285750" indent="-285750">
-              <a:buFontTx/>
-              <a:buChar char="-"/>
-            </a:pPr>
-            <a:r>
-              <a:rPr lang="en-US" altLang="ko-KR" dirty="0" smtClean="0"/>
-              <a:t>Precision: 1%</a:t>
-            </a:r>
-          </a:p>
-          <a:p>
-            <a:pPr marL="285750" indent="-285750">
-              <a:buFontTx/>
-              <a:buChar char="-"/>
-            </a:pPr>
-            <a:endParaRPr lang="en-US" altLang="ko-KR" dirty="0" smtClean="0"/>
-          </a:p>
-          <a:p>
-            <a:r>
-              <a:rPr lang="en-US" altLang="ko-KR" dirty="0" smtClean="0">
-                <a:sym typeface="Wingdings" panose="05000000000000000000" pitchFamily="2" charset="2"/>
-              </a:rPr>
-              <a:t> </a:t>
-            </a:r>
-            <a:r>
-              <a:rPr lang="ko-KR" altLang="en-US" dirty="0" smtClean="0">
-                <a:sym typeface="Wingdings" panose="05000000000000000000" pitchFamily="2" charset="2"/>
-              </a:rPr>
-              <a:t>제조사에서 </a:t>
-            </a:r>
-            <a:r>
-              <a:rPr lang="en-US" altLang="ko-KR" dirty="0" smtClean="0">
-                <a:sym typeface="Wingdings" panose="05000000000000000000" pitchFamily="2" charset="2"/>
-              </a:rPr>
-              <a:t>library </a:t>
-            </a:r>
-            <a:r>
-              <a:rPr lang="ko-KR" altLang="en-US" dirty="0" smtClean="0">
-                <a:sym typeface="Wingdings" panose="05000000000000000000" pitchFamily="2" charset="2"/>
-              </a:rPr>
-              <a:t>및 </a:t>
-            </a:r>
-            <a:r>
-              <a:rPr lang="en-US" altLang="ko-KR" dirty="0" smtClean="0">
-                <a:sym typeface="Wingdings" panose="05000000000000000000" pitchFamily="2" charset="2"/>
-              </a:rPr>
-              <a:t>Arduino code </a:t>
-            </a:r>
-            <a:r>
-              <a:rPr lang="ko-KR" altLang="en-US" dirty="0" smtClean="0">
-                <a:sym typeface="Wingdings" panose="05000000000000000000" pitchFamily="2" charset="2"/>
-              </a:rPr>
-              <a:t>제공</a:t>
-            </a:r>
-            <a:endParaRPr lang="ko-KR" altLang="en-US" dirty="0"/>
-          </a:p>
-        </p:txBody>
-      </p:sp>
-      <p:sp>
-        <p:nvSpPr>
-          <p:cNvPr id="9" name="TextBox 8"/>
-          <p:cNvSpPr txBox="1"/>
-          <p:nvPr/>
-        </p:nvSpPr>
-        <p:spPr>
-          <a:xfrm>
-            <a:off x="547341" y="6216274"/>
-            <a:ext cx="8049318" cy="200055"/>
-          </a:xfrm>
-          <a:prstGeom prst="rect">
-            <a:avLst/>
-          </a:prstGeom>
-          <a:noFill/>
-        </p:spPr>
-        <p:txBody>
-          <a:bodyPr wrap="square" rtlCol="0">
-            <a:spAutoFit/>
-          </a:bodyPr>
-          <a:lstStyle/>
-          <a:p>
-            <a:r>
-              <a:rPr lang="en-US" altLang="ko-KR" sz="700" b="1" dirty="0"/>
-              <a:t>https://learn.adafruit.com/adafruit-ina219-current-sensor-breakout/overview</a:t>
-            </a:r>
-            <a:endParaRPr lang="ko-KR" altLang="en-US" sz="700" b="1" dirty="0"/>
-          </a:p>
-        </p:txBody>
-      </p:sp>
-      <p:sp>
-        <p:nvSpPr>
-          <p:cNvPr id="10" name="TextBox 9"/>
-          <p:cNvSpPr txBox="1"/>
-          <p:nvPr/>
-        </p:nvSpPr>
-        <p:spPr>
-          <a:xfrm>
-            <a:off x="628650" y="3094366"/>
-            <a:ext cx="6219825" cy="1200329"/>
-          </a:xfrm>
-          <a:prstGeom prst="rect">
-            <a:avLst/>
-          </a:prstGeom>
-          <a:noFill/>
-        </p:spPr>
-        <p:txBody>
-          <a:bodyPr wrap="square" rtlCol="0">
-            <a:spAutoFit/>
-          </a:bodyPr>
-          <a:lstStyle/>
-          <a:p>
-            <a:r>
-              <a:rPr lang="en-US" altLang="ko-KR" b="1" dirty="0" smtClean="0"/>
-              <a:t>Monitor display: Monochrome 128*32 SPI OLED graphic display</a:t>
-            </a:r>
-          </a:p>
-          <a:p>
-            <a:pPr marL="285750" indent="-285750">
-              <a:buFontTx/>
-              <a:buChar char="-"/>
-            </a:pPr>
-            <a:r>
-              <a:rPr lang="en-US" altLang="ko-KR" dirty="0" smtClean="0"/>
-              <a:t>128*32 individual white OLED pixels</a:t>
-            </a:r>
-          </a:p>
-          <a:p>
-            <a:pPr marL="285750" indent="-285750">
-              <a:buFontTx/>
-              <a:buChar char="-"/>
-            </a:pPr>
-            <a:endParaRPr lang="en-US" altLang="ko-KR" dirty="0" smtClean="0"/>
-          </a:p>
-          <a:p>
-            <a:r>
-              <a:rPr lang="en-US" altLang="ko-KR" dirty="0">
-                <a:sym typeface="Wingdings" panose="05000000000000000000" pitchFamily="2" charset="2"/>
-              </a:rPr>
-              <a:t> </a:t>
-            </a:r>
-            <a:r>
-              <a:rPr lang="ko-KR" altLang="en-US" dirty="0">
-                <a:sym typeface="Wingdings" panose="05000000000000000000" pitchFamily="2" charset="2"/>
-              </a:rPr>
-              <a:t>제조사에서 </a:t>
-            </a:r>
-            <a:r>
-              <a:rPr lang="en-US" altLang="ko-KR" dirty="0">
-                <a:sym typeface="Wingdings" panose="05000000000000000000" pitchFamily="2" charset="2"/>
-              </a:rPr>
-              <a:t>library </a:t>
-            </a:r>
-            <a:r>
-              <a:rPr lang="ko-KR" altLang="en-US" dirty="0">
-                <a:sym typeface="Wingdings" panose="05000000000000000000" pitchFamily="2" charset="2"/>
-              </a:rPr>
-              <a:t>및 </a:t>
-            </a:r>
-            <a:r>
-              <a:rPr lang="en-US" altLang="ko-KR" dirty="0">
-                <a:sym typeface="Wingdings" panose="05000000000000000000" pitchFamily="2" charset="2"/>
-              </a:rPr>
-              <a:t>Arduino code </a:t>
-            </a:r>
-            <a:r>
-              <a:rPr lang="ko-KR" altLang="en-US" dirty="0" smtClean="0">
-                <a:sym typeface="Wingdings" panose="05000000000000000000" pitchFamily="2" charset="2"/>
-              </a:rPr>
-              <a:t>제공</a:t>
-            </a:r>
-            <a:endParaRPr lang="ko-KR" altLang="en-US" dirty="0"/>
-          </a:p>
-        </p:txBody>
-      </p:sp>
-      <p:pic>
-        <p:nvPicPr>
-          <p:cNvPr id="11" name="Picture 2" descr="Monochrome 128x32 SPI OLED graphic display"/>
-          <p:cNvPicPr>
-            <a:picLocks noChangeAspect="1" noChangeArrowheads="1"/>
-          </p:cNvPicPr>
-          <p:nvPr/>
-        </p:nvPicPr>
-        <p:blipFill>
-          <a:blip r:embed="rId3" cstate="print">
-            <a:extLst>
-              <a:ext uri="{28A0092B-C50C-407E-A947-70E740481C1C}">
-                <a14:useLocalDpi xmlns:a14="http://schemas.microsoft.com/office/drawing/2010/main" val="0"/>
-              </a:ext>
-            </a:extLst>
-          </a:blip>
-          <a:srcRect/>
-          <a:stretch>
-            <a:fillRect/>
-          </a:stretch>
-        </p:blipFill>
-        <p:spPr bwMode="auto">
-          <a:xfrm>
-            <a:off x="6775604" y="3139135"/>
-            <a:ext cx="1945701" cy="1460279"/>
-          </a:xfrm>
-          <a:prstGeom prst="rect">
-            <a:avLst/>
-          </a:prstGeom>
-          <a:noFill/>
-          <a:extLst>
-            <a:ext uri="{909E8E84-426E-40DD-AFC4-6F175D3DCCD1}">
-              <a14:hiddenFill xmlns:a14="http://schemas.microsoft.com/office/drawing/2010/main">
-                <a:solidFill>
-                  <a:srgbClr val="FFFFFF"/>
-                </a:solidFill>
-              </a14:hiddenFill>
-            </a:ext>
-          </a:extLst>
-        </p:spPr>
-      </p:pic>
-      <p:sp>
-        <p:nvSpPr>
-          <p:cNvPr id="12" name="TextBox 11"/>
-          <p:cNvSpPr txBox="1"/>
-          <p:nvPr/>
-        </p:nvSpPr>
-        <p:spPr>
-          <a:xfrm>
-            <a:off x="628650" y="4577243"/>
-            <a:ext cx="6219825" cy="646331"/>
-          </a:xfrm>
-          <a:prstGeom prst="rect">
-            <a:avLst/>
-          </a:prstGeom>
-          <a:noFill/>
-        </p:spPr>
-        <p:txBody>
-          <a:bodyPr wrap="square" rtlCol="0">
-            <a:spAutoFit/>
-          </a:bodyPr>
-          <a:lstStyle/>
-          <a:p>
-            <a:r>
-              <a:rPr lang="en-US" altLang="ko-KR" b="1" dirty="0" smtClean="0"/>
-              <a:t>Switch: Arduino 1 CH 5V relay module</a:t>
-            </a:r>
-          </a:p>
-          <a:p>
-            <a:pPr marL="285750" indent="-285750">
-              <a:buFontTx/>
-              <a:buChar char="-"/>
-            </a:pPr>
-            <a:r>
-              <a:rPr lang="en-US" altLang="ko-KR" dirty="0" smtClean="0"/>
-              <a:t>Arduino</a:t>
-            </a:r>
-            <a:r>
-              <a:rPr lang="ko-KR" altLang="en-US" dirty="0" smtClean="0"/>
-              <a:t>에서 전류 </a:t>
-            </a:r>
-            <a:r>
-              <a:rPr lang="en-US" altLang="ko-KR" dirty="0" smtClean="0"/>
-              <a:t>ON/OFF control</a:t>
-            </a:r>
-            <a:endParaRPr lang="ko-KR" altLang="en-US" dirty="0"/>
-          </a:p>
-        </p:txBody>
-      </p:sp>
-      <p:pic>
-        <p:nvPicPr>
-          <p:cNvPr id="13" name="Picture 2" descr="http://image3.compuzone.co.kr/img/product_img/2018/0718/480912/480912_350.jpg"/>
-          <p:cNvPicPr>
-            <a:picLocks noChangeAspect="1" noChangeArrowheads="1"/>
-          </p:cNvPicPr>
-          <p:nvPr/>
-        </p:nvPicPr>
-        <p:blipFill>
-          <a:blip r:embed="rId4">
-            <a:extLst>
-              <a:ext uri="{28A0092B-C50C-407E-A947-70E740481C1C}">
-                <a14:useLocalDpi xmlns:a14="http://schemas.microsoft.com/office/drawing/2010/main" val="0"/>
-              </a:ext>
-            </a:extLst>
-          </a:blip>
-          <a:srcRect/>
-          <a:stretch>
-            <a:fillRect/>
-          </a:stretch>
-        </p:blipFill>
-        <p:spPr bwMode="auto">
-          <a:xfrm>
-            <a:off x="5088315" y="4729182"/>
-            <a:ext cx="2071742" cy="1550848"/>
-          </a:xfrm>
-          <a:prstGeom prst="rect">
-            <a:avLst/>
-          </a:prstGeom>
-          <a:noFill/>
-          <a:extLst>
-            <a:ext uri="{909E8E84-426E-40DD-AFC4-6F175D3DCCD1}">
-              <a14:hiddenFill xmlns:a14="http://schemas.microsoft.com/office/drawing/2010/main">
-                <a:solidFill>
-                  <a:srgbClr val="FFFFFF"/>
-                </a:solidFill>
-              </a14:hiddenFill>
-            </a:ext>
-          </a:extLst>
-        </p:spPr>
-      </p:pic>
-    </p:spTree>
-    <p:extLst>
-      <p:ext uri="{BB962C8B-B14F-4D97-AF65-F5344CB8AC3E}">
-        <p14:creationId xmlns:p14="http://schemas.microsoft.com/office/powerpoint/2010/main" val="3744111651"/>
       </p:ext>
     </p:extLst>
   </p:cSld>
@@ -4803,7 +3683,7 @@
           <a:p>
             <a:fld id="{EDD93E7F-B437-40E5-8ACB-B79696783EFA}" type="datetime1">
               <a:rPr lang="ko-KR" altLang="en-US" smtClean="0"/>
-              <a:t>2018-11-28</a:t>
+              <a:t>2018-12-09</a:t>
             </a:fld>
             <a:endParaRPr lang="ko-KR" altLang="en-US"/>
           </a:p>
@@ -5170,7 +4050,7 @@
           <a:p>
             <a:fld id="{EDD93E7F-B437-40E5-8ACB-B79696783EFA}" type="datetime1">
               <a:rPr lang="ko-KR" altLang="en-US" smtClean="0"/>
-              <a:t>2018-11-28</a:t>
+              <a:t>2018-12-09</a:t>
             </a:fld>
             <a:endParaRPr lang="ko-KR" altLang="en-US"/>
           </a:p>
@@ -5285,7 +4165,6 @@
               <a:rPr lang="en-US" altLang="ko-KR" sz="1600" b="1" dirty="0" smtClean="0"/>
               <a:t>)</a:t>
             </a:r>
-            <a:endParaRPr lang="en-US" altLang="ko-KR" sz="1600" b="1" dirty="0" smtClean="0"/>
           </a:p>
         </p:txBody>
       </p:sp>
@@ -5428,6 +4307,108 @@
           <a:p>
             <a:pPr algn="ctr"/>
             <a:endParaRPr lang="ko-KR" altLang="en-US"/>
+          </a:p>
+        </p:txBody>
+      </p:sp>
+      <p:sp>
+        <p:nvSpPr>
+          <p:cNvPr id="2" name="TextBox 1"/>
+          <p:cNvSpPr txBox="1"/>
+          <p:nvPr/>
+        </p:nvSpPr>
+        <p:spPr>
+          <a:xfrm>
+            <a:off x="5510992" y="1974714"/>
+            <a:ext cx="1055717" cy="369332"/>
+          </a:xfrm>
+          <a:prstGeom prst="rect">
+            <a:avLst/>
+          </a:prstGeom>
+          <a:noFill/>
+        </p:spPr>
+        <p:txBody>
+          <a:bodyPr wrap="square" rtlCol="0">
+            <a:spAutoFit/>
+          </a:bodyPr>
+          <a:lstStyle/>
+          <a:p>
+            <a:r>
+              <a:rPr lang="en-US" altLang="ko-KR" dirty="0" smtClean="0"/>
+              <a:t>Two step</a:t>
+            </a:r>
+            <a:endParaRPr lang="ko-KR" altLang="en-US" dirty="0"/>
+          </a:p>
+        </p:txBody>
+      </p:sp>
+      <p:sp>
+        <p:nvSpPr>
+          <p:cNvPr id="11" name="TextBox 10"/>
+          <p:cNvSpPr txBox="1"/>
+          <p:nvPr/>
+        </p:nvSpPr>
+        <p:spPr>
+          <a:xfrm>
+            <a:off x="3961013" y="4422733"/>
+            <a:ext cx="4916979" cy="954107"/>
+          </a:xfrm>
+          <a:prstGeom prst="rect">
+            <a:avLst/>
+          </a:prstGeom>
+          <a:noFill/>
+        </p:spPr>
+        <p:txBody>
+          <a:bodyPr wrap="square" rtlCol="0">
+            <a:spAutoFit/>
+          </a:bodyPr>
+          <a:lstStyle/>
+          <a:p>
+            <a:pPr marL="285750" indent="-285750">
+              <a:buFontTx/>
+              <a:buChar char="-"/>
+            </a:pPr>
+            <a:r>
+              <a:rPr lang="en-US" altLang="ko-KR" sz="1400" dirty="0" smtClean="0"/>
+              <a:t>primary </a:t>
+            </a:r>
+            <a:r>
+              <a:rPr lang="en-US" altLang="ko-KR" sz="1400" dirty="0"/>
+              <a:t>shaft diameter and length in the range </a:t>
+            </a:r>
+            <a:r>
+              <a:rPr lang="en-US" altLang="ko-KR" sz="1400" dirty="0" smtClean="0"/>
+              <a:t>of 10–40 </a:t>
+            </a:r>
+            <a:r>
+              <a:rPr lang="en-US" altLang="ko-KR" sz="1400" dirty="0" err="1"/>
+              <a:t>μm</a:t>
+            </a:r>
+            <a:r>
+              <a:rPr lang="en-US" altLang="ko-KR" sz="1400" dirty="0"/>
+              <a:t> and 2–5 mm, </a:t>
+            </a:r>
+            <a:r>
+              <a:rPr lang="en-US" altLang="ko-KR" sz="1400" dirty="0" smtClean="0"/>
+              <a:t>respectively</a:t>
+            </a:r>
+            <a:r>
+              <a:rPr lang="en-US" altLang="ko-KR" sz="1400" dirty="0"/>
+              <a:t>, can be fabricated with high success rate (∼80</a:t>
+            </a:r>
+            <a:r>
+              <a:rPr lang="en-US" altLang="ko-KR" sz="1400" dirty="0" smtClean="0"/>
+              <a:t>%).</a:t>
+            </a:r>
+          </a:p>
+          <a:p>
+            <a:pPr marL="285750" indent="-285750">
+              <a:buFontTx/>
+              <a:buChar char="-"/>
+            </a:pPr>
+            <a:r>
+              <a:rPr lang="en-US" altLang="ko-KR" sz="1400" dirty="0" smtClean="0"/>
+              <a:t>High Q-factor</a:t>
+            </a:r>
+            <a:endParaRPr lang="ko-KR" altLang="en-US" sz="1400" dirty="0"/>
           </a:p>
         </p:txBody>
       </p:sp>
@@ -5485,7 +4466,7 @@
           <a:p>
             <a:fld id="{EDD93E7F-B437-40E5-8ACB-B79696783EFA}" type="datetime1">
               <a:rPr lang="ko-KR" altLang="en-US" smtClean="0"/>
-              <a:t>2018-11-28</a:t>
+              <a:t>2018-12-09</a:t>
             </a:fld>
             <a:endParaRPr lang="ko-KR" altLang="en-US"/>
           </a:p>
@@ -5523,7 +4504,7 @@
         <p:spPr>
           <a:xfrm>
             <a:off x="266007" y="259135"/>
-            <a:ext cx="8611986" cy="830997"/>
+            <a:ext cx="8611986" cy="584775"/>
           </a:xfrm>
           <a:prstGeom prst="rect">
             <a:avLst/>
@@ -5538,15 +4519,31 @@
           <a:p>
             <a:r>
               <a:rPr lang="en-US" altLang="ko-KR" sz="1600" b="1" dirty="0" smtClean="0"/>
-              <a:t>2003-Metals and Materials International-9,4-An Electrochemical Etching Procedure for Fabricating Scanning Tunneling Microscopy and Atom-Probe Field-Ion Microscopy Tips (</a:t>
+              <a:t>2002-Nano Letters-2,3-Reproducible Electrochemical Etching of Tungsten Probe Tips (Olivier L. Guise, Joachim W. </a:t>
             </a:r>
             <a:r>
               <a:rPr lang="en-US" altLang="ko-KR" sz="1600" b="1" dirty="0" err="1" smtClean="0"/>
-              <a:t>Yeong-Cheol</a:t>
+              <a:t>Ahner</a:t>
             </a:r>
             <a:r>
               <a:rPr lang="en-US" altLang="ko-KR" sz="1600" b="1" dirty="0" smtClean="0"/>
-              <a:t> Kim and David N. Seidman)</a:t>
+              <a:t>, Moon-</a:t>
+            </a:r>
+            <a:r>
+              <a:rPr lang="en-US" altLang="ko-KR" sz="1600" b="1" dirty="0" err="1" smtClean="0"/>
+              <a:t>Chul</a:t>
+            </a:r>
+            <a:r>
+              <a:rPr lang="en-US" altLang="ko-KR" sz="1600" b="1" dirty="0" smtClean="0"/>
+              <a:t> Jung, Peter C. </a:t>
+            </a:r>
+            <a:r>
+              <a:rPr lang="en-US" altLang="ko-KR" sz="1600" b="1" dirty="0" err="1" smtClean="0"/>
+              <a:t>Goughnour</a:t>
+            </a:r>
+            <a:r>
+              <a:rPr lang="en-US" altLang="ko-KR" sz="1600" b="1" dirty="0" smtClean="0"/>
+              <a:t>, and John T. Yates, Jr.)</a:t>
             </a:r>
             <a:endParaRPr lang="ko-KR" altLang="en-US" sz="1600" b="1" dirty="0"/>
           </a:p>
@@ -5554,7 +4551,7 @@
       </p:sp>
       <p:pic>
         <p:nvPicPr>
-          <p:cNvPr id="3" name="그림 2"/>
+          <p:cNvPr id="2" name="그림 1"/>
           <p:cNvPicPr>
             <a:picLocks noChangeAspect="1"/>
           </p:cNvPicPr>
@@ -5568,18 +4565,184 @@
         </p:blipFill>
         <p:spPr>
           <a:xfrm>
-            <a:off x="266007" y="1226819"/>
-            <a:ext cx="3701730" cy="3533775"/>
+            <a:off x="266007" y="1421170"/>
+            <a:ext cx="3724412" cy="2323148"/>
           </a:xfrm>
           <a:prstGeom prst="rect">
             <a:avLst/>
           </a:prstGeom>
         </p:spPr>
       </p:pic>
+      <p:pic>
+        <p:nvPicPr>
+          <p:cNvPr id="3" name="그림 2"/>
+          <p:cNvPicPr>
+            <a:picLocks noChangeAspect="1"/>
+          </p:cNvPicPr>
+          <p:nvPr/>
+        </p:nvPicPr>
+        <p:blipFill>
+          <a:blip r:embed="rId3"/>
+          <a:stretch>
+            <a:fillRect/>
+          </a:stretch>
+        </p:blipFill>
+        <p:spPr>
+          <a:xfrm>
+            <a:off x="3990419" y="1459773"/>
+            <a:ext cx="2520000" cy="2288909"/>
+          </a:xfrm>
+          <a:prstGeom prst="rect">
+            <a:avLst/>
+          </a:prstGeom>
+        </p:spPr>
+      </p:pic>
+      <p:pic>
+        <p:nvPicPr>
+          <p:cNvPr id="6" name="그림 5"/>
+          <p:cNvPicPr>
+            <a:picLocks noChangeAspect="1"/>
+          </p:cNvPicPr>
+          <p:nvPr/>
+        </p:nvPicPr>
+        <p:blipFill>
+          <a:blip r:embed="rId4"/>
+          <a:stretch>
+            <a:fillRect/>
+          </a:stretch>
+        </p:blipFill>
+        <p:spPr>
+          <a:xfrm>
+            <a:off x="6624000" y="1454381"/>
+            <a:ext cx="2520000" cy="2289937"/>
+          </a:xfrm>
+          <a:prstGeom prst="rect">
+            <a:avLst/>
+          </a:prstGeom>
+        </p:spPr>
+      </p:pic>
+      <p:pic>
+        <p:nvPicPr>
+          <p:cNvPr id="7" name="그림 6"/>
+          <p:cNvPicPr>
+            <a:picLocks noChangeAspect="1"/>
+          </p:cNvPicPr>
+          <p:nvPr/>
+        </p:nvPicPr>
+        <p:blipFill>
+          <a:blip r:embed="rId5"/>
+          <a:stretch>
+            <a:fillRect/>
+          </a:stretch>
+        </p:blipFill>
+        <p:spPr>
+          <a:xfrm>
+            <a:off x="1287406" y="3939215"/>
+            <a:ext cx="1681613" cy="1600766"/>
+          </a:xfrm>
+          <a:prstGeom prst="rect">
+            <a:avLst/>
+          </a:prstGeom>
+        </p:spPr>
+      </p:pic>
+      <p:sp>
+        <p:nvSpPr>
+          <p:cNvPr id="9" name="TextBox 8"/>
+          <p:cNvSpPr txBox="1"/>
+          <p:nvPr/>
+        </p:nvSpPr>
+        <p:spPr>
+          <a:xfrm>
+            <a:off x="3990419" y="888597"/>
+            <a:ext cx="4350363" cy="523220"/>
+          </a:xfrm>
+          <a:prstGeom prst="rect">
+            <a:avLst/>
+          </a:prstGeom>
+          <a:noFill/>
+        </p:spPr>
+        <p:txBody>
+          <a:bodyPr wrap="square" rtlCol="0">
+            <a:spAutoFit/>
+          </a:bodyPr>
+          <a:lstStyle/>
+          <a:p>
+            <a:r>
+              <a:rPr lang="en-US" altLang="ko-KR" sz="1400" dirty="0" smtClean="0"/>
+              <a:t>Post-etching: wire</a:t>
+            </a:r>
+            <a:r>
+              <a:rPr lang="ko-KR" altLang="en-US" sz="1400" dirty="0" smtClean="0"/>
+              <a:t>가 끊어진 이후에도 </a:t>
+            </a:r>
+            <a:r>
+              <a:rPr lang="en-US" altLang="ko-KR" sz="1400" dirty="0" smtClean="0"/>
+              <a:t>etching process</a:t>
+            </a:r>
+            <a:r>
+              <a:rPr lang="ko-KR" altLang="en-US" sz="1400" dirty="0" smtClean="0"/>
+              <a:t>를 진행하는 것</a:t>
+            </a:r>
+            <a:endParaRPr lang="ko-KR" altLang="en-US" sz="1400" dirty="0"/>
+          </a:p>
+        </p:txBody>
+      </p:sp>
+      <p:sp>
+        <p:nvSpPr>
+          <p:cNvPr id="10" name="TextBox 9"/>
+          <p:cNvSpPr txBox="1"/>
+          <p:nvPr/>
+        </p:nvSpPr>
+        <p:spPr>
+          <a:xfrm>
+            <a:off x="3249373" y="4477988"/>
+            <a:ext cx="5832453" cy="523220"/>
+          </a:xfrm>
+          <a:prstGeom prst="rect">
+            <a:avLst/>
+          </a:prstGeom>
+          <a:noFill/>
+        </p:spPr>
+        <p:txBody>
+          <a:bodyPr wrap="square" rtlCol="0">
+            <a:spAutoFit/>
+          </a:bodyPr>
+          <a:lstStyle/>
+          <a:p>
+            <a:pPr marL="285750" indent="-285750">
+              <a:buFontTx/>
+              <a:buChar char="-"/>
+            </a:pPr>
+            <a:r>
+              <a:rPr lang="en-US" altLang="ko-KR" sz="1400" dirty="0" smtClean="0"/>
+              <a:t>Each </a:t>
+            </a:r>
+            <a:r>
+              <a:rPr lang="en-US" altLang="ko-KR" sz="1400" dirty="0"/>
+              <a:t>data point corresponds to an average of at least 5 tips</a:t>
+            </a:r>
+            <a:r>
+              <a:rPr lang="en-US" altLang="ko-KR" sz="1400" dirty="0" smtClean="0"/>
+              <a:t>.</a:t>
+            </a:r>
+          </a:p>
+          <a:p>
+            <a:pPr marL="285750" indent="-285750">
+              <a:buFontTx/>
+              <a:buChar char="-"/>
+            </a:pPr>
+            <a:r>
+              <a:rPr lang="en-US" altLang="ko-KR" sz="1400" dirty="0"/>
+              <a:t>This method produces tips in a very controlled and reproducible manner.</a:t>
+            </a:r>
+            <a:endParaRPr lang="ko-KR" altLang="en-US" sz="1400" dirty="0"/>
+          </a:p>
+        </p:txBody>
+      </p:sp>
     </p:spTree>
     <p:extLst>
       <p:ext uri="{BB962C8B-B14F-4D97-AF65-F5344CB8AC3E}">
-        <p14:creationId xmlns:p14="http://schemas.microsoft.com/office/powerpoint/2010/main" val="1411362826"/>
+        <p14:creationId xmlns:p14="http://schemas.microsoft.com/office/powerpoint/2010/main" val="1222219031"/>
       </p:ext>
     </p:extLst>
   </p:cSld>
@@ -5630,7 +4793,7 @@
           <a:p>
             <a:fld id="{EDD93E7F-B437-40E5-8ACB-B79696783EFA}" type="datetime1">
               <a:rPr lang="ko-KR" altLang="en-US" smtClean="0"/>
-              <a:t>2018-11-28</a:t>
+              <a:t>2018-12-09</a:t>
             </a:fld>
             <a:endParaRPr lang="ko-KR" altLang="en-US"/>
           </a:p>
@@ -5659,16 +4822,39 @@
           </a:p>
         </p:txBody>
       </p:sp>
-      <p:sp>
-        <p:nvSpPr>
-          <p:cNvPr id="19" name="TextBox 18"/>
+      <p:pic>
+        <p:nvPicPr>
+          <p:cNvPr id="6" name="그림 5"/>
+          <p:cNvPicPr>
+            <a:picLocks noChangeAspect="1"/>
+          </p:cNvPicPr>
+          <p:nvPr/>
+        </p:nvPicPr>
+        <p:blipFill rotWithShape="1">
+          <a:blip r:embed="rId3"/>
+          <a:srcRect l="14933" r="21943" b="75760"/>
+          <a:stretch/>
+        </p:blipFill>
+        <p:spPr>
+          <a:xfrm>
+            <a:off x="276762" y="1264830"/>
+            <a:ext cx="2409288" cy="1440000"/>
+          </a:xfrm>
+          <a:prstGeom prst="rect">
+            <a:avLst/>
+          </a:prstGeom>
+        </p:spPr>
+      </p:pic>
+      <p:sp>
+        <p:nvSpPr>
+          <p:cNvPr id="8" name="TextBox 7"/>
           <p:cNvSpPr txBox="1"/>
           <p:nvPr/>
         </p:nvSpPr>
         <p:spPr>
           <a:xfrm>
-            <a:off x="266007" y="259135"/>
-            <a:ext cx="8611986" cy="584775"/>
+            <a:off x="2686050" y="1264830"/>
+            <a:ext cx="2371725" cy="307777"/>
           </a:xfrm>
           <a:prstGeom prst="rect">
             <a:avLst/>
@@ -5682,65 +4868,533 @@
           <a:lstStyle/>
           <a:p>
             <a:r>
-              <a:rPr lang="en-US" altLang="ko-KR" sz="1600" b="1" dirty="0" smtClean="0"/>
-              <a:t>2002-Nano Letters-2,3-Reproducible Electrochemical Etching of Tungsten Probe Tips (Olivier L. Guise, Joachim W. </a:t>
-            </a:r>
-            <a:r>
-              <a:rPr lang="en-US" altLang="ko-KR" sz="1600" b="1" dirty="0" err="1" smtClean="0"/>
-              <a:t>Ahner</a:t>
-            </a:r>
-            <a:r>
-              <a:rPr lang="en-US" altLang="ko-KR" sz="1600" b="1" dirty="0" smtClean="0"/>
-              <a:t>, Moon-</a:t>
-            </a:r>
-            <a:r>
-              <a:rPr lang="en-US" altLang="ko-KR" sz="1600" b="1" dirty="0" err="1" smtClean="0"/>
-              <a:t>Chul</a:t>
-            </a:r>
-            <a:r>
-              <a:rPr lang="en-US" altLang="ko-KR" sz="1600" b="1" dirty="0" smtClean="0"/>
-              <a:t> Jung, Peter C. </a:t>
-            </a:r>
-            <a:r>
-              <a:rPr lang="en-US" altLang="ko-KR" sz="1600" b="1" dirty="0" err="1" smtClean="0"/>
-              <a:t>Goughnour</a:t>
-            </a:r>
-            <a:r>
-              <a:rPr lang="en-US" altLang="ko-KR" sz="1600" b="1" dirty="0" smtClean="0"/>
-              <a:t>, and John T. Yates, Jr.)</a:t>
-            </a:r>
-            <a:endParaRPr lang="ko-KR" altLang="en-US" sz="1600" b="1" dirty="0"/>
+              <a:rPr lang="en-US" altLang="ko-KR" sz="1400" dirty="0" smtClean="0"/>
+              <a:t>AFG-3051, GW </a:t>
+            </a:r>
+            <a:r>
+              <a:rPr lang="en-US" altLang="ko-KR" sz="1400" dirty="0" err="1" smtClean="0"/>
+              <a:t>Instek</a:t>
+            </a:r>
+            <a:r>
+              <a:rPr lang="en-US" altLang="ko-KR" sz="1400" dirty="0" smtClean="0"/>
+              <a:t>, Taiwan</a:t>
+            </a:r>
+            <a:endParaRPr lang="ko-KR" altLang="en-US" sz="1400" dirty="0"/>
           </a:p>
         </p:txBody>
       </p:sp>
       <p:pic>
         <p:nvPicPr>
-          <p:cNvPr id="2" name="그림 1"/>
+          <p:cNvPr id="20" name="그림 19"/>
+          <p:cNvPicPr>
+            <a:picLocks noChangeAspect="1"/>
+          </p:cNvPicPr>
+          <p:nvPr/>
+        </p:nvPicPr>
+        <p:blipFill rotWithShape="1">
+          <a:blip r:embed="rId3"/>
+          <a:srcRect l="7945" t="25163" b="34643"/>
+          <a:stretch/>
+        </p:blipFill>
+        <p:spPr>
+          <a:xfrm>
+            <a:off x="302943" y="2900748"/>
+            <a:ext cx="2708813" cy="1840905"/>
+          </a:xfrm>
+          <a:prstGeom prst="rect">
+            <a:avLst/>
+          </a:prstGeom>
+        </p:spPr>
+      </p:pic>
+      <p:sp>
+        <p:nvSpPr>
+          <p:cNvPr id="23" name="TextBox 22"/>
+          <p:cNvSpPr txBox="1"/>
+          <p:nvPr/>
+        </p:nvSpPr>
+        <p:spPr>
+          <a:xfrm>
+            <a:off x="2605356" y="2295703"/>
+            <a:ext cx="3229512" cy="307777"/>
+          </a:xfrm>
+          <a:prstGeom prst="rect">
+            <a:avLst/>
+          </a:prstGeom>
+          <a:noFill/>
+        </p:spPr>
+        <p:txBody>
+          <a:bodyPr wrap="square" rtlCol="0">
+            <a:spAutoFit/>
+          </a:bodyPr>
+          <a:lstStyle/>
+          <a:p>
+            <a:r>
+              <a:rPr lang="en-US" altLang="ko-KR" sz="1400" dirty="0" smtClean="0"/>
+              <a:t>10M KOH – reduce time, meniscus stable</a:t>
+            </a:r>
+            <a:endParaRPr lang="ko-KR" altLang="en-US" sz="1400" dirty="0"/>
+          </a:p>
+        </p:txBody>
+      </p:sp>
+      <p:pic>
+        <p:nvPicPr>
+          <p:cNvPr id="25" name="그림 24"/>
+          <p:cNvPicPr>
+            <a:picLocks noChangeAspect="1"/>
+          </p:cNvPicPr>
+          <p:nvPr/>
+        </p:nvPicPr>
+        <p:blipFill rotWithShape="1">
+          <a:blip r:embed="rId3"/>
+          <a:srcRect l="11135" t="65334" r="20518"/>
+          <a:stretch/>
+        </p:blipFill>
+        <p:spPr>
+          <a:xfrm>
+            <a:off x="5972720" y="1090132"/>
+            <a:ext cx="2271436" cy="1793195"/>
+          </a:xfrm>
+          <a:prstGeom prst="rect">
+            <a:avLst/>
+          </a:prstGeom>
+        </p:spPr>
+      </p:pic>
+      <p:sp>
+        <p:nvSpPr>
+          <p:cNvPr id="12" name="TextBox 11"/>
+          <p:cNvSpPr txBox="1"/>
+          <p:nvPr/>
+        </p:nvSpPr>
+        <p:spPr>
+          <a:xfrm>
+            <a:off x="266007" y="259135"/>
+            <a:ext cx="8611986" cy="830997"/>
+          </a:xfrm>
+          <a:prstGeom prst="rect">
+            <a:avLst/>
+          </a:prstGeom>
+          <a:noFill/>
+        </p:spPr>
+        <p:txBody>
+          <a:bodyPr wrap="square" rtlCol="0">
+            <a:spAutoFit/>
+          </a:bodyPr>
+          <a:lstStyle/>
+          <a:p>
+            <a:r>
+              <a:rPr lang="en-US" altLang="ko-KR" sz="1600" b="1" dirty="0"/>
+              <a:t>2012-Rev. Sci. Instrum.-83,08374-Method of electrochemical etching of tungsten tips with controllable profiles(Wei-</a:t>
+            </a:r>
+            <a:r>
+              <a:rPr lang="en-US" altLang="ko-KR" sz="1600" b="1" dirty="0" err="1"/>
+              <a:t>Tse</a:t>
+            </a:r>
+            <a:r>
+              <a:rPr lang="en-US" altLang="ko-KR" sz="1600" b="1" dirty="0"/>
+              <a:t> Chang, </a:t>
+            </a:r>
+            <a:r>
+              <a:rPr lang="en-US" altLang="ko-KR" sz="1600" b="1" dirty="0" err="1"/>
+              <a:t>Ing-Shouh</a:t>
+            </a:r>
+            <a:r>
+              <a:rPr lang="en-US" altLang="ko-KR" sz="1600" b="1" dirty="0"/>
+              <a:t> Hwang, Mu-Tung Chang, Chung-</a:t>
+            </a:r>
+            <a:r>
+              <a:rPr lang="en-US" altLang="ko-KR" sz="1600" b="1" dirty="0" err="1"/>
+              <a:t>Yueh</a:t>
+            </a:r>
+            <a:r>
+              <a:rPr lang="en-US" altLang="ko-KR" sz="1600" b="1" dirty="0"/>
+              <a:t> Lin, Wei-</a:t>
+            </a:r>
+            <a:r>
+              <a:rPr lang="en-US" altLang="ko-KR" sz="1600" b="1" dirty="0" err="1"/>
+              <a:t>Hao</a:t>
+            </a:r>
+            <a:r>
+              <a:rPr lang="en-US" altLang="ko-KR" sz="1600" b="1" dirty="0"/>
+              <a:t> Hsu and </a:t>
+            </a:r>
+            <a:r>
+              <a:rPr lang="en-US" altLang="ko-KR" sz="1600" b="1" dirty="0" err="1"/>
+              <a:t>Jin</a:t>
+            </a:r>
+            <a:r>
+              <a:rPr lang="en-US" altLang="ko-KR" sz="1600" b="1" dirty="0"/>
+              <a:t>-Long </a:t>
+            </a:r>
+            <a:r>
+              <a:rPr lang="en-US" altLang="ko-KR" sz="1600" b="1" dirty="0" err="1"/>
+              <a:t>Hou</a:t>
+            </a:r>
+            <a:r>
+              <a:rPr lang="en-US" altLang="ko-KR" sz="1600" b="1" dirty="0"/>
+              <a:t>)</a:t>
+            </a:r>
+            <a:endParaRPr lang="ko-KR" altLang="en-US" sz="1600" b="1" dirty="0"/>
+          </a:p>
+        </p:txBody>
+      </p:sp>
+      <p:pic>
+        <p:nvPicPr>
+          <p:cNvPr id="15" name="그림 14"/>
           <p:cNvPicPr>
             <a:picLocks noChangeAspect="1"/>
           </p:cNvPicPr>
           <p:nvPr/>
         </p:nvPicPr>
         <p:blipFill>
-          <a:blip r:embed="rId2"/>
+          <a:blip r:embed="rId4"/>
           <a:stretch>
             <a:fillRect/>
           </a:stretch>
         </p:blipFill>
         <p:spPr>
           <a:xfrm>
-            <a:off x="326708" y="1212533"/>
-            <a:ext cx="3724412" cy="2323148"/>
+            <a:off x="4355758" y="2950089"/>
+            <a:ext cx="3387486" cy="4416426"/>
           </a:xfrm>
           <a:prstGeom prst="rect">
             <a:avLst/>
           </a:prstGeom>
         </p:spPr>
       </p:pic>
+      <p:pic>
+        <p:nvPicPr>
+          <p:cNvPr id="16" name="그림 15"/>
+          <p:cNvPicPr>
+            <a:picLocks noChangeAspect="1"/>
+          </p:cNvPicPr>
+          <p:nvPr/>
+        </p:nvPicPr>
+        <p:blipFill>
+          <a:blip r:embed="rId5"/>
+          <a:stretch>
+            <a:fillRect/>
+          </a:stretch>
+        </p:blipFill>
+        <p:spPr>
+          <a:xfrm>
+            <a:off x="7512429" y="2890676"/>
+            <a:ext cx="3738563" cy="1776176"/>
+          </a:xfrm>
+          <a:prstGeom prst="rect">
+            <a:avLst/>
+          </a:prstGeom>
+        </p:spPr>
+      </p:pic>
+      <p:sp>
+        <p:nvSpPr>
+          <p:cNvPr id="17" name="왼쪽 중괄호 16"/>
+          <p:cNvSpPr/>
+          <p:nvPr/>
+        </p:nvSpPr>
+        <p:spPr>
+          <a:xfrm>
+            <a:off x="4155439" y="3244646"/>
+            <a:ext cx="472741" cy="1449151"/>
+          </a:xfrm>
+          <a:prstGeom prst="leftBrace">
+            <a:avLst>
+              <a:gd name="adj1" fmla="val 60082"/>
+              <a:gd name="adj2" fmla="val 50000"/>
+            </a:avLst>
+          </a:prstGeom>
+          <a:noFill/>
+          <a:ln w="19050">
+            <a:solidFill>
+              <a:schemeClr val="tx1"/>
+            </a:solidFill>
+          </a:ln>
+        </p:spPr>
+        <p:style>
+          <a:lnRef idx="1">
+            <a:schemeClr val="accent1"/>
+          </a:lnRef>
+          <a:fillRef idx="0">
+            <a:schemeClr val="accent1"/>
+          </a:fillRef>
+          <a:effectRef idx="0">
+            <a:schemeClr val="accent1"/>
+          </a:effectRef>
+          <a:fontRef idx="minor">
+            <a:schemeClr val="tx1"/>
+          </a:fontRef>
+        </p:style>
+        <p:txBody>
+          <a:bodyPr rtlCol="0" anchor="ctr"/>
+          <a:lstStyle/>
+          <a:p>
+            <a:pPr algn="ctr"/>
+            <a:endParaRPr lang="ko-KR" altLang="en-US"/>
+          </a:p>
+        </p:txBody>
+      </p:sp>
+      <p:sp>
+        <p:nvSpPr>
+          <p:cNvPr id="18" name="TextBox 17"/>
+          <p:cNvSpPr txBox="1"/>
+          <p:nvPr/>
+        </p:nvSpPr>
+        <p:spPr>
+          <a:xfrm>
+            <a:off x="2774595" y="3646055"/>
+            <a:ext cx="1340367" cy="646331"/>
+          </a:xfrm>
+          <a:prstGeom prst="rect">
+            <a:avLst/>
+          </a:prstGeom>
+          <a:noFill/>
+        </p:spPr>
+        <p:txBody>
+          <a:bodyPr wrap="none" rtlCol="0">
+            <a:spAutoFit/>
+          </a:bodyPr>
+          <a:lstStyle/>
+          <a:p>
+            <a:pPr algn="ctr"/>
+            <a:r>
+              <a:rPr lang="en-US" altLang="ko-KR" dirty="0" smtClean="0"/>
+              <a:t>DC(uniform)</a:t>
+            </a:r>
+          </a:p>
+          <a:p>
+            <a:pPr algn="ctr"/>
+            <a:r>
+              <a:rPr lang="en-US" altLang="ko-KR" dirty="0" smtClean="0"/>
+              <a:t>etching</a:t>
+            </a:r>
+            <a:endParaRPr lang="ko-KR" altLang="en-US" dirty="0"/>
+          </a:p>
+        </p:txBody>
+      </p:sp>
+      <p:sp>
+        <p:nvSpPr>
+          <p:cNvPr id="19" name="왼쪽 중괄호 18"/>
+          <p:cNvSpPr/>
+          <p:nvPr/>
+        </p:nvSpPr>
+        <p:spPr>
+          <a:xfrm>
+            <a:off x="3972987" y="5213585"/>
+            <a:ext cx="472741" cy="1449151"/>
+          </a:xfrm>
+          <a:prstGeom prst="leftBrace">
+            <a:avLst>
+              <a:gd name="adj1" fmla="val 60082"/>
+              <a:gd name="adj2" fmla="val 50000"/>
+            </a:avLst>
+          </a:prstGeom>
+          <a:noFill/>
+          <a:ln w="19050">
+            <a:solidFill>
+              <a:schemeClr val="tx1"/>
+            </a:solidFill>
+          </a:ln>
+        </p:spPr>
+        <p:style>
+          <a:lnRef idx="1">
+            <a:schemeClr val="accent1"/>
+          </a:lnRef>
+          <a:fillRef idx="0">
+            <a:schemeClr val="accent1"/>
+          </a:fillRef>
+          <a:effectRef idx="0">
+            <a:schemeClr val="accent1"/>
+          </a:effectRef>
+          <a:fontRef idx="minor">
+            <a:schemeClr val="tx1"/>
+          </a:fontRef>
+        </p:style>
+        <p:txBody>
+          <a:bodyPr rtlCol="0" anchor="ctr"/>
+          <a:lstStyle/>
+          <a:p>
+            <a:pPr algn="ctr"/>
+            <a:endParaRPr lang="ko-KR" altLang="en-US"/>
+          </a:p>
+        </p:txBody>
+      </p:sp>
+      <p:sp>
+        <p:nvSpPr>
+          <p:cNvPr id="21" name="TextBox 20"/>
+          <p:cNvSpPr txBox="1"/>
+          <p:nvPr/>
+        </p:nvSpPr>
+        <p:spPr>
+          <a:xfrm>
+            <a:off x="3006613" y="5614994"/>
+            <a:ext cx="876330" cy="646331"/>
+          </a:xfrm>
+          <a:prstGeom prst="rect">
+            <a:avLst/>
+          </a:prstGeom>
+          <a:noFill/>
+        </p:spPr>
+        <p:txBody>
+          <a:bodyPr wrap="none" rtlCol="0">
+            <a:spAutoFit/>
+          </a:bodyPr>
+          <a:lstStyle/>
+          <a:p>
+            <a:pPr algn="ctr"/>
+            <a:r>
+              <a:rPr lang="en-US" altLang="ko-KR" dirty="0" smtClean="0"/>
+              <a:t>Pulse</a:t>
+            </a:r>
+          </a:p>
+          <a:p>
+            <a:pPr algn="ctr"/>
+            <a:r>
+              <a:rPr lang="en-US" altLang="ko-KR" dirty="0" smtClean="0"/>
+              <a:t>etching</a:t>
+            </a:r>
+            <a:endParaRPr lang="ko-KR" altLang="en-US" dirty="0"/>
+          </a:p>
+        </p:txBody>
+      </p:sp>
+      <p:sp>
+        <p:nvSpPr>
+          <p:cNvPr id="22" name="직사각형 21"/>
+          <p:cNvSpPr/>
+          <p:nvPr/>
+        </p:nvSpPr>
+        <p:spPr>
+          <a:xfrm>
+            <a:off x="6790633" y="3244646"/>
+            <a:ext cx="428625" cy="160380"/>
+          </a:xfrm>
+          <a:prstGeom prst="rect">
+            <a:avLst/>
+          </a:prstGeom>
+          <a:noFill/>
+          <a:ln w="28575">
+            <a:solidFill>
+              <a:srgbClr val="3333FF"/>
+            </a:solidFill>
+          </a:ln>
+        </p:spPr>
+        <p:style>
+          <a:lnRef idx="2">
+            <a:schemeClr val="accent1">
+              <a:shade val="50000"/>
+            </a:schemeClr>
+          </a:lnRef>
+          <a:fillRef idx="1">
+            <a:schemeClr val="accent1"/>
+          </a:fillRef>
+          <a:effectRef idx="0">
+            <a:schemeClr val="accent1"/>
+          </a:effectRef>
+          <a:fontRef idx="minor">
+            <a:schemeClr val="lt1"/>
+          </a:fontRef>
+        </p:style>
+        <p:txBody>
+          <a:bodyPr rtlCol="0" anchor="ctr"/>
+          <a:lstStyle/>
+          <a:p>
+            <a:pPr algn="ctr"/>
+            <a:endParaRPr lang="ko-KR" altLang="en-US"/>
+          </a:p>
+        </p:txBody>
+      </p:sp>
+      <p:cxnSp>
+        <p:nvCxnSpPr>
+          <p:cNvPr id="24" name="직선 화살표 연결선 23"/>
+          <p:cNvCxnSpPr/>
+          <p:nvPr/>
+        </p:nvCxnSpPr>
+        <p:spPr>
+          <a:xfrm>
+            <a:off x="6049501" y="3976766"/>
+            <a:ext cx="0" cy="545701"/>
+          </a:xfrm>
+          <a:prstGeom prst="straightConnector1">
+            <a:avLst/>
+          </a:prstGeom>
+          <a:ln w="38100">
+            <a:tailEnd type="triangle"/>
+          </a:ln>
+        </p:spPr>
+        <p:style>
+          <a:lnRef idx="1">
+            <a:schemeClr val="dk1"/>
+          </a:lnRef>
+          <a:fillRef idx="0">
+            <a:schemeClr val="dk1"/>
+          </a:fillRef>
+          <a:effectRef idx="0">
+            <a:schemeClr val="dk1"/>
+          </a:effectRef>
+          <a:fontRef idx="minor">
+            <a:schemeClr val="tx1"/>
+          </a:fontRef>
+        </p:style>
+      </p:cxnSp>
+      <p:graphicFrame>
+        <p:nvGraphicFramePr>
+          <p:cNvPr id="26" name="개체 25"/>
+          <p:cNvGraphicFramePr>
+            <a:graphicFrameLocks noChangeAspect="1"/>
+          </p:cNvGraphicFramePr>
+          <p:nvPr>
+            <p:extLst>
+              <p:ext uri="{D42A27DB-BD31-4B8C-83A1-F6EECF244321}">
+                <p14:modId xmlns:p14="http://schemas.microsoft.com/office/powerpoint/2010/main" val="2652788292"/>
+              </p:ext>
+            </p:extLst>
+          </p:nvPr>
+        </p:nvGraphicFramePr>
+        <p:xfrm>
+          <a:off x="5614212" y="4148096"/>
+          <a:ext cx="381000" cy="241300"/>
+        </p:xfrm>
+        <a:graphic>
+          <a:graphicData uri="http://schemas.openxmlformats.org/presentationml/2006/ole">
+            <mc:AlternateContent xmlns:mc="http://schemas.openxmlformats.org/markup-compatibility/2006">
+              <mc:Choice xmlns:v="urn:schemas-microsoft-com:vml" Requires="v">
+                <p:oleObj spid="_x0000_s3075" name="Equation" r:id="rId6" imgW="380880" imgH="241200" progId="Equation.DSMT4">
+                  <p:embed/>
+                </p:oleObj>
+              </mc:Choice>
+              <mc:Fallback>
+                <p:oleObj name="Equation" r:id="rId6" imgW="380880" imgH="241200" progId="Equation.DSMT4">
+                  <p:embed/>
+                  <p:pic>
+                    <p:nvPicPr>
+                      <p:cNvPr id="20" name="개체 19"/>
+                      <p:cNvPicPr/>
+                      <p:nvPr/>
+                    </p:nvPicPr>
+                    <p:blipFill>
+                      <a:blip r:embed="rId7"/>
+                      <a:stretch>
+                        <a:fillRect/>
+                      </a:stretch>
+                    </p:blipFill>
+                    <p:spPr>
+                      <a:xfrm>
+                        <a:off x="5614212" y="4148096"/>
+                        <a:ext cx="381000" cy="241300"/>
+                      </a:xfrm>
+                      <a:prstGeom prst="rect">
+                        <a:avLst/>
+                      </a:prstGeom>
+                    </p:spPr>
+                  </p:pic>
+                </p:oleObj>
+              </mc:Fallback>
+            </mc:AlternateContent>
+          </a:graphicData>
+        </a:graphic>
+      </p:graphicFrame>
     </p:spTree>
     <p:extLst>
       <p:ext uri="{BB962C8B-B14F-4D97-AF65-F5344CB8AC3E}">
-        <p14:creationId xmlns:p14="http://schemas.microsoft.com/office/powerpoint/2010/main" val="1222219031"/>
+        <p14:creationId xmlns:p14="http://schemas.microsoft.com/office/powerpoint/2010/main" val="386124608"/>
       </p:ext>
     </p:extLst>
   </p:cSld>
@@ -5791,7 +5445,7 @@
           <a:p>
             <a:fld id="{EDD93E7F-B437-40E5-8ACB-B79696783EFA}" type="datetime1">
               <a:rPr lang="ko-KR" altLang="en-US" smtClean="0"/>
-              <a:t>2018-11-28</a:t>
+              <a:t>2018-12-09</a:t>
             </a:fld>
             <a:endParaRPr lang="ko-KR" altLang="en-US"/>
           </a:p>
@@ -5822,75 +5476,13 @@
       </p:sp>
       <p:sp>
         <p:nvSpPr>
-          <p:cNvPr id="7" name="Rectangle 55"/>
-          <p:cNvSpPr>
-            <a:spLocks noChangeArrowheads="1"/>
-          </p:cNvSpPr>
-          <p:nvPr/>
-        </p:nvSpPr>
-        <p:spPr bwMode="auto">
-          <a:xfrm>
-            <a:off x="0" y="0"/>
-            <a:ext cx="9144000" cy="692150"/>
-          </a:xfrm>
-          <a:prstGeom prst="rect">
-            <a:avLst/>
-          </a:prstGeom>
-          <a:solidFill>
-            <a:srgbClr val="3333FF"/>
-          </a:solidFill>
-          <a:ln>
-            <a:noFill/>
-          </a:ln>
-          <a:effectLst/>
-          <a:extLst>
-            <a:ext uri="{91240B29-F687-4F45-9708-019B960494DF}">
-              <a14:hiddenLine xmlns:a14="http://schemas.microsoft.com/office/drawing/2010/main" w="9525">
-                <a:solidFill>
-                  <a:schemeClr val="tx1"/>
-                </a:solidFill>
-                <a:miter lim="800000"/>
-                <a:headEnd/>
-                <a:tailEnd/>
-              </a14:hiddenLine>
-            </a:ext>
-            <a:ext uri="{AF507438-7753-43E0-B8FC-AC1667EBCBE1}">
-              <a14:hiddenEffects xmlns:a14="http://schemas.microsoft.com/office/drawing/2010/main">
-                <a:effectLst>
-                  <a:outerShdw dist="35921" dir="2700000" algn="ctr" rotWithShape="0">
-                    <a:schemeClr val="bg2"/>
-                  </a:outerShdw>
-                </a:effectLst>
-              </a14:hiddenEffects>
-            </a:ext>
-          </a:extLst>
-        </p:spPr>
-        <p:txBody>
-          <a:bodyPr wrap="none" anchor="ctr"/>
-          <a:lstStyle/>
-          <a:p>
-            <a:pPr algn="ctr"/>
-            <a:r>
-              <a:rPr lang="en-US" altLang="ko-KR" sz="2800" dirty="0" smtClean="0">
-                <a:solidFill>
-                  <a:schemeClr val="bg1"/>
-                </a:solidFill>
-                <a:latin typeface="Arial" panose="020B0604020202020204" pitchFamily="34" charset="0"/>
-              </a:rPr>
-              <a:t>Tungsten Tip Etching</a:t>
-            </a:r>
-          </a:p>
-        </p:txBody>
-      </p:sp>
-      <p:sp>
-        <p:nvSpPr>
-          <p:cNvPr id="3" name="TextBox 2"/>
+          <p:cNvPr id="19" name="TextBox 18"/>
           <p:cNvSpPr txBox="1"/>
           <p:nvPr/>
         </p:nvSpPr>
         <p:spPr>
           <a:xfrm>
-            <a:off x="266007" y="864524"/>
+            <a:off x="266007" y="259135"/>
             <a:ext cx="8611986" cy="830997"/>
           </a:xfrm>
           <a:prstGeom prst="rect">
@@ -5906,51 +5498,67 @@
           <a:p>
             <a:r>
               <a:rPr lang="en-US" altLang="ko-KR" sz="1600" b="1" dirty="0" smtClean="0"/>
-              <a:t>2012-Rev. Sci. Instrum.-83,08374-Method of electrochemical etching of tungsten tips with controllable profiles(Wei-</a:t>
+              <a:t>2017-Microelectronic Engineering-173-Progrmmable set-up for electrochemical preparation of STM tips and ultra-sharp field emission </a:t>
             </a:r>
             <a:r>
               <a:rPr lang="en-US" altLang="ko-KR" sz="1600" b="1" dirty="0" err="1" smtClean="0"/>
-              <a:t>Tse</a:t>
+              <a:t>cathods</a:t>
             </a:r>
             <a:r>
               <a:rPr lang="en-US" altLang="ko-KR" sz="1600" b="1" dirty="0" smtClean="0"/>
-              <a:t> Chang, </a:t>
+              <a:t>(</a:t>
             </a:r>
             <a:r>
               <a:rPr lang="en-US" altLang="ko-KR" sz="1600" b="1" dirty="0" err="1" smtClean="0"/>
-              <a:t>Ing-Shouh</a:t>
+              <a:t>Alexandr</a:t>
             </a:r>
             <a:r>
               <a:rPr lang="en-US" altLang="ko-KR" sz="1600" b="1" dirty="0" smtClean="0"/>
-              <a:t> Hwang, Mu-Tung Chang, Chung-</a:t>
+              <a:t> </a:t>
             </a:r>
             <a:r>
               <a:rPr lang="en-US" altLang="ko-KR" sz="1600" b="1" dirty="0" err="1" smtClean="0"/>
-              <a:t>Yueh</a:t>
+              <a:t>Knapek</a:t>
             </a:r>
             <a:r>
               <a:rPr lang="en-US" altLang="ko-KR" sz="1600" b="1" dirty="0" smtClean="0"/>
-              <a:t> Lin, Wei-</a:t>
+              <a:t>, </a:t>
             </a:r>
             <a:r>
               <a:rPr lang="en-US" altLang="ko-KR" sz="1600" b="1" dirty="0" err="1" smtClean="0"/>
-              <a:t>Hao</a:t>
+              <a:t>jiri</a:t>
+            </a:r>
+            <a:r>
+              <a:rPr lang="ko-KR" altLang="en-US" sz="1600" b="1" dirty="0" smtClean="0"/>
+              <a:t> </a:t>
+            </a:r>
+            <a:r>
+              <a:rPr lang="en-US" altLang="ko-KR" sz="1600" b="1" dirty="0" err="1" smtClean="0"/>
+              <a:t>Sykora</a:t>
             </a:r>
             <a:r>
               <a:rPr lang="en-US" altLang="ko-KR" sz="1600" b="1" dirty="0" smtClean="0"/>
-              <a:t> Hsu and </a:t>
+              <a:t>, Jana </a:t>
             </a:r>
             <a:r>
               <a:rPr lang="en-US" altLang="ko-KR" sz="1600" b="1" dirty="0" err="1" smtClean="0"/>
-              <a:t>Jin</a:t>
+              <a:t>Chlumska</a:t>
             </a:r>
             <a:r>
               <a:rPr lang="en-US" altLang="ko-KR" sz="1600" b="1" dirty="0" smtClean="0"/>
-              <a:t>-Long </a:t>
+              <a:t>, </a:t>
             </a:r>
             <a:r>
               <a:rPr lang="en-US" altLang="ko-KR" sz="1600" b="1" dirty="0" err="1" smtClean="0"/>
-              <a:t>Hou</a:t>
+              <a:t>Dinara</a:t>
+            </a:r>
+            <a:r>
+              <a:rPr lang="en-US" altLang="ko-KR" sz="1600" b="1" dirty="0" smtClean="0"/>
+              <a:t> </a:t>
+            </a:r>
+            <a:r>
+              <a:rPr lang="en-US" altLang="ko-KR" sz="1600" b="1" dirty="0" err="1" smtClean="0"/>
+              <a:t>Sobola</a:t>
             </a:r>
             <a:r>
               <a:rPr lang="en-US" altLang="ko-KR" sz="1600" b="1" dirty="0" smtClean="0"/>
@@ -5960,1606 +5568,10 @@
           </a:p>
         </p:txBody>
       </p:sp>
-      <p:pic>
-        <p:nvPicPr>
-          <p:cNvPr id="6" name="그림 5"/>
-          <p:cNvPicPr>
-            <a:picLocks noChangeAspect="1"/>
-          </p:cNvPicPr>
-          <p:nvPr/>
-        </p:nvPicPr>
-        <p:blipFill rotWithShape="1">
-          <a:blip r:embed="rId2"/>
-          <a:srcRect l="14933" r="21943" b="75760"/>
-          <a:stretch/>
-        </p:blipFill>
-        <p:spPr>
-          <a:xfrm>
-            <a:off x="628650" y="1960228"/>
-            <a:ext cx="2409288" cy="1440000"/>
-          </a:xfrm>
-          <a:prstGeom prst="rect">
-            <a:avLst/>
-          </a:prstGeom>
-        </p:spPr>
-      </p:pic>
-      <p:sp>
-        <p:nvSpPr>
-          <p:cNvPr id="8" name="TextBox 7"/>
-          <p:cNvSpPr txBox="1"/>
-          <p:nvPr/>
-        </p:nvSpPr>
-        <p:spPr>
-          <a:xfrm>
-            <a:off x="3037938" y="1960228"/>
-            <a:ext cx="2371725" cy="307777"/>
-          </a:xfrm>
-          <a:prstGeom prst="rect">
-            <a:avLst/>
-          </a:prstGeom>
-          <a:noFill/>
-        </p:spPr>
-        <p:txBody>
-          <a:bodyPr wrap="square" rtlCol="0">
-            <a:spAutoFit/>
-          </a:bodyPr>
-          <a:lstStyle/>
-          <a:p>
-            <a:r>
-              <a:rPr lang="en-US" altLang="ko-KR" sz="1400" dirty="0" smtClean="0"/>
-              <a:t>AFG-3051, GW </a:t>
-            </a:r>
-            <a:r>
-              <a:rPr lang="en-US" altLang="ko-KR" sz="1400" dirty="0" err="1" smtClean="0"/>
-              <a:t>Instek</a:t>
-            </a:r>
-            <a:r>
-              <a:rPr lang="en-US" altLang="ko-KR" sz="1400" dirty="0" smtClean="0"/>
-              <a:t>, Taiwan</a:t>
-            </a:r>
-            <a:endParaRPr lang="ko-KR" altLang="en-US" sz="1400" dirty="0"/>
-          </a:p>
-        </p:txBody>
-      </p:sp>
-      <p:pic>
-        <p:nvPicPr>
-          <p:cNvPr id="20" name="그림 19"/>
-          <p:cNvPicPr>
-            <a:picLocks noChangeAspect="1"/>
-          </p:cNvPicPr>
-          <p:nvPr/>
-        </p:nvPicPr>
-        <p:blipFill rotWithShape="1">
-          <a:blip r:embed="rId2"/>
-          <a:srcRect l="7945" t="25163" b="34643"/>
-          <a:stretch/>
-        </p:blipFill>
-        <p:spPr>
-          <a:xfrm>
-            <a:off x="628650" y="3648273"/>
-            <a:ext cx="2708813" cy="1840905"/>
-          </a:xfrm>
-          <a:prstGeom prst="rect">
-            <a:avLst/>
-          </a:prstGeom>
-        </p:spPr>
-      </p:pic>
-      <p:sp>
-        <p:nvSpPr>
-          <p:cNvPr id="13" name="TextBox 12"/>
-          <p:cNvSpPr txBox="1"/>
-          <p:nvPr/>
-        </p:nvSpPr>
-        <p:spPr>
-          <a:xfrm>
-            <a:off x="3562350" y="3648273"/>
-            <a:ext cx="4562475" cy="3139321"/>
-          </a:xfrm>
-          <a:prstGeom prst="rect">
-            <a:avLst/>
-          </a:prstGeom>
-          <a:noFill/>
-        </p:spPr>
-        <p:txBody>
-          <a:bodyPr wrap="square" rtlCol="0">
-            <a:spAutoFit/>
-          </a:bodyPr>
-          <a:lstStyle/>
-          <a:p>
-            <a:pPr marL="285750" indent="-285750">
-              <a:buFont typeface="Arial" panose="020B0604020202020204" pitchFamily="34" charset="0"/>
-              <a:buChar char="•"/>
-            </a:pPr>
-            <a:r>
-              <a:rPr lang="en-US" altLang="ko-KR" dirty="0" smtClean="0"/>
-              <a:t>Parameter: DC potential, Duration, Pulse width (1</a:t>
-            </a:r>
-            <a:r>
-              <a:rPr lang="en-US" altLang="ko-KR" baseline="30000" dirty="0" smtClean="0"/>
-              <a:t>st</a:t>
-            </a:r>
-            <a:r>
-              <a:rPr lang="en-US" altLang="ko-KR" dirty="0" smtClean="0"/>
-              <a:t>, 2</a:t>
-            </a:r>
-            <a:r>
-              <a:rPr lang="en-US" altLang="ko-KR" baseline="30000" dirty="0" smtClean="0"/>
-              <a:t>nd</a:t>
-            </a:r>
-            <a:r>
-              <a:rPr lang="en-US" altLang="ko-KR" dirty="0" smtClean="0"/>
-              <a:t>), number of post-etching pulses</a:t>
-            </a:r>
-          </a:p>
-          <a:p>
-            <a:pPr marL="285750" indent="-285750">
-              <a:buFont typeface="Arial" panose="020B0604020202020204" pitchFamily="34" charset="0"/>
-              <a:buChar char="•"/>
-            </a:pPr>
-            <a:r>
-              <a:rPr lang="en-US" altLang="ko-KR" dirty="0"/>
-              <a:t>1</a:t>
-            </a:r>
-            <a:r>
-              <a:rPr lang="en-US" altLang="ko-KR" baseline="30000" dirty="0"/>
-              <a:t>st</a:t>
-            </a:r>
-            <a:r>
-              <a:rPr lang="en-US" altLang="ko-KR" dirty="0"/>
-              <a:t> pulse off duration: </a:t>
-            </a:r>
-            <a:r>
-              <a:rPr lang="en-US" altLang="ko-KR" dirty="0" smtClean="0"/>
-              <a:t>100 </a:t>
-            </a:r>
-            <a:r>
-              <a:rPr lang="en-US" altLang="ko-KR" dirty="0" err="1" smtClean="0"/>
-              <a:t>ms</a:t>
-            </a:r>
-            <a:endParaRPr lang="en-US" altLang="ko-KR" dirty="0"/>
-          </a:p>
-          <a:p>
-            <a:pPr marL="285750" indent="-285750">
-              <a:buFont typeface="Arial" panose="020B0604020202020204" pitchFamily="34" charset="0"/>
-              <a:buChar char="•"/>
-            </a:pPr>
-            <a:r>
-              <a:rPr lang="en-US" altLang="ko-KR" dirty="0"/>
-              <a:t>2</a:t>
-            </a:r>
-            <a:r>
-              <a:rPr lang="en-US" altLang="ko-KR" baseline="30000" dirty="0"/>
-              <a:t>nd</a:t>
-            </a:r>
-            <a:r>
-              <a:rPr lang="en-US" altLang="ko-KR" dirty="0"/>
-              <a:t> pulse off duration: “a longer time, say 1 s, for human response turn off the pulses right after the lower part of the wire breaks off</a:t>
-            </a:r>
-            <a:r>
-              <a:rPr lang="en-US" altLang="ko-KR" dirty="0" smtClean="0"/>
-              <a:t>.”</a:t>
-            </a:r>
-          </a:p>
-          <a:p>
-            <a:pPr marL="285750" indent="-285750">
-              <a:buFont typeface="Arial" panose="020B0604020202020204" pitchFamily="34" charset="0"/>
-              <a:buChar char="•"/>
-            </a:pPr>
-            <a:r>
-              <a:rPr lang="en-US" altLang="ko-KR" dirty="0" smtClean="0"/>
-              <a:t>Post-Etching pulse width: 1 </a:t>
-            </a:r>
-            <a:r>
-              <a:rPr lang="en-US" altLang="ko-KR" dirty="0" err="1" smtClean="0"/>
-              <a:t>ms</a:t>
-            </a:r>
-            <a:endParaRPr lang="en-US" altLang="ko-KR" dirty="0" smtClean="0"/>
-          </a:p>
-          <a:p>
-            <a:endParaRPr lang="ko-KR" altLang="en-US" dirty="0"/>
-          </a:p>
-          <a:p>
-            <a:endParaRPr lang="ko-KR" altLang="en-US" dirty="0"/>
-          </a:p>
-        </p:txBody>
-      </p:sp>
-      <p:sp>
-        <p:nvSpPr>
-          <p:cNvPr id="23" name="TextBox 22"/>
-          <p:cNvSpPr txBox="1"/>
-          <p:nvPr/>
-        </p:nvSpPr>
-        <p:spPr>
-          <a:xfrm>
-            <a:off x="2957244" y="2991101"/>
-            <a:ext cx="3229512" cy="307777"/>
-          </a:xfrm>
-          <a:prstGeom prst="rect">
-            <a:avLst/>
-          </a:prstGeom>
-          <a:noFill/>
-        </p:spPr>
-        <p:txBody>
-          <a:bodyPr wrap="square" rtlCol="0">
-            <a:spAutoFit/>
-          </a:bodyPr>
-          <a:lstStyle/>
-          <a:p>
-            <a:r>
-              <a:rPr lang="en-US" altLang="ko-KR" sz="1400" dirty="0" smtClean="0"/>
-              <a:t>10M KOH – reduce time, meniscus stable</a:t>
-            </a:r>
-            <a:endParaRPr lang="ko-KR" altLang="en-US" sz="1400" dirty="0"/>
-          </a:p>
-        </p:txBody>
-      </p:sp>
-      <p:pic>
-        <p:nvPicPr>
-          <p:cNvPr id="25" name="그림 24"/>
-          <p:cNvPicPr>
-            <a:picLocks noChangeAspect="1"/>
-          </p:cNvPicPr>
-          <p:nvPr/>
-        </p:nvPicPr>
-        <p:blipFill rotWithShape="1">
-          <a:blip r:embed="rId2"/>
-          <a:srcRect l="11135" t="65334" r="20518"/>
-          <a:stretch/>
-        </p:blipFill>
-        <p:spPr>
-          <a:xfrm>
-            <a:off x="6324608" y="1680380"/>
-            <a:ext cx="2271436" cy="1793195"/>
-          </a:xfrm>
-          <a:prstGeom prst="rect">
-            <a:avLst/>
-          </a:prstGeom>
-        </p:spPr>
-      </p:pic>
     </p:spTree>
     <p:extLst>
       <p:ext uri="{BB962C8B-B14F-4D97-AF65-F5344CB8AC3E}">
-        <p14:creationId xmlns:p14="http://schemas.microsoft.com/office/powerpoint/2010/main" val="386124608"/>
-      </p:ext>
-    </p:extLst>
-  </p:cSld>
-  <p:clrMapOvr>
-    <a:masterClrMapping/>
-  </p:clrMapOvr>
-  <p:timing>
-    <p:tnLst>
-      <p:par>
-        <p:cTn id="1" dur="indefinite" restart="never" nodeType="tmRoot"/>
-      </p:par>
-    </p:tnLst>
-  </p:timing>
-</p:sld>
-</file>
-
-<file path=ppt/slides/slide7.xml><?xml version="1.0" encoding="utf-8"?>
-<p:sld xmlns:a="http://schemas.openxmlformats.org/drawingml/2006/main" xmlns:r="http://schemas.openxmlformats.org/officeDocument/2006/relationships" xmlns:p="http://schemas.openxmlformats.org/presentationml/2006/main">
-  <p:cSld>
-    <p:spTree>
-      <p:nvGrpSpPr>
-        <p:cNvPr id="1" name=""/>
-        <p:cNvGrpSpPr/>
-        <p:nvPr/>
-      </p:nvGrpSpPr>
-      <p:grpSpPr>
-        <a:xfrm>
-          <a:off x="0" y="0"/>
-          <a:ext cx="0" cy="0"/>
-          <a:chOff x="0" y="0"/>
-          <a:chExt cx="0" cy="0"/>
-        </a:xfrm>
-      </p:grpSpPr>
-      <p:sp>
-        <p:nvSpPr>
-          <p:cNvPr id="4" name="날짜 개체 틀 3"/>
-          <p:cNvSpPr>
-            <a:spLocks noGrp="1"/>
-          </p:cNvSpPr>
-          <p:nvPr>
-            <p:ph type="dt" sz="half" idx="10"/>
-          </p:nvPr>
-        </p:nvSpPr>
-        <p:spPr/>
-        <p:txBody>
-          <a:bodyPr/>
-          <a:lstStyle/>
-          <a:p>
-            <a:fld id="{EDD93E7F-B437-40E5-8ACB-B79696783EFA}" type="datetime1">
-              <a:rPr lang="ko-KR" altLang="en-US" smtClean="0"/>
-              <a:t>2018-11-28</a:t>
-            </a:fld>
-            <a:endParaRPr lang="ko-KR" altLang="en-US"/>
-          </a:p>
-        </p:txBody>
-      </p:sp>
-      <p:sp>
-        <p:nvSpPr>
-          <p:cNvPr id="5" name="슬라이드 번호 개체 틀 4"/>
-          <p:cNvSpPr>
-            <a:spLocks noGrp="1"/>
-          </p:cNvSpPr>
-          <p:nvPr>
-            <p:ph type="sldNum" sz="quarter" idx="12"/>
-          </p:nvPr>
-        </p:nvSpPr>
-        <p:spPr/>
-        <p:txBody>
-          <a:bodyPr/>
-          <a:lstStyle/>
-          <a:p>
-            <a:fld id="{8765F8EB-1186-4395-8E70-F957669279DD}" type="slidenum">
-              <a:rPr lang="ko-KR" altLang="en-US" smtClean="0"/>
-              <a:t>7</a:t>
-            </a:fld>
-            <a:endParaRPr lang="ko-KR" altLang="en-US"/>
-          </a:p>
-        </p:txBody>
-      </p:sp>
-      <p:sp>
-        <p:nvSpPr>
-          <p:cNvPr id="7" name="Rectangle 55"/>
-          <p:cNvSpPr>
-            <a:spLocks noChangeArrowheads="1"/>
-          </p:cNvSpPr>
-          <p:nvPr/>
-        </p:nvSpPr>
-        <p:spPr bwMode="auto">
-          <a:xfrm>
-            <a:off x="0" y="0"/>
-            <a:ext cx="9144000" cy="692150"/>
-          </a:xfrm>
-          <a:prstGeom prst="rect">
-            <a:avLst/>
-          </a:prstGeom>
-          <a:solidFill>
-            <a:srgbClr val="3333FF"/>
-          </a:solidFill>
-          <a:ln>
-            <a:noFill/>
-          </a:ln>
-          <a:effectLst/>
-          <a:extLst>
-            <a:ext uri="{91240B29-F687-4F45-9708-019B960494DF}">
-              <a14:hiddenLine xmlns:a14="http://schemas.microsoft.com/office/drawing/2010/main" w="9525">
-                <a:solidFill>
-                  <a:schemeClr val="tx1"/>
-                </a:solidFill>
-                <a:miter lim="800000"/>
-                <a:headEnd/>
-                <a:tailEnd/>
-              </a14:hiddenLine>
-            </a:ext>
-            <a:ext uri="{AF507438-7753-43E0-B8FC-AC1667EBCBE1}">
-              <a14:hiddenEffects xmlns:a14="http://schemas.microsoft.com/office/drawing/2010/main">
-                <a:effectLst>
-                  <a:outerShdw dist="35921" dir="2700000" algn="ctr" rotWithShape="0">
-                    <a:schemeClr val="bg2"/>
-                  </a:outerShdw>
-                </a:effectLst>
-              </a14:hiddenEffects>
-            </a:ext>
-          </a:extLst>
-        </p:spPr>
-        <p:txBody>
-          <a:bodyPr wrap="none" anchor="ctr"/>
-          <a:lstStyle/>
-          <a:p>
-            <a:pPr algn="ctr"/>
-            <a:r>
-              <a:rPr lang="en-US" altLang="ko-KR" sz="2800" dirty="0" smtClean="0">
-                <a:solidFill>
-                  <a:schemeClr val="bg1"/>
-                </a:solidFill>
-                <a:latin typeface="Arial" panose="020B0604020202020204" pitchFamily="34" charset="0"/>
-              </a:rPr>
-              <a:t>Tungsten Tip Etching</a:t>
-            </a:r>
-          </a:p>
-        </p:txBody>
-      </p:sp>
-      <p:sp>
-        <p:nvSpPr>
-          <p:cNvPr id="3" name="TextBox 2"/>
-          <p:cNvSpPr txBox="1"/>
-          <p:nvPr/>
-        </p:nvSpPr>
-        <p:spPr>
-          <a:xfrm>
-            <a:off x="266007" y="864524"/>
-            <a:ext cx="8611986" cy="830997"/>
-          </a:xfrm>
-          <a:prstGeom prst="rect">
-            <a:avLst/>
-          </a:prstGeom>
-          <a:noFill/>
-        </p:spPr>
-        <p:txBody>
-          <a:bodyPr wrap="square" rtlCol="0">
-            <a:spAutoFit/>
-          </a:bodyPr>
-          <a:lstStyle/>
-          <a:p>
-            <a:r>
-              <a:rPr lang="en-US" altLang="ko-KR" sz="1600" b="1" dirty="0" smtClean="0"/>
-              <a:t>2012-Rev. Sci. Instrum.-83,08374-Method of electrochemical etching of tungsten tips with controllable profiles(Wei-</a:t>
-            </a:r>
-            <a:r>
-              <a:rPr lang="en-US" altLang="ko-KR" sz="1600" b="1" dirty="0" err="1" smtClean="0"/>
-              <a:t>Tse</a:t>
-            </a:r>
-            <a:r>
-              <a:rPr lang="en-US" altLang="ko-KR" sz="1600" b="1" dirty="0" smtClean="0"/>
-              <a:t> Chang, </a:t>
-            </a:r>
-            <a:r>
-              <a:rPr lang="en-US" altLang="ko-KR" sz="1600" b="1" dirty="0" err="1" smtClean="0"/>
-              <a:t>Ing-Shouh</a:t>
-            </a:r>
-            <a:r>
-              <a:rPr lang="en-US" altLang="ko-KR" sz="1600" b="1" dirty="0" smtClean="0"/>
-              <a:t> Hwang, Mu-Tung Chang, Chung-</a:t>
-            </a:r>
-            <a:r>
-              <a:rPr lang="en-US" altLang="ko-KR" sz="1600" b="1" dirty="0" err="1" smtClean="0"/>
-              <a:t>Yueh</a:t>
-            </a:r>
-            <a:r>
-              <a:rPr lang="en-US" altLang="ko-KR" sz="1600" b="1" dirty="0" smtClean="0"/>
-              <a:t> Lin, Wei-</a:t>
-            </a:r>
-            <a:r>
-              <a:rPr lang="en-US" altLang="ko-KR" sz="1600" b="1" dirty="0" err="1" smtClean="0"/>
-              <a:t>Hao</a:t>
-            </a:r>
-            <a:r>
-              <a:rPr lang="en-US" altLang="ko-KR" sz="1600" b="1" dirty="0" smtClean="0"/>
-              <a:t> Hsu and </a:t>
-            </a:r>
-            <a:r>
-              <a:rPr lang="en-US" altLang="ko-KR" sz="1600" b="1" dirty="0" err="1" smtClean="0"/>
-              <a:t>Jin</a:t>
-            </a:r>
-            <a:r>
-              <a:rPr lang="en-US" altLang="ko-KR" sz="1600" b="1" dirty="0" smtClean="0"/>
-              <a:t>-Long </a:t>
-            </a:r>
-            <a:r>
-              <a:rPr lang="en-US" altLang="ko-KR" sz="1600" b="1" dirty="0" err="1" smtClean="0"/>
-              <a:t>Hou</a:t>
-            </a:r>
-            <a:r>
-              <a:rPr lang="en-US" altLang="ko-KR" sz="1600" b="1" dirty="0" smtClean="0"/>
-              <a:t>)</a:t>
-            </a:r>
-            <a:endParaRPr lang="ko-KR" altLang="en-US" sz="1600" b="1" dirty="0"/>
-          </a:p>
-        </p:txBody>
-      </p:sp>
-      <p:pic>
-        <p:nvPicPr>
-          <p:cNvPr id="9" name="그림 8"/>
-          <p:cNvPicPr>
-            <a:picLocks noChangeAspect="1"/>
-          </p:cNvPicPr>
-          <p:nvPr/>
-        </p:nvPicPr>
-        <p:blipFill>
-          <a:blip r:embed="rId2"/>
-          <a:stretch>
-            <a:fillRect/>
-          </a:stretch>
-        </p:blipFill>
-        <p:spPr>
-          <a:xfrm>
-            <a:off x="985837" y="1987504"/>
-            <a:ext cx="7172325" cy="3365476"/>
-          </a:xfrm>
-          <a:prstGeom prst="rect">
-            <a:avLst/>
-          </a:prstGeom>
-        </p:spPr>
-      </p:pic>
-      <p:sp>
-        <p:nvSpPr>
-          <p:cNvPr id="11" name="왼쪽 중괄호 10"/>
-          <p:cNvSpPr/>
-          <p:nvPr/>
-        </p:nvSpPr>
-        <p:spPr>
-          <a:xfrm>
-            <a:off x="815975" y="2990850"/>
-            <a:ext cx="169862" cy="520699"/>
-          </a:xfrm>
-          <a:prstGeom prst="leftBrace">
-            <a:avLst>
-              <a:gd name="adj1" fmla="val 60082"/>
-              <a:gd name="adj2" fmla="val 50000"/>
-            </a:avLst>
-          </a:prstGeom>
-          <a:noFill/>
-          <a:ln w="19050">
-            <a:solidFill>
-              <a:schemeClr val="tx1"/>
-            </a:solidFill>
-          </a:ln>
-        </p:spPr>
-        <p:style>
-          <a:lnRef idx="1">
-            <a:schemeClr val="accent1"/>
-          </a:lnRef>
-          <a:fillRef idx="0">
-            <a:schemeClr val="accent1"/>
-          </a:fillRef>
-          <a:effectRef idx="0">
-            <a:schemeClr val="accent1"/>
-          </a:effectRef>
-          <a:fontRef idx="minor">
-            <a:schemeClr val="tx1"/>
-          </a:fontRef>
-        </p:style>
-        <p:txBody>
-          <a:bodyPr rtlCol="0" anchor="ctr"/>
-          <a:lstStyle/>
-          <a:p>
-            <a:pPr algn="ctr"/>
-            <a:endParaRPr lang="ko-KR" altLang="en-US"/>
-          </a:p>
-        </p:txBody>
-      </p:sp>
-      <p:sp>
-        <p:nvSpPr>
-          <p:cNvPr id="17" name="왼쪽 중괄호 16"/>
-          <p:cNvSpPr/>
-          <p:nvPr/>
-        </p:nvSpPr>
-        <p:spPr>
-          <a:xfrm>
-            <a:off x="815975" y="3581402"/>
-            <a:ext cx="169862" cy="393698"/>
-          </a:xfrm>
-          <a:prstGeom prst="leftBrace">
-            <a:avLst>
-              <a:gd name="adj1" fmla="val 60082"/>
-              <a:gd name="adj2" fmla="val 50000"/>
-            </a:avLst>
-          </a:prstGeom>
-          <a:noFill/>
-          <a:ln w="19050">
-            <a:solidFill>
-              <a:schemeClr val="tx1"/>
-            </a:solidFill>
-          </a:ln>
-        </p:spPr>
-        <p:style>
-          <a:lnRef idx="1">
-            <a:schemeClr val="accent1"/>
-          </a:lnRef>
-          <a:fillRef idx="0">
-            <a:schemeClr val="accent1"/>
-          </a:fillRef>
-          <a:effectRef idx="0">
-            <a:schemeClr val="accent1"/>
-          </a:effectRef>
-          <a:fontRef idx="minor">
-            <a:schemeClr val="tx1"/>
-          </a:fontRef>
-        </p:style>
-        <p:txBody>
-          <a:bodyPr rtlCol="0" anchor="ctr"/>
-          <a:lstStyle/>
-          <a:p>
-            <a:pPr algn="ctr"/>
-            <a:endParaRPr lang="ko-KR" altLang="en-US"/>
-          </a:p>
-        </p:txBody>
-      </p:sp>
-      <p:sp>
-        <p:nvSpPr>
-          <p:cNvPr id="18" name="왼쪽 중괄호 17"/>
-          <p:cNvSpPr/>
-          <p:nvPr/>
-        </p:nvSpPr>
-        <p:spPr>
-          <a:xfrm>
-            <a:off x="815975" y="4052746"/>
-            <a:ext cx="169862" cy="517596"/>
-          </a:xfrm>
-          <a:prstGeom prst="leftBrace">
-            <a:avLst>
-              <a:gd name="adj1" fmla="val 60082"/>
-              <a:gd name="adj2" fmla="val 50000"/>
-            </a:avLst>
-          </a:prstGeom>
-          <a:noFill/>
-          <a:ln w="19050">
-            <a:solidFill>
-              <a:schemeClr val="tx1"/>
-            </a:solidFill>
-          </a:ln>
-        </p:spPr>
-        <p:style>
-          <a:lnRef idx="1">
-            <a:schemeClr val="accent1"/>
-          </a:lnRef>
-          <a:fillRef idx="0">
-            <a:schemeClr val="accent1"/>
-          </a:fillRef>
-          <a:effectRef idx="0">
-            <a:schemeClr val="accent1"/>
-          </a:effectRef>
-          <a:fontRef idx="minor">
-            <a:schemeClr val="tx1"/>
-          </a:fontRef>
-        </p:style>
-        <p:txBody>
-          <a:bodyPr rtlCol="0" anchor="ctr"/>
-          <a:lstStyle/>
-          <a:p>
-            <a:pPr algn="ctr"/>
-            <a:endParaRPr lang="ko-KR" altLang="en-US"/>
-          </a:p>
-        </p:txBody>
-      </p:sp>
-      <p:sp>
-        <p:nvSpPr>
-          <p:cNvPr id="19" name="왼쪽 중괄호 18"/>
-          <p:cNvSpPr/>
-          <p:nvPr/>
-        </p:nvSpPr>
-        <p:spPr>
-          <a:xfrm>
-            <a:off x="815975" y="4670355"/>
-            <a:ext cx="169862" cy="523945"/>
-          </a:xfrm>
-          <a:prstGeom prst="leftBrace">
-            <a:avLst>
-              <a:gd name="adj1" fmla="val 60082"/>
-              <a:gd name="adj2" fmla="val 50000"/>
-            </a:avLst>
-          </a:prstGeom>
-          <a:noFill/>
-          <a:ln w="19050">
-            <a:solidFill>
-              <a:schemeClr val="tx1"/>
-            </a:solidFill>
-          </a:ln>
-        </p:spPr>
-        <p:style>
-          <a:lnRef idx="1">
-            <a:schemeClr val="accent1"/>
-          </a:lnRef>
-          <a:fillRef idx="0">
-            <a:schemeClr val="accent1"/>
-          </a:fillRef>
-          <a:effectRef idx="0">
-            <a:schemeClr val="accent1"/>
-          </a:effectRef>
-          <a:fontRef idx="minor">
-            <a:schemeClr val="tx1"/>
-          </a:fontRef>
-        </p:style>
-        <p:txBody>
-          <a:bodyPr rtlCol="0" anchor="ctr"/>
-          <a:lstStyle/>
-          <a:p>
-            <a:pPr algn="ctr"/>
-            <a:endParaRPr lang="ko-KR" altLang="en-US"/>
-          </a:p>
-        </p:txBody>
-      </p:sp>
-      <p:sp>
-        <p:nvSpPr>
-          <p:cNvPr id="12" name="TextBox 11"/>
-          <p:cNvSpPr txBox="1"/>
-          <p:nvPr/>
-        </p:nvSpPr>
-        <p:spPr>
-          <a:xfrm>
-            <a:off x="-78822" y="3120394"/>
-            <a:ext cx="894797" cy="261610"/>
-          </a:xfrm>
-          <a:prstGeom prst="rect">
-            <a:avLst/>
-          </a:prstGeom>
-          <a:noFill/>
-        </p:spPr>
-        <p:txBody>
-          <a:bodyPr wrap="none" rtlCol="0">
-            <a:spAutoFit/>
-          </a:bodyPr>
-          <a:lstStyle/>
-          <a:p>
-            <a:r>
-              <a:rPr lang="en-US" altLang="ko-KR" sz="1100" dirty="0" smtClean="0"/>
-              <a:t>DC potential</a:t>
-            </a:r>
-            <a:endParaRPr lang="ko-KR" altLang="en-US" sz="1100" dirty="0"/>
-          </a:p>
-        </p:txBody>
-      </p:sp>
-      <p:sp>
-        <p:nvSpPr>
-          <p:cNvPr id="22" name="TextBox 21"/>
-          <p:cNvSpPr txBox="1"/>
-          <p:nvPr/>
-        </p:nvSpPr>
-        <p:spPr>
-          <a:xfrm>
-            <a:off x="-78822" y="3647446"/>
-            <a:ext cx="869149" cy="261610"/>
-          </a:xfrm>
-          <a:prstGeom prst="rect">
-            <a:avLst/>
-          </a:prstGeom>
-          <a:noFill/>
-        </p:spPr>
-        <p:txBody>
-          <a:bodyPr wrap="none" rtlCol="0">
-            <a:spAutoFit/>
-          </a:bodyPr>
-          <a:lstStyle/>
-          <a:p>
-            <a:r>
-              <a:rPr lang="en-US" altLang="ko-KR" sz="1100" dirty="0" smtClean="0"/>
-              <a:t>DC duration</a:t>
-            </a:r>
-            <a:endParaRPr lang="ko-KR" altLang="en-US" sz="1100" dirty="0"/>
-          </a:p>
-        </p:txBody>
-      </p:sp>
-      <p:sp>
-        <p:nvSpPr>
-          <p:cNvPr id="23" name="TextBox 22"/>
-          <p:cNvSpPr txBox="1"/>
-          <p:nvPr/>
-        </p:nvSpPr>
-        <p:spPr>
-          <a:xfrm>
-            <a:off x="-28348" y="4157777"/>
-            <a:ext cx="848309" cy="430887"/>
-          </a:xfrm>
-          <a:prstGeom prst="rect">
-            <a:avLst/>
-          </a:prstGeom>
-          <a:noFill/>
-        </p:spPr>
-        <p:txBody>
-          <a:bodyPr wrap="none" rtlCol="0">
-            <a:spAutoFit/>
-          </a:bodyPr>
-          <a:lstStyle/>
-          <a:p>
-            <a:pPr algn="ctr"/>
-            <a:r>
-              <a:rPr lang="en-US" altLang="ko-KR" sz="1100" dirty="0" smtClean="0"/>
-              <a:t>2</a:t>
-            </a:r>
-            <a:r>
-              <a:rPr lang="en-US" altLang="ko-KR" sz="1100" baseline="30000" dirty="0" smtClean="0"/>
-              <a:t>nd</a:t>
-            </a:r>
-            <a:endParaRPr lang="en-US" altLang="ko-KR" sz="1100" dirty="0"/>
-          </a:p>
-          <a:p>
-            <a:pPr algn="ctr"/>
-            <a:r>
-              <a:rPr lang="en-US" altLang="ko-KR" sz="1100" dirty="0" smtClean="0"/>
-              <a:t>pulse width</a:t>
-            </a:r>
-            <a:endParaRPr lang="ko-KR" altLang="en-US" sz="1100" dirty="0"/>
-          </a:p>
-        </p:txBody>
-      </p:sp>
-      <p:sp>
-        <p:nvSpPr>
-          <p:cNvPr id="24" name="TextBox 23"/>
-          <p:cNvSpPr txBox="1"/>
-          <p:nvPr/>
-        </p:nvSpPr>
-        <p:spPr>
-          <a:xfrm>
-            <a:off x="-28348" y="4753019"/>
-            <a:ext cx="898003" cy="430887"/>
-          </a:xfrm>
-          <a:prstGeom prst="rect">
-            <a:avLst/>
-          </a:prstGeom>
-          <a:noFill/>
-        </p:spPr>
-        <p:txBody>
-          <a:bodyPr wrap="none" rtlCol="0">
-            <a:spAutoFit/>
-          </a:bodyPr>
-          <a:lstStyle/>
-          <a:p>
-            <a:pPr algn="ctr"/>
-            <a:r>
-              <a:rPr lang="en-US" altLang="ko-KR" sz="1100" dirty="0" smtClean="0"/>
-              <a:t># of</a:t>
-            </a:r>
-          </a:p>
-          <a:p>
-            <a:pPr algn="ctr"/>
-            <a:r>
-              <a:rPr lang="en-US" altLang="ko-KR" sz="1100" dirty="0" smtClean="0"/>
-              <a:t>post-etching</a:t>
-            </a:r>
-            <a:endParaRPr lang="ko-KR" altLang="en-US" sz="1100" dirty="0"/>
-          </a:p>
-        </p:txBody>
-      </p:sp>
-    </p:spTree>
-    <p:extLst>
-      <p:ext uri="{BB962C8B-B14F-4D97-AF65-F5344CB8AC3E}">
-        <p14:creationId xmlns:p14="http://schemas.microsoft.com/office/powerpoint/2010/main" val="1945092308"/>
-      </p:ext>
-    </p:extLst>
-  </p:cSld>
-  <p:clrMapOvr>
-    <a:masterClrMapping/>
-  </p:clrMapOvr>
-  <p:timing>
-    <p:tnLst>
-      <p:par>
-        <p:cTn id="1" dur="indefinite" restart="never" nodeType="tmRoot"/>
-      </p:par>
-    </p:tnLst>
-  </p:timing>
-</p:sld>
-</file>
-
-<file path=ppt/slides/slide8.xml><?xml version="1.0" encoding="utf-8"?>
-<p:sld xmlns:a="http://schemas.openxmlformats.org/drawingml/2006/main" xmlns:r="http://schemas.openxmlformats.org/officeDocument/2006/relationships" xmlns:p="http://schemas.openxmlformats.org/presentationml/2006/main">
-  <p:cSld>
-    <p:spTree>
-      <p:nvGrpSpPr>
-        <p:cNvPr id="1" name=""/>
-        <p:cNvGrpSpPr/>
-        <p:nvPr/>
-      </p:nvGrpSpPr>
-      <p:grpSpPr>
-        <a:xfrm>
-          <a:off x="0" y="0"/>
-          <a:ext cx="0" cy="0"/>
-          <a:chOff x="0" y="0"/>
-          <a:chExt cx="0" cy="0"/>
-        </a:xfrm>
-      </p:grpSpPr>
-      <p:sp>
-        <p:nvSpPr>
-          <p:cNvPr id="4" name="날짜 개체 틀 3"/>
-          <p:cNvSpPr>
-            <a:spLocks noGrp="1"/>
-          </p:cNvSpPr>
-          <p:nvPr>
-            <p:ph type="dt" sz="half" idx="10"/>
-          </p:nvPr>
-        </p:nvSpPr>
-        <p:spPr/>
-        <p:txBody>
-          <a:bodyPr/>
-          <a:lstStyle/>
-          <a:p>
-            <a:fld id="{EDD93E7F-B437-40E5-8ACB-B79696783EFA}" type="datetime1">
-              <a:rPr lang="ko-KR" altLang="en-US" smtClean="0"/>
-              <a:t>2018-11-28</a:t>
-            </a:fld>
-            <a:endParaRPr lang="ko-KR" altLang="en-US"/>
-          </a:p>
-        </p:txBody>
-      </p:sp>
-      <p:sp>
-        <p:nvSpPr>
-          <p:cNvPr id="5" name="슬라이드 번호 개체 틀 4"/>
-          <p:cNvSpPr>
-            <a:spLocks noGrp="1"/>
-          </p:cNvSpPr>
-          <p:nvPr>
-            <p:ph type="sldNum" sz="quarter" idx="12"/>
-          </p:nvPr>
-        </p:nvSpPr>
-        <p:spPr/>
-        <p:txBody>
-          <a:bodyPr/>
-          <a:lstStyle/>
-          <a:p>
-            <a:fld id="{8765F8EB-1186-4395-8E70-F957669279DD}" type="slidenum">
-              <a:rPr lang="ko-KR" altLang="en-US" smtClean="0"/>
-              <a:t>8</a:t>
-            </a:fld>
-            <a:endParaRPr lang="ko-KR" altLang="en-US" dirty="0"/>
-          </a:p>
-        </p:txBody>
-      </p:sp>
-      <p:sp>
-        <p:nvSpPr>
-          <p:cNvPr id="7" name="Rectangle 55"/>
-          <p:cNvSpPr>
-            <a:spLocks noChangeArrowheads="1"/>
-          </p:cNvSpPr>
-          <p:nvPr/>
-        </p:nvSpPr>
-        <p:spPr bwMode="auto">
-          <a:xfrm>
-            <a:off x="0" y="0"/>
-            <a:ext cx="9144000" cy="692150"/>
-          </a:xfrm>
-          <a:prstGeom prst="rect">
-            <a:avLst/>
-          </a:prstGeom>
-          <a:solidFill>
-            <a:srgbClr val="3333FF"/>
-          </a:solidFill>
-          <a:ln>
-            <a:noFill/>
-          </a:ln>
-          <a:effectLst/>
-          <a:extLst>
-            <a:ext uri="{91240B29-F687-4F45-9708-019B960494DF}">
-              <a14:hiddenLine xmlns:a14="http://schemas.microsoft.com/office/drawing/2010/main" w="9525">
-                <a:solidFill>
-                  <a:schemeClr val="tx1"/>
-                </a:solidFill>
-                <a:miter lim="800000"/>
-                <a:headEnd/>
-                <a:tailEnd/>
-              </a14:hiddenLine>
-            </a:ext>
-            <a:ext uri="{AF507438-7753-43E0-B8FC-AC1667EBCBE1}">
-              <a14:hiddenEffects xmlns:a14="http://schemas.microsoft.com/office/drawing/2010/main">
-                <a:effectLst>
-                  <a:outerShdw dist="35921" dir="2700000" algn="ctr" rotWithShape="0">
-                    <a:schemeClr val="bg2"/>
-                  </a:outerShdw>
-                </a:effectLst>
-              </a14:hiddenEffects>
-            </a:ext>
-          </a:extLst>
-        </p:spPr>
-        <p:txBody>
-          <a:bodyPr wrap="none" anchor="ctr"/>
-          <a:lstStyle/>
-          <a:p>
-            <a:pPr algn="ctr"/>
-            <a:r>
-              <a:rPr lang="en-US" altLang="ko-KR" sz="2800" dirty="0" smtClean="0">
-                <a:solidFill>
-                  <a:schemeClr val="bg1"/>
-                </a:solidFill>
-                <a:latin typeface="Arial" panose="020B0604020202020204" pitchFamily="34" charset="0"/>
-              </a:rPr>
-              <a:t>Tungsten Tip Etching</a:t>
-            </a:r>
-          </a:p>
-        </p:txBody>
-      </p:sp>
-      <p:pic>
-        <p:nvPicPr>
-          <p:cNvPr id="2" name="그림 1"/>
-          <p:cNvPicPr>
-            <a:picLocks noChangeAspect="1"/>
-          </p:cNvPicPr>
-          <p:nvPr/>
-        </p:nvPicPr>
-        <p:blipFill>
-          <a:blip r:embed="rId2"/>
-          <a:stretch>
-            <a:fillRect/>
-          </a:stretch>
-        </p:blipFill>
-        <p:spPr>
-          <a:xfrm>
-            <a:off x="4583134" y="824250"/>
-            <a:ext cx="3212005" cy="5400000"/>
-          </a:xfrm>
-          <a:prstGeom prst="rect">
-            <a:avLst/>
-          </a:prstGeom>
-        </p:spPr>
-      </p:pic>
-      <p:pic>
-        <p:nvPicPr>
-          <p:cNvPr id="10" name="그림 9"/>
-          <p:cNvPicPr>
-            <a:picLocks noChangeAspect="1"/>
-          </p:cNvPicPr>
-          <p:nvPr/>
-        </p:nvPicPr>
-        <p:blipFill rotWithShape="1">
-          <a:blip r:embed="rId3"/>
-          <a:srcRect l="11135" t="65334" r="20518"/>
-          <a:stretch/>
-        </p:blipFill>
-        <p:spPr>
-          <a:xfrm>
-            <a:off x="7277101" y="1051602"/>
-            <a:ext cx="1866900" cy="1473832"/>
-          </a:xfrm>
-          <a:prstGeom prst="rect">
-            <a:avLst/>
-          </a:prstGeom>
-        </p:spPr>
-      </p:pic>
-      <p:pic>
-        <p:nvPicPr>
-          <p:cNvPr id="9" name="그림 8"/>
-          <p:cNvPicPr>
-            <a:picLocks noChangeAspect="1"/>
-          </p:cNvPicPr>
-          <p:nvPr/>
-        </p:nvPicPr>
-        <p:blipFill>
-          <a:blip r:embed="rId4"/>
-          <a:stretch>
-            <a:fillRect/>
-          </a:stretch>
-        </p:blipFill>
-        <p:spPr>
-          <a:xfrm>
-            <a:off x="576624" y="824250"/>
-            <a:ext cx="3995376" cy="5400000"/>
-          </a:xfrm>
-          <a:prstGeom prst="rect">
-            <a:avLst/>
-          </a:prstGeom>
-        </p:spPr>
-      </p:pic>
-      <p:sp>
-        <p:nvSpPr>
-          <p:cNvPr id="11" name="TextBox 10"/>
-          <p:cNvSpPr txBox="1"/>
-          <p:nvPr/>
-        </p:nvSpPr>
-        <p:spPr>
-          <a:xfrm>
-            <a:off x="2582884" y="4752975"/>
-            <a:ext cx="2000250" cy="369332"/>
-          </a:xfrm>
-          <a:prstGeom prst="rect">
-            <a:avLst/>
-          </a:prstGeom>
-          <a:noFill/>
-        </p:spPr>
-        <p:txBody>
-          <a:bodyPr wrap="square" rtlCol="0">
-            <a:spAutoFit/>
-          </a:bodyPr>
-          <a:lstStyle/>
-          <a:p>
-            <a:r>
-              <a:rPr lang="en-US" altLang="ko-KR" dirty="0" smtClean="0">
-                <a:solidFill>
-                  <a:srgbClr val="3333FF"/>
-                </a:solidFill>
-              </a:rPr>
-              <a:t>Surface roughness</a:t>
-            </a:r>
-            <a:endParaRPr lang="ko-KR" altLang="en-US" dirty="0">
-              <a:solidFill>
-                <a:srgbClr val="3333FF"/>
-              </a:solidFill>
-            </a:endParaRPr>
-          </a:p>
-        </p:txBody>
-      </p:sp>
-      <p:sp>
-        <p:nvSpPr>
-          <p:cNvPr id="12" name="직사각형 11"/>
-          <p:cNvSpPr/>
-          <p:nvPr/>
-        </p:nvSpPr>
-        <p:spPr>
-          <a:xfrm>
-            <a:off x="4933950" y="1495425"/>
-            <a:ext cx="209550" cy="666750"/>
-          </a:xfrm>
-          <a:prstGeom prst="rect">
-            <a:avLst/>
-          </a:prstGeom>
-          <a:noFill/>
-          <a:ln w="28575">
-            <a:solidFill>
-              <a:srgbClr val="3333FF"/>
-            </a:solidFill>
-          </a:ln>
-        </p:spPr>
-        <p:style>
-          <a:lnRef idx="2">
-            <a:schemeClr val="accent1">
-              <a:shade val="50000"/>
-            </a:schemeClr>
-          </a:lnRef>
-          <a:fillRef idx="1">
-            <a:schemeClr val="accent1"/>
-          </a:fillRef>
-          <a:effectRef idx="0">
-            <a:schemeClr val="accent1"/>
-          </a:effectRef>
-          <a:fontRef idx="minor">
-            <a:schemeClr val="lt1"/>
-          </a:fontRef>
-        </p:style>
-        <p:txBody>
-          <a:bodyPr rtlCol="0" anchor="ctr"/>
-          <a:lstStyle/>
-          <a:p>
-            <a:pPr algn="ctr"/>
-            <a:endParaRPr lang="ko-KR" altLang="en-US"/>
-          </a:p>
-        </p:txBody>
-      </p:sp>
-      <p:sp>
-        <p:nvSpPr>
-          <p:cNvPr id="15" name="TextBox 14"/>
-          <p:cNvSpPr txBox="1"/>
-          <p:nvPr/>
-        </p:nvSpPr>
-        <p:spPr>
-          <a:xfrm>
-            <a:off x="547341" y="6216274"/>
-            <a:ext cx="8049318" cy="200055"/>
-          </a:xfrm>
-          <a:prstGeom prst="rect">
-            <a:avLst/>
-          </a:prstGeom>
-          <a:noFill/>
-        </p:spPr>
-        <p:txBody>
-          <a:bodyPr wrap="square" rtlCol="0">
-            <a:spAutoFit/>
-          </a:bodyPr>
-          <a:lstStyle/>
-          <a:p>
-            <a:r>
-              <a:rPr lang="en-US" altLang="ko-KR" sz="700" b="1" dirty="0" smtClean="0"/>
-              <a:t>2012-Rev. Sci. Instrum.-83,08374-Method of electrochemical etching of tungsten tips with controllable profiles(Wei-</a:t>
-            </a:r>
-            <a:r>
-              <a:rPr lang="en-US" altLang="ko-KR" sz="700" b="1" dirty="0" err="1" smtClean="0"/>
-              <a:t>Tse</a:t>
-            </a:r>
-            <a:r>
-              <a:rPr lang="en-US" altLang="ko-KR" sz="700" b="1" dirty="0" smtClean="0"/>
-              <a:t> Chang, </a:t>
-            </a:r>
-            <a:r>
-              <a:rPr lang="en-US" altLang="ko-KR" sz="700" b="1" dirty="0" err="1" smtClean="0"/>
-              <a:t>Ing-Shouh</a:t>
-            </a:r>
-            <a:r>
-              <a:rPr lang="en-US" altLang="ko-KR" sz="700" b="1" dirty="0" smtClean="0"/>
-              <a:t> Hwang, Mu-Tung Chang, Chung-</a:t>
-            </a:r>
-            <a:r>
-              <a:rPr lang="en-US" altLang="ko-KR" sz="700" b="1" dirty="0" err="1" smtClean="0"/>
-              <a:t>Yueh</a:t>
-            </a:r>
-            <a:r>
-              <a:rPr lang="en-US" altLang="ko-KR" sz="700" b="1" dirty="0" smtClean="0"/>
-              <a:t> Lin, Wei-</a:t>
-            </a:r>
-            <a:r>
-              <a:rPr lang="en-US" altLang="ko-KR" sz="700" b="1" dirty="0" err="1" smtClean="0"/>
-              <a:t>Hao</a:t>
-            </a:r>
-            <a:r>
-              <a:rPr lang="en-US" altLang="ko-KR" sz="700" b="1" dirty="0" smtClean="0"/>
-              <a:t> Hsu and </a:t>
-            </a:r>
-            <a:r>
-              <a:rPr lang="en-US" altLang="ko-KR" sz="700" b="1" dirty="0" err="1" smtClean="0"/>
-              <a:t>Jin</a:t>
-            </a:r>
-            <a:r>
-              <a:rPr lang="en-US" altLang="ko-KR" sz="700" b="1" dirty="0" smtClean="0"/>
-              <a:t>-Long </a:t>
-            </a:r>
-            <a:r>
-              <a:rPr lang="en-US" altLang="ko-KR" sz="700" b="1" dirty="0" err="1" smtClean="0"/>
-              <a:t>Hou</a:t>
-            </a:r>
-            <a:r>
-              <a:rPr lang="en-US" altLang="ko-KR" sz="700" b="1" dirty="0" smtClean="0"/>
-              <a:t>)</a:t>
-            </a:r>
-            <a:endParaRPr lang="ko-KR" altLang="en-US" sz="700" b="1" dirty="0"/>
-          </a:p>
-        </p:txBody>
-      </p:sp>
-    </p:spTree>
-    <p:extLst>
-      <p:ext uri="{BB962C8B-B14F-4D97-AF65-F5344CB8AC3E}">
-        <p14:creationId xmlns:p14="http://schemas.microsoft.com/office/powerpoint/2010/main" val="1317938872"/>
-      </p:ext>
-    </p:extLst>
-  </p:cSld>
-  <p:clrMapOvr>
-    <a:masterClrMapping/>
-  </p:clrMapOvr>
-  <p:timing>
-    <p:tnLst>
-      <p:par>
-        <p:cTn id="1" dur="indefinite" restart="never" nodeType="tmRoot"/>
-      </p:par>
-    </p:tnLst>
-  </p:timing>
-</p:sld>
-</file>
-
-<file path=ppt/slides/slide9.xml><?xml version="1.0" encoding="utf-8"?>
-<p:sld xmlns:a="http://schemas.openxmlformats.org/drawingml/2006/main" xmlns:r="http://schemas.openxmlformats.org/officeDocument/2006/relationships" xmlns:p="http://schemas.openxmlformats.org/presentationml/2006/main">
-  <p:cSld>
-    <p:spTree>
-      <p:nvGrpSpPr>
-        <p:cNvPr id="1" name=""/>
-        <p:cNvGrpSpPr/>
-        <p:nvPr/>
-      </p:nvGrpSpPr>
-      <p:grpSpPr>
-        <a:xfrm>
-          <a:off x="0" y="0"/>
-          <a:ext cx="0" cy="0"/>
-          <a:chOff x="0" y="0"/>
-          <a:chExt cx="0" cy="0"/>
-        </a:xfrm>
-      </p:grpSpPr>
-      <p:sp>
-        <p:nvSpPr>
-          <p:cNvPr id="4" name="날짜 개체 틀 3"/>
-          <p:cNvSpPr>
-            <a:spLocks noGrp="1"/>
-          </p:cNvSpPr>
-          <p:nvPr>
-            <p:ph type="dt" sz="half" idx="10"/>
-          </p:nvPr>
-        </p:nvSpPr>
-        <p:spPr/>
-        <p:txBody>
-          <a:bodyPr/>
-          <a:lstStyle/>
-          <a:p>
-            <a:fld id="{EDD93E7F-B437-40E5-8ACB-B79696783EFA}" type="datetime1">
-              <a:rPr lang="ko-KR" altLang="en-US" smtClean="0"/>
-              <a:t>2018-11-28</a:t>
-            </a:fld>
-            <a:endParaRPr lang="ko-KR" altLang="en-US"/>
-          </a:p>
-        </p:txBody>
-      </p:sp>
-      <p:sp>
-        <p:nvSpPr>
-          <p:cNvPr id="5" name="슬라이드 번호 개체 틀 4"/>
-          <p:cNvSpPr>
-            <a:spLocks noGrp="1"/>
-          </p:cNvSpPr>
-          <p:nvPr>
-            <p:ph type="sldNum" sz="quarter" idx="12"/>
-          </p:nvPr>
-        </p:nvSpPr>
-        <p:spPr/>
-        <p:txBody>
-          <a:bodyPr/>
-          <a:lstStyle/>
-          <a:p>
-            <a:fld id="{8765F8EB-1186-4395-8E70-F957669279DD}" type="slidenum">
-              <a:rPr lang="ko-KR" altLang="en-US" smtClean="0"/>
-              <a:t>9</a:t>
-            </a:fld>
-            <a:endParaRPr lang="ko-KR" altLang="en-US"/>
-          </a:p>
-        </p:txBody>
-      </p:sp>
-      <p:sp>
-        <p:nvSpPr>
-          <p:cNvPr id="7" name="Rectangle 55"/>
-          <p:cNvSpPr>
-            <a:spLocks noChangeArrowheads="1"/>
-          </p:cNvSpPr>
-          <p:nvPr/>
-        </p:nvSpPr>
-        <p:spPr bwMode="auto">
-          <a:xfrm>
-            <a:off x="0" y="0"/>
-            <a:ext cx="9144000" cy="692150"/>
-          </a:xfrm>
-          <a:prstGeom prst="rect">
-            <a:avLst/>
-          </a:prstGeom>
-          <a:solidFill>
-            <a:srgbClr val="3333FF"/>
-          </a:solidFill>
-          <a:ln>
-            <a:noFill/>
-          </a:ln>
-          <a:effectLst/>
-          <a:extLst>
-            <a:ext uri="{91240B29-F687-4F45-9708-019B960494DF}">
-              <a14:hiddenLine xmlns:a14="http://schemas.microsoft.com/office/drawing/2010/main" w="9525">
-                <a:solidFill>
-                  <a:schemeClr val="tx1"/>
-                </a:solidFill>
-                <a:miter lim="800000"/>
-                <a:headEnd/>
-                <a:tailEnd/>
-              </a14:hiddenLine>
-            </a:ext>
-            <a:ext uri="{AF507438-7753-43E0-B8FC-AC1667EBCBE1}">
-              <a14:hiddenEffects xmlns:a14="http://schemas.microsoft.com/office/drawing/2010/main">
-                <a:effectLst>
-                  <a:outerShdw dist="35921" dir="2700000" algn="ctr" rotWithShape="0">
-                    <a:schemeClr val="bg2"/>
-                  </a:outerShdw>
-                </a:effectLst>
-              </a14:hiddenEffects>
-            </a:ext>
-          </a:extLst>
-        </p:spPr>
-        <p:txBody>
-          <a:bodyPr wrap="none" anchor="ctr"/>
-          <a:lstStyle/>
-          <a:p>
-            <a:pPr algn="ctr"/>
-            <a:r>
-              <a:rPr lang="en-US" altLang="ko-KR" sz="2800" dirty="0" smtClean="0">
-                <a:solidFill>
-                  <a:schemeClr val="bg1"/>
-                </a:solidFill>
-                <a:latin typeface="Arial" panose="020B0604020202020204" pitchFamily="34" charset="0"/>
-              </a:rPr>
-              <a:t>Tungsten Tip Etching</a:t>
-            </a:r>
-          </a:p>
-        </p:txBody>
-      </p:sp>
-      <p:pic>
-        <p:nvPicPr>
-          <p:cNvPr id="6" name="그림 5"/>
-          <p:cNvPicPr>
-            <a:picLocks noChangeAspect="1"/>
-          </p:cNvPicPr>
-          <p:nvPr/>
-        </p:nvPicPr>
-        <p:blipFill>
-          <a:blip r:embed="rId2"/>
-          <a:stretch>
-            <a:fillRect/>
-          </a:stretch>
-        </p:blipFill>
-        <p:spPr>
-          <a:xfrm>
-            <a:off x="1806574" y="824250"/>
-            <a:ext cx="2349501" cy="5400000"/>
-          </a:xfrm>
-          <a:prstGeom prst="rect">
-            <a:avLst/>
-          </a:prstGeom>
-        </p:spPr>
-      </p:pic>
-      <p:pic>
-        <p:nvPicPr>
-          <p:cNvPr id="8" name="그림 7"/>
-          <p:cNvPicPr>
-            <a:picLocks noChangeAspect="1"/>
-          </p:cNvPicPr>
-          <p:nvPr/>
-        </p:nvPicPr>
-        <p:blipFill>
-          <a:blip r:embed="rId3"/>
-          <a:stretch>
-            <a:fillRect/>
-          </a:stretch>
-        </p:blipFill>
-        <p:spPr>
-          <a:xfrm>
-            <a:off x="4721759" y="824250"/>
-            <a:ext cx="2593420" cy="5400000"/>
-          </a:xfrm>
-          <a:prstGeom prst="rect">
-            <a:avLst/>
-          </a:prstGeom>
-        </p:spPr>
-      </p:pic>
-      <p:pic>
-        <p:nvPicPr>
-          <p:cNvPr id="10" name="그림 9"/>
-          <p:cNvPicPr>
-            <a:picLocks noChangeAspect="1"/>
-          </p:cNvPicPr>
-          <p:nvPr/>
-        </p:nvPicPr>
-        <p:blipFill rotWithShape="1">
-          <a:blip r:embed="rId4"/>
-          <a:srcRect l="11135" t="65334" r="20518"/>
-          <a:stretch/>
-        </p:blipFill>
-        <p:spPr>
-          <a:xfrm>
-            <a:off x="7124679" y="1051601"/>
-            <a:ext cx="2019321" cy="1594161"/>
-          </a:xfrm>
-          <a:prstGeom prst="rect">
-            <a:avLst/>
-          </a:prstGeom>
-        </p:spPr>
-      </p:pic>
-      <p:sp>
-        <p:nvSpPr>
-          <p:cNvPr id="11" name="직사각형 10"/>
-          <p:cNvSpPr/>
-          <p:nvPr/>
-        </p:nvSpPr>
-        <p:spPr>
-          <a:xfrm>
-            <a:off x="4924425" y="1495425"/>
-            <a:ext cx="219075" cy="1028700"/>
-          </a:xfrm>
-          <a:prstGeom prst="rect">
-            <a:avLst/>
-          </a:prstGeom>
-          <a:noFill/>
-          <a:ln w="28575">
-            <a:solidFill>
-              <a:srgbClr val="3333FF"/>
-            </a:solidFill>
-          </a:ln>
-        </p:spPr>
-        <p:style>
-          <a:lnRef idx="2">
-            <a:schemeClr val="accent1">
-              <a:shade val="50000"/>
-            </a:schemeClr>
-          </a:lnRef>
-          <a:fillRef idx="1">
-            <a:schemeClr val="accent1"/>
-          </a:fillRef>
-          <a:effectRef idx="0">
-            <a:schemeClr val="accent1"/>
-          </a:effectRef>
-          <a:fontRef idx="minor">
-            <a:schemeClr val="lt1"/>
-          </a:fontRef>
-        </p:style>
-        <p:txBody>
-          <a:bodyPr rtlCol="0" anchor="ctr"/>
-          <a:lstStyle/>
-          <a:p>
-            <a:pPr algn="ctr"/>
-            <a:endParaRPr lang="ko-KR" altLang="en-US"/>
-          </a:p>
-        </p:txBody>
-      </p:sp>
-      <p:sp>
-        <p:nvSpPr>
-          <p:cNvPr id="12" name="직사각형 11"/>
-          <p:cNvSpPr/>
-          <p:nvPr/>
-        </p:nvSpPr>
-        <p:spPr>
-          <a:xfrm>
-            <a:off x="2038350" y="1638300"/>
-            <a:ext cx="180975" cy="523876"/>
-          </a:xfrm>
-          <a:prstGeom prst="rect">
-            <a:avLst/>
-          </a:prstGeom>
-          <a:noFill/>
-          <a:ln w="28575">
-            <a:solidFill>
-              <a:srgbClr val="3333FF"/>
-            </a:solidFill>
-          </a:ln>
-        </p:spPr>
-        <p:style>
-          <a:lnRef idx="2">
-            <a:schemeClr val="accent1">
-              <a:shade val="50000"/>
-            </a:schemeClr>
-          </a:lnRef>
-          <a:fillRef idx="1">
-            <a:schemeClr val="accent1"/>
-          </a:fillRef>
-          <a:effectRef idx="0">
-            <a:schemeClr val="accent1"/>
-          </a:effectRef>
-          <a:fontRef idx="minor">
-            <a:schemeClr val="lt1"/>
-          </a:fontRef>
-        </p:style>
-        <p:txBody>
-          <a:bodyPr rtlCol="0" anchor="ctr"/>
-          <a:lstStyle/>
-          <a:p>
-            <a:pPr algn="ctr"/>
-            <a:endParaRPr lang="ko-KR" altLang="en-US"/>
-          </a:p>
-        </p:txBody>
-      </p:sp>
-      <p:sp>
-        <p:nvSpPr>
-          <p:cNvPr id="13" name="TextBox 12"/>
-          <p:cNvSpPr txBox="1"/>
-          <p:nvPr/>
-        </p:nvSpPr>
-        <p:spPr>
-          <a:xfrm>
-            <a:off x="547341" y="6216274"/>
-            <a:ext cx="8049318" cy="200055"/>
-          </a:xfrm>
-          <a:prstGeom prst="rect">
-            <a:avLst/>
-          </a:prstGeom>
-          <a:noFill/>
-        </p:spPr>
-        <p:txBody>
-          <a:bodyPr wrap="square" rtlCol="0">
-            <a:spAutoFit/>
-          </a:bodyPr>
-          <a:lstStyle/>
-          <a:p>
-            <a:r>
-              <a:rPr lang="en-US" altLang="ko-KR" sz="700" b="1" dirty="0" smtClean="0"/>
-              <a:t>2012-Rev. Sci. Instrum.-83,08374-Method of electrochemical etching of tungsten tips with controllable profiles(Wei-</a:t>
-            </a:r>
-            <a:r>
-              <a:rPr lang="en-US" altLang="ko-KR" sz="700" b="1" dirty="0" err="1" smtClean="0"/>
-              <a:t>Tse</a:t>
-            </a:r>
-            <a:r>
-              <a:rPr lang="en-US" altLang="ko-KR" sz="700" b="1" dirty="0" smtClean="0"/>
-              <a:t> Chang, </a:t>
-            </a:r>
-            <a:r>
-              <a:rPr lang="en-US" altLang="ko-KR" sz="700" b="1" dirty="0" err="1" smtClean="0"/>
-              <a:t>Ing-Shouh</a:t>
-            </a:r>
-            <a:r>
-              <a:rPr lang="en-US" altLang="ko-KR" sz="700" b="1" dirty="0" smtClean="0"/>
-              <a:t> Hwang, Mu-Tung Chang, Chung-</a:t>
-            </a:r>
-            <a:r>
-              <a:rPr lang="en-US" altLang="ko-KR" sz="700" b="1" dirty="0" err="1" smtClean="0"/>
-              <a:t>Yueh</a:t>
-            </a:r>
-            <a:r>
-              <a:rPr lang="en-US" altLang="ko-KR" sz="700" b="1" dirty="0" smtClean="0"/>
-              <a:t> Lin, Wei-</a:t>
-            </a:r>
-            <a:r>
-              <a:rPr lang="en-US" altLang="ko-KR" sz="700" b="1" dirty="0" err="1" smtClean="0"/>
-              <a:t>Hao</a:t>
-            </a:r>
-            <a:r>
-              <a:rPr lang="en-US" altLang="ko-KR" sz="700" b="1" dirty="0" smtClean="0"/>
-              <a:t> Hsu and </a:t>
-            </a:r>
-            <a:r>
-              <a:rPr lang="en-US" altLang="ko-KR" sz="700" b="1" dirty="0" err="1" smtClean="0"/>
-              <a:t>Jin</a:t>
-            </a:r>
-            <a:r>
-              <a:rPr lang="en-US" altLang="ko-KR" sz="700" b="1" dirty="0" smtClean="0"/>
-              <a:t>-Long </a:t>
-            </a:r>
-            <a:r>
-              <a:rPr lang="en-US" altLang="ko-KR" sz="700" b="1" dirty="0" err="1" smtClean="0"/>
-              <a:t>Hou</a:t>
-            </a:r>
-            <a:r>
-              <a:rPr lang="en-US" altLang="ko-KR" sz="700" b="1" dirty="0" smtClean="0"/>
-              <a:t>)</a:t>
-            </a:r>
-            <a:endParaRPr lang="ko-KR" altLang="en-US" sz="700" b="1" dirty="0"/>
-          </a:p>
-        </p:txBody>
-      </p:sp>
-    </p:spTree>
-    <p:extLst>
-      <p:ext uri="{BB962C8B-B14F-4D97-AF65-F5344CB8AC3E}">
-        <p14:creationId xmlns:p14="http://schemas.microsoft.com/office/powerpoint/2010/main" val="2870547844"/>
+        <p14:creationId xmlns:p14="http://schemas.microsoft.com/office/powerpoint/2010/main" val="421860086"/>
       </p:ext>
     </p:extLst>
   </p:cSld>

--- a/랩미팅/201812/1812 W Tip 논문 정리 (Jong).pptx
+++ b/랩미팅/201812/1812 W Tip 논문 정리 (Jong).pptx
@@ -5,7 +5,7 @@
     <p:sldMasterId id="2147483660" r:id="rId1"/>
   </p:sldMasterIdLst>
   <p:notesMasterIdLst>
-    <p:notesMasterId r:id="rId8"/>
+    <p:notesMasterId r:id="rId9"/>
   </p:notesMasterIdLst>
   <p:sldIdLst>
     <p:sldId id="258" r:id="rId2"/>
@@ -14,6 +14,7 @@
     <p:sldId id="307" r:id="rId5"/>
     <p:sldId id="298" r:id="rId6"/>
     <p:sldId id="302" r:id="rId7"/>
+    <p:sldId id="308" r:id="rId8"/>
   </p:sldIdLst>
   <p:sldSz cx="9144000" cy="6858000" type="screen4x3"/>
   <p:notesSz cx="6735763" cy="9866313"/>
@@ -202,7 +203,7 @@
           <a:p>
             <a:fld id="{A9D6DECA-6E4E-4D09-9277-E151A2E3F74C}" type="datetimeFigureOut">
               <a:rPr lang="ko-KR" altLang="en-US" smtClean="0"/>
-              <a:t>2018-12-09</a:t>
+              <a:t>2018-12-13</a:t>
             </a:fld>
             <a:endParaRPr lang="ko-KR" altLang="en-US"/>
           </a:p>
@@ -685,7 +686,7 @@
           <a:p>
             <a:fld id="{78E89258-A40F-4400-BA1A-638141289729}" type="datetime1">
               <a:rPr lang="ko-KR" altLang="en-US" smtClean="0"/>
-              <a:t>2018-12-09</a:t>
+              <a:t>2018-12-13</a:t>
             </a:fld>
             <a:endParaRPr lang="ko-KR" altLang="en-US"/>
           </a:p>
@@ -862,7 +863,7 @@
           <a:p>
             <a:fld id="{CD116CEF-802E-43F7-8932-78519DF2A264}" type="datetime1">
               <a:rPr lang="ko-KR" altLang="en-US" smtClean="0"/>
-              <a:t>2018-12-09</a:t>
+              <a:t>2018-12-13</a:t>
             </a:fld>
             <a:endParaRPr lang="ko-KR" altLang="en-US"/>
           </a:p>
@@ -1042,7 +1043,7 @@
           <a:p>
             <a:fld id="{EFD9D7C3-1982-427D-BFA7-1AF9687AAB0F}" type="datetime1">
               <a:rPr lang="ko-KR" altLang="en-US" smtClean="0"/>
-              <a:t>2018-12-09</a:t>
+              <a:t>2018-12-13</a:t>
             </a:fld>
             <a:endParaRPr lang="ko-KR" altLang="en-US"/>
           </a:p>
@@ -1212,7 +1213,7 @@
           <a:p>
             <a:fld id="{EDD93E7F-B437-40E5-8ACB-B79696783EFA}" type="datetime1">
               <a:rPr lang="ko-KR" altLang="en-US" smtClean="0"/>
-              <a:t>2018-12-09</a:t>
+              <a:t>2018-12-13</a:t>
             </a:fld>
             <a:endParaRPr lang="ko-KR" altLang="en-US"/>
           </a:p>
@@ -1456,7 +1457,7 @@
           <a:p>
             <a:fld id="{DB249950-0BD4-4F6E-BE3F-CB53B7E2FD06}" type="datetime1">
               <a:rPr lang="ko-KR" altLang="en-US" smtClean="0"/>
-              <a:t>2018-12-09</a:t>
+              <a:t>2018-12-13</a:t>
             </a:fld>
             <a:endParaRPr lang="ko-KR" altLang="en-US"/>
           </a:p>
@@ -1688,7 +1689,7 @@
           <a:p>
             <a:fld id="{7B016D7E-32C0-4DB3-B6B3-0506A62840FB}" type="datetime1">
               <a:rPr lang="ko-KR" altLang="en-US" smtClean="0"/>
-              <a:t>2018-12-09</a:t>
+              <a:t>2018-12-13</a:t>
             </a:fld>
             <a:endParaRPr lang="ko-KR" altLang="en-US"/>
           </a:p>
@@ -2055,7 +2056,7 @@
           <a:p>
             <a:fld id="{B246672D-B3FD-4B2E-92C0-4A80DA670927}" type="datetime1">
               <a:rPr lang="ko-KR" altLang="en-US" smtClean="0"/>
-              <a:t>2018-12-09</a:t>
+              <a:t>2018-12-13</a:t>
             </a:fld>
             <a:endParaRPr lang="ko-KR" altLang="en-US"/>
           </a:p>
@@ -2173,7 +2174,7 @@
           <a:p>
             <a:fld id="{9B9B7D2E-B202-4D7A-9519-0C490A04EB9C}" type="datetime1">
               <a:rPr lang="ko-KR" altLang="en-US" smtClean="0"/>
-              <a:t>2018-12-09</a:t>
+              <a:t>2018-12-13</a:t>
             </a:fld>
             <a:endParaRPr lang="ko-KR" altLang="en-US"/>
           </a:p>
@@ -2268,7 +2269,7 @@
           <a:p>
             <a:fld id="{12FB9327-987E-47D6-AE2D-63CED8A79494}" type="datetime1">
               <a:rPr lang="ko-KR" altLang="en-US" smtClean="0"/>
-              <a:t>2018-12-09</a:t>
+              <a:t>2018-12-13</a:t>
             </a:fld>
             <a:endParaRPr lang="ko-KR" altLang="en-US"/>
           </a:p>
@@ -2545,7 +2546,7 @@
           <a:p>
             <a:fld id="{D8D87011-7294-4632-A156-4F695AB9E41C}" type="datetime1">
               <a:rPr lang="ko-KR" altLang="en-US" smtClean="0"/>
-              <a:t>2018-12-09</a:t>
+              <a:t>2018-12-13</a:t>
             </a:fld>
             <a:endParaRPr lang="ko-KR" altLang="en-US"/>
           </a:p>
@@ -2802,7 +2803,7 @@
           <a:p>
             <a:fld id="{1BDC7FDB-72DE-4D65-AF4F-510496DAF70F}" type="datetime1">
               <a:rPr lang="ko-KR" altLang="en-US" smtClean="0"/>
-              <a:t>2018-12-09</a:t>
+              <a:t>2018-12-13</a:t>
             </a:fld>
             <a:endParaRPr lang="ko-KR" altLang="en-US"/>
           </a:p>
@@ -3015,7 +3016,7 @@
           <a:p>
             <a:fld id="{9A286DBF-DB43-470A-A903-26374CB6EF47}" type="datetime1">
               <a:rPr lang="ko-KR" altLang="en-US" smtClean="0"/>
-              <a:t>2018-12-09</a:t>
+              <a:t>2018-12-13</a:t>
             </a:fld>
             <a:endParaRPr lang="ko-KR" altLang="en-US"/>
           </a:p>
@@ -3600,7 +3601,7 @@
           <a:p>
             <a:fld id="{32C03489-23FC-4021-B9AB-958EFB3C0FE7}" type="datetime1">
               <a:rPr lang="ko-KR" altLang="en-US" smtClean="0"/>
-              <a:t>2018-12-09</a:t>
+              <a:t>2018-12-13</a:t>
             </a:fld>
             <a:endParaRPr lang="ko-KR" altLang="en-US"/>
           </a:p>
@@ -3683,7 +3684,7 @@
           <a:p>
             <a:fld id="{EDD93E7F-B437-40E5-8ACB-B79696783EFA}" type="datetime1">
               <a:rPr lang="ko-KR" altLang="en-US" smtClean="0"/>
-              <a:t>2018-12-09</a:t>
+              <a:t>2018-12-13</a:t>
             </a:fld>
             <a:endParaRPr lang="ko-KR" altLang="en-US"/>
           </a:p>
@@ -4050,7 +4051,7 @@
           <a:p>
             <a:fld id="{EDD93E7F-B437-40E5-8ACB-B79696783EFA}" type="datetime1">
               <a:rPr lang="ko-KR" altLang="en-US" smtClean="0"/>
-              <a:t>2018-12-09</a:t>
+              <a:t>2018-12-13</a:t>
             </a:fld>
             <a:endParaRPr lang="ko-KR" altLang="en-US"/>
           </a:p>
@@ -4349,7 +4350,7 @@
         <p:spPr>
           <a:xfrm>
             <a:off x="3961013" y="4422733"/>
-            <a:ext cx="4916979" cy="954107"/>
+            <a:ext cx="4916979" cy="1323439"/>
           </a:xfrm>
           <a:prstGeom prst="rect">
             <a:avLst/>
@@ -4367,37 +4368,18 @@
               <a:buChar char="-"/>
             </a:pPr>
             <a:r>
-              <a:rPr lang="en-US" altLang="ko-KR" sz="1400" dirty="0" smtClean="0"/>
-              <a:t>primary </a:t>
-            </a:r>
-            <a:r>
-              <a:rPr lang="en-US" altLang="ko-KR" sz="1400" dirty="0"/>
-              <a:t>shaft diameter and length in the range </a:t>
-            </a:r>
-            <a:r>
-              <a:rPr lang="en-US" altLang="ko-KR" sz="1400" dirty="0" smtClean="0"/>
-              <a:t>of 10–40 </a:t>
-            </a:r>
-            <a:r>
-              <a:rPr lang="en-US" altLang="ko-KR" sz="1400" dirty="0" err="1"/>
+              <a:rPr lang="en-US" altLang="ko-KR" sz="2000" dirty="0" smtClean="0"/>
+              <a:t>Primary </a:t>
+            </a:r>
+            <a:r>
+              <a:rPr lang="en-US" altLang="ko-KR" sz="2000" dirty="0"/>
+              <a:t>shaft diameter: 10–40 </a:t>
+            </a:r>
+            <a:r>
+              <a:rPr lang="en-US" altLang="ko-KR" sz="2000" dirty="0" err="1"/>
               <a:t>μm</a:t>
             </a:r>
-            <a:r>
-              <a:rPr lang="en-US" altLang="ko-KR" sz="1400" dirty="0"/>
-              <a:t> and 2–5 mm, </a:t>
-            </a:r>
-            <a:r>
-              <a:rPr lang="en-US" altLang="ko-KR" sz="1400" dirty="0" smtClean="0"/>
-              <a:t>respectively</a:t>
-            </a:r>
-            <a:r>
-              <a:rPr lang="en-US" altLang="ko-KR" sz="1400" dirty="0"/>
-              <a:t>, can be fabricated with high success rate (∼80</a:t>
-            </a:r>
-            <a:r>
-              <a:rPr lang="en-US" altLang="ko-KR" sz="1400" dirty="0" smtClean="0"/>
-              <a:t>%).</a:t>
-            </a:r>
+            <a:endParaRPr lang="en-US" altLang="ko-KR" sz="2000" dirty="0" smtClean="0"/>
           </a:p>
           <a:p>
             <a:pPr marL="285750" indent="-285750">
@@ -4405,10 +4387,42 @@
               <a:buChar char="-"/>
             </a:pPr>
             <a:r>
-              <a:rPr lang="en-US" altLang="ko-KR" sz="1400" dirty="0" smtClean="0"/>
+              <a:rPr lang="en-US" altLang="ko-KR" sz="2000" dirty="0" smtClean="0"/>
+              <a:t>Length: 2–5 mm</a:t>
+            </a:r>
+          </a:p>
+          <a:p>
+            <a:pPr marL="285750" indent="-285750">
+              <a:buFontTx/>
+              <a:buChar char="-"/>
+            </a:pPr>
+            <a:r>
+              <a:rPr lang="en-US" altLang="ko-KR" sz="2000" dirty="0"/>
+              <a:t>F</a:t>
+            </a:r>
+            <a:r>
+              <a:rPr lang="en-US" altLang="ko-KR" sz="2000" dirty="0" smtClean="0"/>
+              <a:t>abricated </a:t>
+            </a:r>
+            <a:r>
+              <a:rPr lang="en-US" altLang="ko-KR" sz="2000" dirty="0"/>
+              <a:t>with high success rate (∼80</a:t>
+            </a:r>
+            <a:r>
+              <a:rPr lang="en-US" altLang="ko-KR" sz="2000" dirty="0" smtClean="0"/>
+              <a:t>%).</a:t>
+            </a:r>
+          </a:p>
+          <a:p>
+            <a:pPr marL="285750" indent="-285750">
+              <a:buFontTx/>
+              <a:buChar char="-"/>
+            </a:pPr>
+            <a:r>
+              <a:rPr lang="en-US" altLang="ko-KR" sz="2000" dirty="0" smtClean="0"/>
               <a:t>High Q-factor</a:t>
             </a:r>
-            <a:endParaRPr lang="ko-KR" altLang="en-US" sz="1400" dirty="0"/>
+            <a:endParaRPr lang="ko-KR" altLang="en-US" sz="2000" dirty="0"/>
           </a:p>
         </p:txBody>
       </p:sp>
@@ -4466,7 +4480,7 @@
           <a:p>
             <a:fld id="{EDD93E7F-B437-40E5-8ACB-B79696783EFA}" type="datetime1">
               <a:rPr lang="ko-KR" altLang="en-US" smtClean="0"/>
-              <a:t>2018-12-09</a:t>
+              <a:t>2018-12-13</a:t>
             </a:fld>
             <a:endParaRPr lang="ko-KR" altLang="en-US"/>
           </a:p>
@@ -4695,8 +4709,8 @@
         </p:nvSpPr>
         <p:spPr>
           <a:xfrm>
-            <a:off x="3249373" y="4477988"/>
-            <a:ext cx="5832453" cy="523220"/>
+            <a:off x="3249373" y="4231766"/>
+            <a:ext cx="5832453" cy="1015663"/>
           </a:xfrm>
           <a:prstGeom prst="rect">
             <a:avLst/>
@@ -4714,15 +4728,15 @@
               <a:buChar char="-"/>
             </a:pPr>
             <a:r>
-              <a:rPr lang="en-US" altLang="ko-KR" sz="1400" dirty="0" smtClean="0"/>
-              <a:t>Each </a:t>
-            </a:r>
-            <a:r>
-              <a:rPr lang="en-US" altLang="ko-KR" sz="1400" dirty="0"/>
-              <a:t>data point corresponds to an average of at least 5 tips</a:t>
-            </a:r>
-            <a:r>
-              <a:rPr lang="en-US" altLang="ko-KR" sz="1400" dirty="0" smtClean="0"/>
+              <a:rPr lang="en-US" altLang="ko-KR" sz="2000" dirty="0" smtClean="0"/>
+              <a:t>An </a:t>
+            </a:r>
+            <a:r>
+              <a:rPr lang="en-US" altLang="ko-KR" sz="2000" dirty="0"/>
+              <a:t>average of at least 5 tips</a:t>
+            </a:r>
+            <a:r>
+              <a:rPr lang="en-US" altLang="ko-KR" sz="2000" dirty="0" smtClean="0"/>
               <a:t>.</a:t>
             </a:r>
           </a:p>
@@ -4732,10 +4746,18 @@
               <a:buChar char="-"/>
             </a:pPr>
             <a:r>
-              <a:rPr lang="en-US" altLang="ko-KR" sz="1400" dirty="0"/>
-              <a:t>This method produces tips in a very controlled and reproducible manner.</a:t>
-            </a:r>
-            <a:endParaRPr lang="ko-KR" altLang="en-US" sz="1400" dirty="0"/>
+              <a:rPr lang="en-US" altLang="ko-KR" sz="2000" dirty="0" smtClean="0"/>
+              <a:t>“This </a:t>
+            </a:r>
+            <a:r>
+              <a:rPr lang="en-US" altLang="ko-KR" sz="2000" dirty="0"/>
+              <a:t>method produces tips in a very controlled and reproducible manner</a:t>
+            </a:r>
+            <a:r>
+              <a:rPr lang="en-US" altLang="ko-KR" sz="2000" dirty="0" smtClean="0"/>
+              <a:t>.”</a:t>
+            </a:r>
+            <a:endParaRPr lang="ko-KR" altLang="en-US" sz="2000" dirty="0"/>
           </a:p>
         </p:txBody>
       </p:sp>
@@ -4793,7 +4815,7 @@
           <a:p>
             <a:fld id="{EDD93E7F-B437-40E5-8ACB-B79696783EFA}" type="datetime1">
               <a:rPr lang="ko-KR" altLang="en-US" smtClean="0"/>
-              <a:t>2018-12-09</a:t>
+              <a:t>2018-12-13</a:t>
             </a:fld>
             <a:endParaRPr lang="ko-KR" altLang="en-US"/>
           </a:p>
@@ -4845,44 +4867,6 @@
           </a:prstGeom>
         </p:spPr>
       </p:pic>
-      <p:sp>
-        <p:nvSpPr>
-          <p:cNvPr id="8" name="TextBox 7"/>
-          <p:cNvSpPr txBox="1"/>
-          <p:nvPr/>
-        </p:nvSpPr>
-        <p:spPr>
-          <a:xfrm>
-            <a:off x="2686050" y="1264830"/>
-            <a:ext cx="2371725" cy="307777"/>
-          </a:xfrm>
-          <a:prstGeom prst="rect">
-            <a:avLst/>
-          </a:prstGeom>
-          <a:noFill/>
-        </p:spPr>
-        <p:txBody>
-          <a:bodyPr wrap="square" rtlCol="0">
-            <a:spAutoFit/>
-          </a:bodyPr>
-          <a:lstStyle/>
-          <a:p>
-            <a:r>
-              <a:rPr lang="en-US" altLang="ko-KR" sz="1400" dirty="0" smtClean="0"/>
-              <a:t>AFG-3051, GW </a:t>
-            </a:r>
-            <a:r>
-              <a:rPr lang="en-US" altLang="ko-KR" sz="1400" dirty="0" err="1" smtClean="0"/>
-              <a:t>Instek</a:t>
-            </a:r>
-            <a:r>
-              <a:rPr lang="en-US" altLang="ko-KR" sz="1400" dirty="0" smtClean="0"/>
-              <a:t>, Taiwan</a:t>
-            </a:r>
-            <a:endParaRPr lang="ko-KR" altLang="en-US" sz="1400" dirty="0"/>
-          </a:p>
-        </p:txBody>
-      </p:sp>
       <p:pic>
         <p:nvPicPr>
           <p:cNvPr id="20" name="그림 19"/>
@@ -4898,7 +4882,7 @@
         </p:blipFill>
         <p:spPr>
           <a:xfrm>
-            <a:off x="302943" y="2900748"/>
+            <a:off x="2974978" y="1246936"/>
             <a:ext cx="2708813" cy="1840905"/>
           </a:xfrm>
           <a:prstGeom prst="rect">
@@ -4914,8 +4898,8 @@
         </p:nvSpPr>
         <p:spPr>
           <a:xfrm>
-            <a:off x="2605356" y="2295703"/>
-            <a:ext cx="3229512" cy="307777"/>
+            <a:off x="266007" y="2352456"/>
+            <a:ext cx="528542" cy="307777"/>
           </a:xfrm>
           <a:prstGeom prst="rect">
             <a:avLst/>
@@ -4930,7 +4914,7 @@
           <a:p>
             <a:r>
               <a:rPr lang="en-US" altLang="ko-KR" sz="1400" dirty="0" smtClean="0"/>
-              <a:t>10M KOH – reduce time, meniscus stable</a:t>
+              <a:t>10M</a:t>
             </a:r>
             <a:endParaRPr lang="ko-KR" altLang="en-US" sz="1400" dirty="0"/>
           </a:p>
@@ -5053,85 +5037,14 @@
         </p:blipFill>
         <p:spPr>
           <a:xfrm>
-            <a:off x="4355758" y="2950089"/>
-            <a:ext cx="3387486" cy="4416426"/>
+            <a:off x="1142642" y="2930203"/>
+            <a:ext cx="2455057" cy="3200774"/>
           </a:xfrm>
           <a:prstGeom prst="rect">
             <a:avLst/>
           </a:prstGeom>
         </p:spPr>
       </p:pic>
-      <p:pic>
-        <p:nvPicPr>
-          <p:cNvPr id="16" name="그림 15"/>
-          <p:cNvPicPr>
-            <a:picLocks noChangeAspect="1"/>
-          </p:cNvPicPr>
-          <p:nvPr/>
-        </p:nvPicPr>
-        <p:blipFill>
-          <a:blip r:embed="rId5"/>
-          <a:stretch>
-            <a:fillRect/>
-          </a:stretch>
-        </p:blipFill>
-        <p:spPr>
-          <a:xfrm>
-            <a:off x="7512429" y="2890676"/>
-            <a:ext cx="3738563" cy="1776176"/>
-          </a:xfrm>
-          <a:prstGeom prst="rect">
-            <a:avLst/>
-          </a:prstGeom>
-        </p:spPr>
-      </p:pic>
-      <p:sp>
-        <p:nvSpPr>
-          <p:cNvPr id="17" name="왼쪽 중괄호 16"/>
-          <p:cNvSpPr/>
-          <p:nvPr/>
-        </p:nvSpPr>
-        <p:spPr>
-          <a:xfrm>
-            <a:off x="4155439" y="3244646"/>
-            <a:ext cx="472741" cy="1449151"/>
-          </a:xfrm>
-          <a:prstGeom prst="leftBrace">
-            <a:avLst>
-              <a:gd name="adj1" fmla="val 60082"/>
-              <a:gd name="adj2" fmla="val 50000"/>
-            </a:avLst>
-          </a:prstGeom>
-          <a:noFill/>
-          <a:ln w="19050">
-            <a:solidFill>
-              <a:schemeClr val="tx1"/>
-            </a:solidFill>
-          </a:ln>
-        </p:spPr>
-        <p:style>
-          <a:lnRef idx="1">
-            <a:schemeClr val="accent1"/>
-          </a:lnRef>
-          <a:fillRef idx="0">
-            <a:schemeClr val="accent1"/>
-          </a:fillRef>
-          <a:effectRef idx="0">
-            <a:schemeClr val="accent1"/>
-          </a:effectRef>
-          <a:fontRef idx="minor">
-            <a:schemeClr val="tx1"/>
-          </a:fontRef>
-        </p:style>
-        <p:txBody>
-          <a:bodyPr rtlCol="0" anchor="ctr"/>
-          <a:lstStyle/>
-          <a:p>
-            <a:pPr algn="ctr"/>
-            <a:endParaRPr lang="ko-KR" altLang="en-US"/>
-          </a:p>
-        </p:txBody>
-      </p:sp>
       <p:sp>
         <p:nvSpPr>
           <p:cNvPr id="18" name="TextBox 17"/>
@@ -5140,7 +5053,7 @@
         </p:nvSpPr>
         <p:spPr>
           <a:xfrm>
-            <a:off x="2774595" y="3646055"/>
+            <a:off x="150595" y="3409626"/>
             <a:ext cx="1340367" cy="646331"/>
           </a:xfrm>
           <a:prstGeom prst="rect">
@@ -5172,60 +5085,13 @@
       </p:sp>
       <p:sp>
         <p:nvSpPr>
-          <p:cNvPr id="19" name="왼쪽 중괄호 18"/>
-          <p:cNvSpPr/>
-          <p:nvPr/>
-        </p:nvSpPr>
-        <p:spPr>
-          <a:xfrm>
-            <a:off x="3972987" y="5213585"/>
-            <a:ext cx="472741" cy="1449151"/>
-          </a:xfrm>
-          <a:prstGeom prst="leftBrace">
-            <a:avLst>
-              <a:gd name="adj1" fmla="val 60082"/>
-              <a:gd name="adj2" fmla="val 50000"/>
-            </a:avLst>
-          </a:prstGeom>
-          <a:noFill/>
-          <a:ln w="19050">
-            <a:solidFill>
-              <a:schemeClr val="tx1"/>
-            </a:solidFill>
-          </a:ln>
-        </p:spPr>
-        <p:style>
-          <a:lnRef idx="1">
-            <a:schemeClr val="accent1"/>
-          </a:lnRef>
-          <a:fillRef idx="0">
-            <a:schemeClr val="accent1"/>
-          </a:fillRef>
-          <a:effectRef idx="0">
-            <a:schemeClr val="accent1"/>
-          </a:effectRef>
-          <a:fontRef idx="minor">
-            <a:schemeClr val="tx1"/>
-          </a:fontRef>
-        </p:style>
-        <p:txBody>
-          <a:bodyPr rtlCol="0" anchor="ctr"/>
-          <a:lstStyle/>
-          <a:p>
-            <a:pPr algn="ctr"/>
-            <a:endParaRPr lang="ko-KR" altLang="en-US"/>
-          </a:p>
-        </p:txBody>
-      </p:sp>
-      <p:sp>
-        <p:nvSpPr>
           <p:cNvPr id="21" name="TextBox 20"/>
           <p:cNvSpPr txBox="1"/>
           <p:nvPr/>
         </p:nvSpPr>
         <p:spPr>
           <a:xfrm>
-            <a:off x="3006613" y="5614994"/>
+            <a:off x="301043" y="4882988"/>
             <a:ext cx="876330" cy="646331"/>
           </a:xfrm>
           <a:prstGeom prst="rect">
@@ -5263,7 +5129,7 @@
         </p:nvSpPr>
         <p:spPr>
           <a:xfrm>
-            <a:off x="6790633" y="3244646"/>
+            <a:off x="2861017" y="3120338"/>
             <a:ext cx="428625" cy="160380"/>
           </a:xfrm>
           <a:prstGeom prst="rect">
@@ -5309,7 +5175,7 @@
         </p:nvCxnSpPr>
         <p:spPr>
           <a:xfrm>
-            <a:off x="6049501" y="3976766"/>
+            <a:off x="3343931" y="3976766"/>
             <a:ext cx="0" cy="545701"/>
           </a:xfrm>
           <a:prstGeom prst="straightConnector1">
@@ -5343,25 +5209,25 @@
           <p:nvPr>
             <p:extLst>
               <p:ext uri="{D42A27DB-BD31-4B8C-83A1-F6EECF244321}">
-                <p14:modId xmlns:p14="http://schemas.microsoft.com/office/powerpoint/2010/main" val="2652788292"/>
+                <p14:modId xmlns:p14="http://schemas.microsoft.com/office/powerpoint/2010/main" val="2956538552"/>
               </p:ext>
             </p:extLst>
           </p:nvPr>
         </p:nvGraphicFramePr>
         <p:xfrm>
-          <a:off x="5614212" y="4148096"/>
+          <a:off x="2908642" y="4148096"/>
           <a:ext cx="381000" cy="241300"/>
         </p:xfrm>
         <a:graphic>
           <a:graphicData uri="http://schemas.openxmlformats.org/presentationml/2006/ole">
             <mc:AlternateContent xmlns:mc="http://schemas.openxmlformats.org/markup-compatibility/2006">
               <mc:Choice xmlns:v="urn:schemas-microsoft-com:vml" Requires="v">
-                <p:oleObj spid="_x0000_s3075" name="Equation" r:id="rId6" imgW="380880" imgH="241200" progId="Equation.DSMT4">
+                <p:oleObj spid="_x0000_s3086" name="Equation" r:id="rId5" imgW="380880" imgH="241200" progId="Equation.DSMT4">
                   <p:embed/>
                 </p:oleObj>
               </mc:Choice>
               <mc:Fallback>
-                <p:oleObj name="Equation" r:id="rId6" imgW="380880" imgH="241200" progId="Equation.DSMT4">
+                <p:oleObj name="Equation" r:id="rId5" imgW="380880" imgH="241200" progId="Equation.DSMT4">
                   <p:embed/>
                   <p:pic>
                     <p:nvPicPr>
@@ -5370,14 +5236,14 @@
                       <p:nvPr/>
                     </p:nvPicPr>
                     <p:blipFill>
-                      <a:blip r:embed="rId7"/>
+                      <a:blip r:embed="rId6"/>
                       <a:stretch>
                         <a:fillRect/>
                       </a:stretch>
                     </p:blipFill>
                     <p:spPr>
                       <a:xfrm>
-                        <a:off x="5614212" y="4148096"/>
+                        <a:off x="2908642" y="4148096"/>
                         <a:ext cx="381000" cy="241300"/>
                       </a:xfrm>
                       <a:prstGeom prst="rect">
@@ -5391,6 +5257,48 @@
           </a:graphicData>
         </a:graphic>
       </p:graphicFrame>
+      <p:sp>
+        <p:nvSpPr>
+          <p:cNvPr id="27" name="TextBox 26"/>
+          <p:cNvSpPr txBox="1"/>
+          <p:nvPr/>
+        </p:nvSpPr>
+        <p:spPr>
+          <a:xfrm>
+            <a:off x="3597699" y="4022758"/>
+            <a:ext cx="5336270" cy="1015663"/>
+          </a:xfrm>
+          <a:prstGeom prst="rect">
+            <a:avLst/>
+          </a:prstGeom>
+          <a:noFill/>
+        </p:spPr>
+        <p:txBody>
+          <a:bodyPr wrap="square" rtlCol="0">
+            <a:spAutoFit/>
+          </a:bodyPr>
+          <a:lstStyle/>
+          <a:p>
+            <a:pPr marL="285750" indent="-285750">
+              <a:buFontTx/>
+              <a:buChar char="-"/>
+            </a:pPr>
+            <a:r>
+              <a:rPr lang="en-US" altLang="ko-KR" sz="2000" dirty="0" smtClean="0"/>
+              <a:t>“we </a:t>
+            </a:r>
+            <a:r>
+              <a:rPr lang="en-US" altLang="ko-KR" sz="2000" dirty="0"/>
+              <a:t>propose a simple and reliable electrochemical method to fabricate tungsten tips with good control of the tip profile</a:t>
+            </a:r>
+            <a:r>
+              <a:rPr lang="en-US" altLang="ko-KR" sz="2000" dirty="0" smtClean="0"/>
+              <a:t>.”</a:t>
+            </a:r>
+            <a:endParaRPr lang="ko-KR" altLang="en-US" sz="2000" dirty="0"/>
+          </a:p>
+        </p:txBody>
+      </p:sp>
     </p:spTree>
     <p:extLst>
       <p:ext uri="{BB962C8B-B14F-4D97-AF65-F5344CB8AC3E}">
@@ -5445,7 +5353,7 @@
           <a:p>
             <a:fld id="{EDD93E7F-B437-40E5-8ACB-B79696783EFA}" type="datetime1">
               <a:rPr lang="ko-KR" altLang="en-US" smtClean="0"/>
-              <a:t>2018-12-09</a:t>
+              <a:t>2018-12-13</a:t>
             </a:fld>
             <a:endParaRPr lang="ko-KR" altLang="en-US"/>
           </a:p>
@@ -5568,10 +5476,347 @@
           </a:p>
         </p:txBody>
       </p:sp>
+      <p:pic>
+        <p:nvPicPr>
+          <p:cNvPr id="2" name="그림 1"/>
+          <p:cNvPicPr>
+            <a:picLocks noChangeAspect="1"/>
+          </p:cNvPicPr>
+          <p:nvPr/>
+        </p:nvPicPr>
+        <p:blipFill>
+          <a:blip r:embed="rId2"/>
+          <a:stretch>
+            <a:fillRect/>
+          </a:stretch>
+        </p:blipFill>
+        <p:spPr>
+          <a:xfrm>
+            <a:off x="2686050" y="1254957"/>
+            <a:ext cx="2052257" cy="1974520"/>
+          </a:xfrm>
+          <a:prstGeom prst="rect">
+            <a:avLst/>
+          </a:prstGeom>
+        </p:spPr>
+      </p:pic>
+      <p:pic>
+        <p:nvPicPr>
+          <p:cNvPr id="3" name="그림 2"/>
+          <p:cNvPicPr>
+            <a:picLocks noChangeAspect="1"/>
+          </p:cNvPicPr>
+          <p:nvPr/>
+        </p:nvPicPr>
+        <p:blipFill>
+          <a:blip r:embed="rId3"/>
+          <a:stretch>
+            <a:fillRect/>
+          </a:stretch>
+        </p:blipFill>
+        <p:spPr>
+          <a:xfrm>
+            <a:off x="266007" y="1254957"/>
+            <a:ext cx="2291710" cy="4091240"/>
+          </a:xfrm>
+          <a:prstGeom prst="rect">
+            <a:avLst/>
+          </a:prstGeom>
+        </p:spPr>
+      </p:pic>
+      <p:pic>
+        <p:nvPicPr>
+          <p:cNvPr id="6" name="그림 5"/>
+          <p:cNvPicPr>
+            <a:picLocks noChangeAspect="1"/>
+          </p:cNvPicPr>
+          <p:nvPr/>
+        </p:nvPicPr>
+        <p:blipFill>
+          <a:blip r:embed="rId4"/>
+          <a:stretch>
+            <a:fillRect/>
+          </a:stretch>
+        </p:blipFill>
+        <p:spPr>
+          <a:xfrm>
+            <a:off x="2554172" y="3300577"/>
+            <a:ext cx="2316011" cy="1974520"/>
+          </a:xfrm>
+          <a:prstGeom prst="rect">
+            <a:avLst/>
+          </a:prstGeom>
+        </p:spPr>
+      </p:pic>
+      <p:pic>
+        <p:nvPicPr>
+          <p:cNvPr id="7" name="그림 6"/>
+          <p:cNvPicPr>
+            <a:picLocks noChangeAspect="1"/>
+          </p:cNvPicPr>
+          <p:nvPr/>
+        </p:nvPicPr>
+        <p:blipFill>
+          <a:blip r:embed="rId5"/>
+          <a:stretch>
+            <a:fillRect/>
+          </a:stretch>
+        </p:blipFill>
+        <p:spPr>
+          <a:xfrm>
+            <a:off x="5500935" y="1296367"/>
+            <a:ext cx="2843427" cy="2001729"/>
+          </a:xfrm>
+          <a:prstGeom prst="rect">
+            <a:avLst/>
+          </a:prstGeom>
+        </p:spPr>
+      </p:pic>
+      <p:sp>
+        <p:nvSpPr>
+          <p:cNvPr id="9" name="TextBox 8"/>
+          <p:cNvSpPr txBox="1"/>
+          <p:nvPr/>
+        </p:nvSpPr>
+        <p:spPr>
+          <a:xfrm>
+            <a:off x="4845882" y="3629998"/>
+            <a:ext cx="4153535" cy="1323439"/>
+          </a:xfrm>
+          <a:prstGeom prst="rect">
+            <a:avLst/>
+          </a:prstGeom>
+          <a:noFill/>
+        </p:spPr>
+        <p:txBody>
+          <a:bodyPr wrap="square" rtlCol="0">
+            <a:spAutoFit/>
+          </a:bodyPr>
+          <a:lstStyle/>
+          <a:p>
+            <a:pPr marL="285750" indent="-285750">
+              <a:buFontTx/>
+              <a:buChar char="-"/>
+            </a:pPr>
+            <a:r>
+              <a:rPr lang="en-US" altLang="ko-KR" sz="2000" dirty="0" smtClean="0"/>
+              <a:t>“The </a:t>
+            </a:r>
+            <a:r>
+              <a:rPr lang="en-US" altLang="ko-KR" sz="2000" dirty="0"/>
+              <a:t>programming allows for increasing the reproducibility of the preparation and improves the quality of the preparation process</a:t>
+            </a:r>
+            <a:r>
+              <a:rPr lang="en-US" altLang="ko-KR" sz="2000" dirty="0" smtClean="0"/>
+              <a:t>.”</a:t>
+            </a:r>
+            <a:endParaRPr lang="ko-KR" altLang="en-US" sz="2000" dirty="0"/>
+          </a:p>
+        </p:txBody>
+      </p:sp>
     </p:spTree>
     <p:extLst>
       <p:ext uri="{BB962C8B-B14F-4D97-AF65-F5344CB8AC3E}">
         <p14:creationId xmlns:p14="http://schemas.microsoft.com/office/powerpoint/2010/main" val="421860086"/>
+      </p:ext>
+    </p:extLst>
+  </p:cSld>
+  <p:clrMapOvr>
+    <a:masterClrMapping/>
+  </p:clrMapOvr>
+  <p:timing>
+    <p:tnLst>
+      <p:par>
+        <p:cTn id="1" dur="indefinite" restart="never" nodeType="tmRoot"/>
+      </p:par>
+    </p:tnLst>
+  </p:timing>
+</p:sld>
+</file>
+
+<file path=ppt/slides/slide7.xml><?xml version="1.0" encoding="utf-8"?>
+<p:sld xmlns:a="http://schemas.openxmlformats.org/drawingml/2006/main" xmlns:r="http://schemas.openxmlformats.org/officeDocument/2006/relationships" xmlns:p="http://schemas.openxmlformats.org/presentationml/2006/main">
+  <p:cSld>
+    <p:spTree>
+      <p:nvGrpSpPr>
+        <p:cNvPr id="1" name=""/>
+        <p:cNvGrpSpPr/>
+        <p:nvPr/>
+      </p:nvGrpSpPr>
+      <p:grpSpPr>
+        <a:xfrm>
+          <a:off x="0" y="0"/>
+          <a:ext cx="0" cy="0"/>
+          <a:chOff x="0" y="0"/>
+          <a:chExt cx="0" cy="0"/>
+        </a:xfrm>
+      </p:grpSpPr>
+      <p:sp>
+        <p:nvSpPr>
+          <p:cNvPr id="4" name="날짜 개체 틀 3"/>
+          <p:cNvSpPr>
+            <a:spLocks noGrp="1"/>
+          </p:cNvSpPr>
+          <p:nvPr>
+            <p:ph type="dt" sz="half" idx="10"/>
+          </p:nvPr>
+        </p:nvSpPr>
+        <p:spPr/>
+        <p:txBody>
+          <a:bodyPr/>
+          <a:lstStyle/>
+          <a:p>
+            <a:fld id="{EDD93E7F-B437-40E5-8ACB-B79696783EFA}" type="datetime1">
+              <a:rPr lang="ko-KR" altLang="en-US" smtClean="0"/>
+              <a:t>2018-12-13</a:t>
+            </a:fld>
+            <a:endParaRPr lang="ko-KR" altLang="en-US"/>
+          </a:p>
+        </p:txBody>
+      </p:sp>
+      <p:sp>
+        <p:nvSpPr>
+          <p:cNvPr id="5" name="슬라이드 번호 개체 틀 4"/>
+          <p:cNvSpPr>
+            <a:spLocks noGrp="1"/>
+          </p:cNvSpPr>
+          <p:nvPr>
+            <p:ph type="sldNum" sz="quarter" idx="12"/>
+          </p:nvPr>
+        </p:nvSpPr>
+        <p:spPr/>
+        <p:txBody>
+          <a:bodyPr/>
+          <a:lstStyle/>
+          <a:p>
+            <a:fld id="{8765F8EB-1186-4395-8E70-F957669279DD}" type="slidenum">
+              <a:rPr lang="ko-KR" altLang="en-US" smtClean="0"/>
+              <a:t>7</a:t>
+            </a:fld>
+            <a:endParaRPr lang="ko-KR" altLang="en-US"/>
+          </a:p>
+        </p:txBody>
+      </p:sp>
+      <p:sp>
+        <p:nvSpPr>
+          <p:cNvPr id="19" name="TextBox 18"/>
+          <p:cNvSpPr txBox="1"/>
+          <p:nvPr/>
+        </p:nvSpPr>
+        <p:spPr>
+          <a:xfrm>
+            <a:off x="266007" y="259135"/>
+            <a:ext cx="8611986" cy="584775"/>
+          </a:xfrm>
+          <a:prstGeom prst="rect">
+            <a:avLst/>
+          </a:prstGeom>
+          <a:noFill/>
+        </p:spPr>
+        <p:txBody>
+          <a:bodyPr wrap="square" rtlCol="0">
+            <a:spAutoFit/>
+          </a:bodyPr>
+          <a:lstStyle/>
+          <a:p>
+            <a:r>
+              <a:rPr lang="en-US" altLang="ko-KR" sz="1600" b="1" dirty="0" smtClean="0"/>
+              <a:t>2012-</a:t>
+            </a:r>
+            <a:r>
+              <a:rPr lang="en-US" altLang="ko-KR" sz="1600" b="1" dirty="0" smtClean="0"/>
+              <a:t>Rev. Sci. Instrum.</a:t>
+            </a:r>
+            <a:r>
+              <a:rPr lang="en-US" altLang="ko-KR" sz="1600" b="1" dirty="0" smtClean="0"/>
+              <a:t>-83,6-Two step controllable electrochemical etching of tungsten scanning probe microscopy tips(Yasser Khan, </a:t>
+            </a:r>
+            <a:r>
+              <a:rPr lang="en-US" altLang="ko-KR" sz="1600" b="1" dirty="0" err="1" smtClean="0"/>
+              <a:t>Hisham</a:t>
+            </a:r>
+            <a:r>
+              <a:rPr lang="en-US" altLang="ko-KR" sz="1600" b="1" dirty="0" smtClean="0"/>
+              <a:t> Al-</a:t>
+            </a:r>
+            <a:r>
+              <a:rPr lang="en-US" altLang="ko-KR" sz="1600" b="1" dirty="0" err="1" smtClean="0"/>
+              <a:t>Falih</a:t>
+            </a:r>
+            <a:r>
+              <a:rPr lang="en-US" altLang="ko-KR" sz="1600" b="1" dirty="0" smtClean="0"/>
+              <a:t>, </a:t>
+            </a:r>
+            <a:r>
+              <a:rPr lang="en-US" altLang="ko-KR" sz="1600" b="1" dirty="0" err="1" smtClean="0"/>
+              <a:t>Yaping</a:t>
+            </a:r>
+            <a:r>
+              <a:rPr lang="en-US" altLang="ko-KR" sz="1600" b="1" dirty="0" smtClean="0"/>
+              <a:t> Zhang, Tien </a:t>
+            </a:r>
+            <a:r>
+              <a:rPr lang="en-US" altLang="ko-KR" sz="1600" b="1" dirty="0" err="1" smtClean="0"/>
+              <a:t>Khee</a:t>
+            </a:r>
+            <a:r>
+              <a:rPr lang="en-US" altLang="ko-KR" sz="1600" b="1" dirty="0" smtClean="0"/>
+              <a:t> Ng, Boon S. </a:t>
+            </a:r>
+            <a:r>
+              <a:rPr lang="en-US" altLang="ko-KR" sz="1600" b="1" smtClean="0"/>
+              <a:t>Ooi)</a:t>
+            </a:r>
+            <a:endParaRPr lang="ko-KR" altLang="en-US" sz="1600" b="1" dirty="0"/>
+          </a:p>
+        </p:txBody>
+      </p:sp>
+      <p:sp>
+        <p:nvSpPr>
+          <p:cNvPr id="9" name="TextBox 8"/>
+          <p:cNvSpPr txBox="1"/>
+          <p:nvPr/>
+        </p:nvSpPr>
+        <p:spPr>
+          <a:xfrm>
+            <a:off x="4845882" y="3629998"/>
+            <a:ext cx="4153535" cy="1323439"/>
+          </a:xfrm>
+          <a:prstGeom prst="rect">
+            <a:avLst/>
+          </a:prstGeom>
+          <a:noFill/>
+        </p:spPr>
+        <p:txBody>
+          <a:bodyPr wrap="square" rtlCol="0">
+            <a:spAutoFit/>
+          </a:bodyPr>
+          <a:lstStyle/>
+          <a:p>
+            <a:pPr marL="285750" indent="-285750">
+              <a:buFontTx/>
+              <a:buChar char="-"/>
+            </a:pPr>
+            <a:r>
+              <a:rPr lang="en-US" altLang="ko-KR" sz="2000" dirty="0" smtClean="0"/>
+              <a:t>“The </a:t>
+            </a:r>
+            <a:r>
+              <a:rPr lang="en-US" altLang="ko-KR" sz="2000" dirty="0"/>
+              <a:t>programming allows for increasing the reproducibility of the preparation and improves the quality of the preparation process</a:t>
+            </a:r>
+            <a:r>
+              <a:rPr lang="en-US" altLang="ko-KR" sz="2000" dirty="0" smtClean="0"/>
+              <a:t>.”</a:t>
+            </a:r>
+            <a:endParaRPr lang="ko-KR" altLang="en-US" sz="2000" dirty="0"/>
+          </a:p>
+        </p:txBody>
+      </p:sp>
+    </p:spTree>
+    <p:extLst>
+      <p:ext uri="{BB962C8B-B14F-4D97-AF65-F5344CB8AC3E}">
+        <p14:creationId xmlns:p14="http://schemas.microsoft.com/office/powerpoint/2010/main" val="2849842117"/>
       </p:ext>
     </p:extLst>
   </p:cSld>

--- a/랩미팅/201812/1812 W Tip 논문 정리 (Jong).pptx
+++ b/랩미팅/201812/1812 W Tip 논문 정리 (Jong).pptx
@@ -5,7 +5,7 @@
     <p:sldMasterId id="2147483660" r:id="rId1"/>
   </p:sldMasterIdLst>
   <p:notesMasterIdLst>
-    <p:notesMasterId r:id="rId9"/>
+    <p:notesMasterId r:id="rId10"/>
   </p:notesMasterIdLst>
   <p:sldIdLst>
     <p:sldId id="258" r:id="rId2"/>
@@ -14,7 +14,8 @@
     <p:sldId id="307" r:id="rId5"/>
     <p:sldId id="298" r:id="rId6"/>
     <p:sldId id="302" r:id="rId7"/>
-    <p:sldId id="308" r:id="rId8"/>
+    <p:sldId id="309" r:id="rId8"/>
+    <p:sldId id="308" r:id="rId9"/>
   </p:sldIdLst>
   <p:sldSz cx="9144000" cy="6858000" type="screen4x3"/>
   <p:notesSz cx="6735763" cy="9866313"/>
@@ -203,7 +204,7 @@
           <a:p>
             <a:fld id="{A9D6DECA-6E4E-4D09-9277-E151A2E3F74C}" type="datetimeFigureOut">
               <a:rPr lang="ko-KR" altLang="en-US" smtClean="0"/>
-              <a:t>2018-12-13</a:t>
+              <a:t>2018-12-14</a:t>
             </a:fld>
             <a:endParaRPr lang="ko-KR" altLang="en-US"/>
           </a:p>
@@ -686,7 +687,7 @@
           <a:p>
             <a:fld id="{78E89258-A40F-4400-BA1A-638141289729}" type="datetime1">
               <a:rPr lang="ko-KR" altLang="en-US" smtClean="0"/>
-              <a:t>2018-12-13</a:t>
+              <a:t>2018-12-14</a:t>
             </a:fld>
             <a:endParaRPr lang="ko-KR" altLang="en-US"/>
           </a:p>
@@ -863,7 +864,7 @@
           <a:p>
             <a:fld id="{CD116CEF-802E-43F7-8932-78519DF2A264}" type="datetime1">
               <a:rPr lang="ko-KR" altLang="en-US" smtClean="0"/>
-              <a:t>2018-12-13</a:t>
+              <a:t>2018-12-14</a:t>
             </a:fld>
             <a:endParaRPr lang="ko-KR" altLang="en-US"/>
           </a:p>
@@ -1043,7 +1044,7 @@
           <a:p>
             <a:fld id="{EFD9D7C3-1982-427D-BFA7-1AF9687AAB0F}" type="datetime1">
               <a:rPr lang="ko-KR" altLang="en-US" smtClean="0"/>
-              <a:t>2018-12-13</a:t>
+              <a:t>2018-12-14</a:t>
             </a:fld>
             <a:endParaRPr lang="ko-KR" altLang="en-US"/>
           </a:p>
@@ -1213,7 +1214,7 @@
           <a:p>
             <a:fld id="{EDD93E7F-B437-40E5-8ACB-B79696783EFA}" type="datetime1">
               <a:rPr lang="ko-KR" altLang="en-US" smtClean="0"/>
-              <a:t>2018-12-13</a:t>
+              <a:t>2018-12-14</a:t>
             </a:fld>
             <a:endParaRPr lang="ko-KR" altLang="en-US"/>
           </a:p>
@@ -1457,7 +1458,7 @@
           <a:p>
             <a:fld id="{DB249950-0BD4-4F6E-BE3F-CB53B7E2FD06}" type="datetime1">
               <a:rPr lang="ko-KR" altLang="en-US" smtClean="0"/>
-              <a:t>2018-12-13</a:t>
+              <a:t>2018-12-14</a:t>
             </a:fld>
             <a:endParaRPr lang="ko-KR" altLang="en-US"/>
           </a:p>
@@ -1689,7 +1690,7 @@
           <a:p>
             <a:fld id="{7B016D7E-32C0-4DB3-B6B3-0506A62840FB}" type="datetime1">
               <a:rPr lang="ko-KR" altLang="en-US" smtClean="0"/>
-              <a:t>2018-12-13</a:t>
+              <a:t>2018-12-14</a:t>
             </a:fld>
             <a:endParaRPr lang="ko-KR" altLang="en-US"/>
           </a:p>
@@ -2056,7 +2057,7 @@
           <a:p>
             <a:fld id="{B246672D-B3FD-4B2E-92C0-4A80DA670927}" type="datetime1">
               <a:rPr lang="ko-KR" altLang="en-US" smtClean="0"/>
-              <a:t>2018-12-13</a:t>
+              <a:t>2018-12-14</a:t>
             </a:fld>
             <a:endParaRPr lang="ko-KR" altLang="en-US"/>
           </a:p>
@@ -2174,7 +2175,7 @@
           <a:p>
             <a:fld id="{9B9B7D2E-B202-4D7A-9519-0C490A04EB9C}" type="datetime1">
               <a:rPr lang="ko-KR" altLang="en-US" smtClean="0"/>
-              <a:t>2018-12-13</a:t>
+              <a:t>2018-12-14</a:t>
             </a:fld>
             <a:endParaRPr lang="ko-KR" altLang="en-US"/>
           </a:p>
@@ -2269,7 +2270,7 @@
           <a:p>
             <a:fld id="{12FB9327-987E-47D6-AE2D-63CED8A79494}" type="datetime1">
               <a:rPr lang="ko-KR" altLang="en-US" smtClean="0"/>
-              <a:t>2018-12-13</a:t>
+              <a:t>2018-12-14</a:t>
             </a:fld>
             <a:endParaRPr lang="ko-KR" altLang="en-US"/>
           </a:p>
@@ -2546,7 +2547,7 @@
           <a:p>
             <a:fld id="{D8D87011-7294-4632-A156-4F695AB9E41C}" type="datetime1">
               <a:rPr lang="ko-KR" altLang="en-US" smtClean="0"/>
-              <a:t>2018-12-13</a:t>
+              <a:t>2018-12-14</a:t>
             </a:fld>
             <a:endParaRPr lang="ko-KR" altLang="en-US"/>
           </a:p>
@@ -2803,7 +2804,7 @@
           <a:p>
             <a:fld id="{1BDC7FDB-72DE-4D65-AF4F-510496DAF70F}" type="datetime1">
               <a:rPr lang="ko-KR" altLang="en-US" smtClean="0"/>
-              <a:t>2018-12-13</a:t>
+              <a:t>2018-12-14</a:t>
             </a:fld>
             <a:endParaRPr lang="ko-KR" altLang="en-US"/>
           </a:p>
@@ -3016,7 +3017,7 @@
           <a:p>
             <a:fld id="{9A286DBF-DB43-470A-A903-26374CB6EF47}" type="datetime1">
               <a:rPr lang="ko-KR" altLang="en-US" smtClean="0"/>
-              <a:t>2018-12-13</a:t>
+              <a:t>2018-12-14</a:t>
             </a:fld>
             <a:endParaRPr lang="ko-KR" altLang="en-US"/>
           </a:p>
@@ -3601,7 +3602,7 @@
           <a:p>
             <a:fld id="{32C03489-23FC-4021-B9AB-958EFB3C0FE7}" type="datetime1">
               <a:rPr lang="ko-KR" altLang="en-US" smtClean="0"/>
-              <a:t>2018-12-13</a:t>
+              <a:t>2018-12-14</a:t>
             </a:fld>
             <a:endParaRPr lang="ko-KR" altLang="en-US"/>
           </a:p>
@@ -3684,7 +3685,7 @@
           <a:p>
             <a:fld id="{EDD93E7F-B437-40E5-8ACB-B79696783EFA}" type="datetime1">
               <a:rPr lang="ko-KR" altLang="en-US" smtClean="0"/>
-              <a:t>2018-12-13</a:t>
+              <a:t>2018-12-14</a:t>
             </a:fld>
             <a:endParaRPr lang="ko-KR" altLang="en-US"/>
           </a:p>
@@ -4051,7 +4052,7 @@
           <a:p>
             <a:fld id="{EDD93E7F-B437-40E5-8ACB-B79696783EFA}" type="datetime1">
               <a:rPr lang="ko-KR" altLang="en-US" smtClean="0"/>
-              <a:t>2018-12-13</a:t>
+              <a:t>2018-12-14</a:t>
             </a:fld>
             <a:endParaRPr lang="ko-KR" altLang="en-US"/>
           </a:p>
@@ -4480,7 +4481,7 @@
           <a:p>
             <a:fld id="{EDD93E7F-B437-40E5-8ACB-B79696783EFA}" type="datetime1">
               <a:rPr lang="ko-KR" altLang="en-US" smtClean="0"/>
-              <a:t>2018-12-13</a:t>
+              <a:t>2018-12-14</a:t>
             </a:fld>
             <a:endParaRPr lang="ko-KR" altLang="en-US"/>
           </a:p>
@@ -4815,7 +4816,7 @@
           <a:p>
             <a:fld id="{EDD93E7F-B437-40E5-8ACB-B79696783EFA}" type="datetime1">
               <a:rPr lang="ko-KR" altLang="en-US" smtClean="0"/>
-              <a:t>2018-12-13</a:t>
+              <a:t>2018-12-14</a:t>
             </a:fld>
             <a:endParaRPr lang="ko-KR" altLang="en-US"/>
           </a:p>
@@ -5222,7 +5223,7 @@
           <a:graphicData uri="http://schemas.openxmlformats.org/presentationml/2006/ole">
             <mc:AlternateContent xmlns:mc="http://schemas.openxmlformats.org/markup-compatibility/2006">
               <mc:Choice xmlns:v="urn:schemas-microsoft-com:vml" Requires="v">
-                <p:oleObj spid="_x0000_s3086" name="Equation" r:id="rId5" imgW="380880" imgH="241200" progId="Equation.DSMT4">
+                <p:oleObj spid="_x0000_s3094" name="Equation" r:id="rId5" imgW="380880" imgH="241200" progId="Equation.DSMT4">
                   <p:embed/>
                 </p:oleObj>
               </mc:Choice>
@@ -5353,7 +5354,7 @@
           <a:p>
             <a:fld id="{EDD93E7F-B437-40E5-8ACB-B79696783EFA}" type="datetime1">
               <a:rPr lang="ko-KR" altLang="en-US" smtClean="0"/>
-              <a:t>2018-12-13</a:t>
+              <a:t>2018-12-14</a:t>
             </a:fld>
             <a:endParaRPr lang="ko-KR" altLang="en-US"/>
           </a:p>
@@ -5668,7 +5669,7 @@
           <a:p>
             <a:fld id="{EDD93E7F-B437-40E5-8ACB-B79696783EFA}" type="datetime1">
               <a:rPr lang="ko-KR" altLang="en-US" smtClean="0"/>
-              <a:t>2018-12-13</a:t>
+              <a:t>2018-12-14</a:t>
             </a:fld>
             <a:endParaRPr lang="ko-KR" altLang="en-US"/>
           </a:p>
@@ -5706,7 +5707,7 @@
         <p:spPr>
           <a:xfrm>
             <a:off x="266007" y="259135"/>
-            <a:ext cx="8611986" cy="584775"/>
+            <a:ext cx="8611986" cy="830997"/>
           </a:xfrm>
           <a:prstGeom prst="rect">
             <a:avLst/>
@@ -5721,51 +5722,31 @@
           <a:p>
             <a:r>
               <a:rPr lang="en-US" altLang="ko-KR" sz="1600" b="1" dirty="0" smtClean="0"/>
-              <a:t>2012-</a:t>
+              <a:t>2007-</a:t>
             </a:r>
             <a:r>
               <a:rPr lang="en-US" altLang="ko-KR" sz="1600" b="1" dirty="0" smtClean="0"/>
-              <a:t>Rev. Sci. Instrum.</a:t>
+              <a:t>e-J. Surf. Sci. Nanotech.</a:t>
             </a:r>
             <a:r>
               <a:rPr lang="en-US" altLang="ko-KR" sz="1600" b="1" dirty="0" smtClean="0"/>
-              <a:t>-83,6-Two step controllable electrochemical etching of tungsten scanning probe microscopy tips(Yasser Khan, </a:t>
+              <a:t>-5-Dynamic electrochemical etching technique for tungsten tips suitable for multi tip scanning tunneling microscopes(Rei </a:t>
             </a:r>
             <a:r>
               <a:rPr lang="en-US" altLang="ko-KR" sz="1600" b="1" dirty="0" err="1" smtClean="0"/>
-              <a:t>Hisham</a:t>
+              <a:t>Hobara</a:t>
             </a:r>
             <a:r>
               <a:rPr lang="en-US" altLang="ko-KR" sz="1600" b="1" dirty="0" smtClean="0"/>
-              <a:t> Al-</a:t>
+              <a:t>, Shinya Yoshimoto, Shuji Hasegawa, </a:t>
             </a:r>
             <a:r>
               <a:rPr lang="en-US" altLang="ko-KR" sz="1600" b="1" dirty="0" err="1" smtClean="0"/>
-              <a:t>Falih</a:t>
+              <a:t>Katsuyoshi</a:t>
             </a:r>
             <a:r>
               <a:rPr lang="en-US" altLang="ko-KR" sz="1600" b="1" dirty="0" smtClean="0"/>
-              <a:t>, </a:t>
-            </a:r>
-            <a:r>
-              <a:rPr lang="en-US" altLang="ko-KR" sz="1600" b="1" dirty="0" err="1" smtClean="0"/>
-              <a:t>Yaping</a:t>
-            </a:r>
-            <a:r>
-              <a:rPr lang="en-US" altLang="ko-KR" sz="1600" b="1" dirty="0" smtClean="0"/>
-              <a:t> Zhang, Tien </a:t>
-            </a:r>
-            <a:r>
-              <a:rPr lang="en-US" altLang="ko-KR" sz="1600" b="1" dirty="0" err="1" smtClean="0"/>
-              <a:t>Khee</a:t>
-            </a:r>
-            <a:r>
-              <a:rPr lang="en-US" altLang="ko-KR" sz="1600" b="1" dirty="0" smtClean="0"/>
-              <a:t> Ng, Boon S. </a:t>
-            </a:r>
-            <a:r>
-              <a:rPr lang="en-US" altLang="ko-KR" sz="1600" b="1" smtClean="0"/>
-              <a:t>Ooi)</a:t>
+              <a:t> Sakamoto)</a:t>
             </a:r>
             <a:endParaRPr lang="ko-KR" altLang="en-US" sz="1600" b="1" dirty="0"/>
           </a:p>
@@ -5813,6 +5794,322 @@
           </a:p>
         </p:txBody>
       </p:sp>
+    </p:spTree>
+    <p:extLst>
+      <p:ext uri="{BB962C8B-B14F-4D97-AF65-F5344CB8AC3E}">
+        <p14:creationId xmlns:p14="http://schemas.microsoft.com/office/powerpoint/2010/main" val="1279435694"/>
+      </p:ext>
+    </p:extLst>
+  </p:cSld>
+  <p:clrMapOvr>
+    <a:masterClrMapping/>
+  </p:clrMapOvr>
+  <p:timing>
+    <p:tnLst>
+      <p:par>
+        <p:cTn id="1" dur="indefinite" restart="never" nodeType="tmRoot"/>
+      </p:par>
+    </p:tnLst>
+  </p:timing>
+</p:sld>
+</file>
+
+<file path=ppt/slides/slide8.xml><?xml version="1.0" encoding="utf-8"?>
+<p:sld xmlns:a="http://schemas.openxmlformats.org/drawingml/2006/main" xmlns:r="http://schemas.openxmlformats.org/officeDocument/2006/relationships" xmlns:p="http://schemas.openxmlformats.org/presentationml/2006/main">
+  <p:cSld>
+    <p:spTree>
+      <p:nvGrpSpPr>
+        <p:cNvPr id="1" name=""/>
+        <p:cNvGrpSpPr/>
+        <p:nvPr/>
+      </p:nvGrpSpPr>
+      <p:grpSpPr>
+        <a:xfrm>
+          <a:off x="0" y="0"/>
+          <a:ext cx="0" cy="0"/>
+          <a:chOff x="0" y="0"/>
+          <a:chExt cx="0" cy="0"/>
+        </a:xfrm>
+      </p:grpSpPr>
+      <p:sp>
+        <p:nvSpPr>
+          <p:cNvPr id="4" name="날짜 개체 틀 3"/>
+          <p:cNvSpPr>
+            <a:spLocks noGrp="1"/>
+          </p:cNvSpPr>
+          <p:nvPr>
+            <p:ph type="dt" sz="half" idx="10"/>
+          </p:nvPr>
+        </p:nvSpPr>
+        <p:spPr/>
+        <p:txBody>
+          <a:bodyPr/>
+          <a:lstStyle/>
+          <a:p>
+            <a:fld id="{EDD93E7F-B437-40E5-8ACB-B79696783EFA}" type="datetime1">
+              <a:rPr lang="ko-KR" altLang="en-US" smtClean="0"/>
+              <a:t>2018-12-14</a:t>
+            </a:fld>
+            <a:endParaRPr lang="ko-KR" altLang="en-US"/>
+          </a:p>
+        </p:txBody>
+      </p:sp>
+      <p:sp>
+        <p:nvSpPr>
+          <p:cNvPr id="5" name="슬라이드 번호 개체 틀 4"/>
+          <p:cNvSpPr>
+            <a:spLocks noGrp="1"/>
+          </p:cNvSpPr>
+          <p:nvPr>
+            <p:ph type="sldNum" sz="quarter" idx="12"/>
+          </p:nvPr>
+        </p:nvSpPr>
+        <p:spPr/>
+        <p:txBody>
+          <a:bodyPr/>
+          <a:lstStyle/>
+          <a:p>
+            <a:fld id="{8765F8EB-1186-4395-8E70-F957669279DD}" type="slidenum">
+              <a:rPr lang="ko-KR" altLang="en-US" smtClean="0"/>
+              <a:t>8</a:t>
+            </a:fld>
+            <a:endParaRPr lang="ko-KR" altLang="en-US"/>
+          </a:p>
+        </p:txBody>
+      </p:sp>
+      <p:sp>
+        <p:nvSpPr>
+          <p:cNvPr id="19" name="TextBox 18"/>
+          <p:cNvSpPr txBox="1"/>
+          <p:nvPr/>
+        </p:nvSpPr>
+        <p:spPr>
+          <a:xfrm>
+            <a:off x="266007" y="259135"/>
+            <a:ext cx="8611986" cy="584775"/>
+          </a:xfrm>
+          <a:prstGeom prst="rect">
+            <a:avLst/>
+          </a:prstGeom>
+          <a:noFill/>
+        </p:spPr>
+        <p:txBody>
+          <a:bodyPr wrap="square" rtlCol="0">
+            <a:spAutoFit/>
+          </a:bodyPr>
+          <a:lstStyle/>
+          <a:p>
+            <a:r>
+              <a:rPr lang="en-US" altLang="ko-KR" sz="1600" b="1" dirty="0" smtClean="0"/>
+              <a:t>2012-Rev. Sci. Instrum.-83,6-Two step controllable electrochemical etching of tungsten scanning probe microscopy tips(Yasser Khan, </a:t>
+            </a:r>
+            <a:r>
+              <a:rPr lang="en-US" altLang="ko-KR" sz="1600" b="1" dirty="0" err="1" smtClean="0"/>
+              <a:t>Hisham</a:t>
+            </a:r>
+            <a:r>
+              <a:rPr lang="en-US" altLang="ko-KR" sz="1600" b="1" dirty="0" smtClean="0"/>
+              <a:t> Al-</a:t>
+            </a:r>
+            <a:r>
+              <a:rPr lang="en-US" altLang="ko-KR" sz="1600" b="1" dirty="0" err="1" smtClean="0"/>
+              <a:t>Falih</a:t>
+            </a:r>
+            <a:r>
+              <a:rPr lang="en-US" altLang="ko-KR" sz="1600" b="1" dirty="0" smtClean="0"/>
+              <a:t>, </a:t>
+            </a:r>
+            <a:r>
+              <a:rPr lang="en-US" altLang="ko-KR" sz="1600" b="1" dirty="0" err="1" smtClean="0"/>
+              <a:t>Yaping</a:t>
+            </a:r>
+            <a:r>
+              <a:rPr lang="en-US" altLang="ko-KR" sz="1600" b="1" dirty="0" smtClean="0"/>
+              <a:t> Zhang, Tien </a:t>
+            </a:r>
+            <a:r>
+              <a:rPr lang="en-US" altLang="ko-KR" sz="1600" b="1" dirty="0" err="1" smtClean="0"/>
+              <a:t>Khee</a:t>
+            </a:r>
+            <a:r>
+              <a:rPr lang="en-US" altLang="ko-KR" sz="1600" b="1" dirty="0" smtClean="0"/>
+              <a:t> Ng, Boon S. </a:t>
+            </a:r>
+            <a:r>
+              <a:rPr lang="en-US" altLang="ko-KR" sz="1600" b="1" dirty="0" err="1" smtClean="0"/>
+              <a:t>Ooi</a:t>
+            </a:r>
+            <a:r>
+              <a:rPr lang="en-US" altLang="ko-KR" sz="1600" b="1" dirty="0" smtClean="0"/>
+              <a:t>)</a:t>
+            </a:r>
+            <a:endParaRPr lang="ko-KR" altLang="en-US" sz="1600" b="1" dirty="0"/>
+          </a:p>
+        </p:txBody>
+      </p:sp>
+      <p:sp>
+        <p:nvSpPr>
+          <p:cNvPr id="9" name="TextBox 8"/>
+          <p:cNvSpPr txBox="1"/>
+          <p:nvPr/>
+        </p:nvSpPr>
+        <p:spPr>
+          <a:xfrm>
+            <a:off x="266007" y="5523250"/>
+            <a:ext cx="8611986" cy="1015663"/>
+          </a:xfrm>
+          <a:prstGeom prst="rect">
+            <a:avLst/>
+          </a:prstGeom>
+          <a:noFill/>
+        </p:spPr>
+        <p:txBody>
+          <a:bodyPr wrap="square" rtlCol="0">
+            <a:spAutoFit/>
+          </a:bodyPr>
+          <a:lstStyle/>
+          <a:p>
+            <a:pPr marL="285750" indent="-285750">
+              <a:buFontTx/>
+              <a:buChar char="-"/>
+            </a:pPr>
+            <a:r>
+              <a:rPr lang="en-US" altLang="ko-KR" sz="2000" dirty="0" smtClean="0"/>
+              <a:t>“The electrolyte solution level remains stagnant throughout the process, the meniscus often moves to a lower level”</a:t>
+            </a:r>
+          </a:p>
+          <a:p>
+            <a:pPr marL="285750" indent="-285750">
+              <a:buFontTx/>
+              <a:buChar char="-"/>
+            </a:pPr>
+            <a:r>
+              <a:rPr lang="en-US" altLang="ko-KR" sz="2000" dirty="0" smtClean="0"/>
+              <a:t>Dynamic etching: the electrolyte level is vertically raised and lowered</a:t>
+            </a:r>
+          </a:p>
+        </p:txBody>
+      </p:sp>
+      <p:pic>
+        <p:nvPicPr>
+          <p:cNvPr id="2" name="그림 1"/>
+          <p:cNvPicPr>
+            <a:picLocks noChangeAspect="1"/>
+          </p:cNvPicPr>
+          <p:nvPr/>
+        </p:nvPicPr>
+        <p:blipFill>
+          <a:blip r:embed="rId2"/>
+          <a:stretch>
+            <a:fillRect/>
+          </a:stretch>
+        </p:blipFill>
+        <p:spPr>
+          <a:xfrm>
+            <a:off x="839743" y="843910"/>
+            <a:ext cx="4142592" cy="2483818"/>
+          </a:xfrm>
+          <a:prstGeom prst="rect">
+            <a:avLst/>
+          </a:prstGeom>
+        </p:spPr>
+      </p:pic>
+      <p:pic>
+        <p:nvPicPr>
+          <p:cNvPr id="3" name="그림 2"/>
+          <p:cNvPicPr>
+            <a:picLocks noChangeAspect="1"/>
+          </p:cNvPicPr>
+          <p:nvPr/>
+        </p:nvPicPr>
+        <p:blipFill>
+          <a:blip r:embed="rId3"/>
+          <a:stretch>
+            <a:fillRect/>
+          </a:stretch>
+        </p:blipFill>
+        <p:spPr>
+          <a:xfrm>
+            <a:off x="5115497" y="843910"/>
+            <a:ext cx="3010766" cy="1134338"/>
+          </a:xfrm>
+          <a:prstGeom prst="rect">
+            <a:avLst/>
+          </a:prstGeom>
+        </p:spPr>
+      </p:pic>
+      <p:pic>
+        <p:nvPicPr>
+          <p:cNvPr id="6" name="그림 5"/>
+          <p:cNvPicPr>
+            <a:picLocks noChangeAspect="1"/>
+          </p:cNvPicPr>
+          <p:nvPr/>
+        </p:nvPicPr>
+        <p:blipFill>
+          <a:blip r:embed="rId4"/>
+          <a:stretch>
+            <a:fillRect/>
+          </a:stretch>
+        </p:blipFill>
+        <p:spPr>
+          <a:xfrm>
+            <a:off x="5154077" y="2189059"/>
+            <a:ext cx="3012875" cy="1138669"/>
+          </a:xfrm>
+          <a:prstGeom prst="rect">
+            <a:avLst/>
+          </a:prstGeom>
+        </p:spPr>
+      </p:pic>
+      <p:pic>
+        <p:nvPicPr>
+          <p:cNvPr id="10" name="그림 9"/>
+          <p:cNvPicPr>
+            <a:picLocks noChangeAspect="1"/>
+          </p:cNvPicPr>
+          <p:nvPr/>
+        </p:nvPicPr>
+        <p:blipFill>
+          <a:blip r:embed="rId5"/>
+          <a:stretch>
+            <a:fillRect/>
+          </a:stretch>
+        </p:blipFill>
+        <p:spPr>
+          <a:xfrm>
+            <a:off x="861932" y="3332467"/>
+            <a:ext cx="2234004" cy="2195060"/>
+          </a:xfrm>
+          <a:prstGeom prst="rect">
+            <a:avLst/>
+          </a:prstGeom>
+        </p:spPr>
+      </p:pic>
+      <p:pic>
+        <p:nvPicPr>
+          <p:cNvPr id="11" name="그림 10"/>
+          <p:cNvPicPr>
+            <a:picLocks noChangeAspect="1"/>
+          </p:cNvPicPr>
+          <p:nvPr/>
+        </p:nvPicPr>
+        <p:blipFill>
+          <a:blip r:embed="rId6"/>
+          <a:stretch>
+            <a:fillRect/>
+          </a:stretch>
+        </p:blipFill>
+        <p:spPr>
+          <a:xfrm>
+            <a:off x="3355824" y="3353363"/>
+            <a:ext cx="4770439" cy="2165148"/>
+          </a:xfrm>
+          <a:prstGeom prst="rect">
+            <a:avLst/>
+          </a:prstGeom>
+        </p:spPr>
+      </p:pic>
     </p:spTree>
     <p:extLst>
       <p:ext uri="{BB962C8B-B14F-4D97-AF65-F5344CB8AC3E}">

--- a/랩미팅/201812/1812 W Tip 논문 정리 (Jong).pptx
+++ b/랩미팅/201812/1812 W Tip 논문 정리 (Jong).pptx
@@ -5,7 +5,7 @@
     <p:sldMasterId id="2147483660" r:id="rId1"/>
   </p:sldMasterIdLst>
   <p:notesMasterIdLst>
-    <p:notesMasterId r:id="rId10"/>
+    <p:notesMasterId r:id="rId9"/>
   </p:notesMasterIdLst>
   <p:sldIdLst>
     <p:sldId id="258" r:id="rId2"/>
@@ -14,8 +14,7 @@
     <p:sldId id="307" r:id="rId5"/>
     <p:sldId id="298" r:id="rId6"/>
     <p:sldId id="302" r:id="rId7"/>
-    <p:sldId id="309" r:id="rId8"/>
-    <p:sldId id="308" r:id="rId9"/>
+    <p:sldId id="308" r:id="rId8"/>
   </p:sldIdLst>
   <p:sldSz cx="9144000" cy="6858000" type="screen4x3"/>
   <p:notesSz cx="6735763" cy="9866313"/>
@@ -204,7 +203,7 @@
           <a:p>
             <a:fld id="{A9D6DECA-6E4E-4D09-9277-E151A2E3F74C}" type="datetimeFigureOut">
               <a:rPr lang="ko-KR" altLang="en-US" smtClean="0"/>
-              <a:t>2018-12-14</a:t>
+              <a:t>2018-12-16</a:t>
             </a:fld>
             <a:endParaRPr lang="ko-KR" altLang="en-US"/>
           </a:p>
@@ -687,7 +686,7 @@
           <a:p>
             <a:fld id="{78E89258-A40F-4400-BA1A-638141289729}" type="datetime1">
               <a:rPr lang="ko-KR" altLang="en-US" smtClean="0"/>
-              <a:t>2018-12-14</a:t>
+              <a:t>2018-12-16</a:t>
             </a:fld>
             <a:endParaRPr lang="ko-KR" altLang="en-US"/>
           </a:p>
@@ -864,7 +863,7 @@
           <a:p>
             <a:fld id="{CD116CEF-802E-43F7-8932-78519DF2A264}" type="datetime1">
               <a:rPr lang="ko-KR" altLang="en-US" smtClean="0"/>
-              <a:t>2018-12-14</a:t>
+              <a:t>2018-12-16</a:t>
             </a:fld>
             <a:endParaRPr lang="ko-KR" altLang="en-US"/>
           </a:p>
@@ -1044,7 +1043,7 @@
           <a:p>
             <a:fld id="{EFD9D7C3-1982-427D-BFA7-1AF9687AAB0F}" type="datetime1">
               <a:rPr lang="ko-KR" altLang="en-US" smtClean="0"/>
-              <a:t>2018-12-14</a:t>
+              <a:t>2018-12-16</a:t>
             </a:fld>
             <a:endParaRPr lang="ko-KR" altLang="en-US"/>
           </a:p>
@@ -1214,7 +1213,7 @@
           <a:p>
             <a:fld id="{EDD93E7F-B437-40E5-8ACB-B79696783EFA}" type="datetime1">
               <a:rPr lang="ko-KR" altLang="en-US" smtClean="0"/>
-              <a:t>2018-12-14</a:t>
+              <a:t>2018-12-16</a:t>
             </a:fld>
             <a:endParaRPr lang="ko-KR" altLang="en-US"/>
           </a:p>
@@ -1458,7 +1457,7 @@
           <a:p>
             <a:fld id="{DB249950-0BD4-4F6E-BE3F-CB53B7E2FD06}" type="datetime1">
               <a:rPr lang="ko-KR" altLang="en-US" smtClean="0"/>
-              <a:t>2018-12-14</a:t>
+              <a:t>2018-12-16</a:t>
             </a:fld>
             <a:endParaRPr lang="ko-KR" altLang="en-US"/>
           </a:p>
@@ -1690,7 +1689,7 @@
           <a:p>
             <a:fld id="{7B016D7E-32C0-4DB3-B6B3-0506A62840FB}" type="datetime1">
               <a:rPr lang="ko-KR" altLang="en-US" smtClean="0"/>
-              <a:t>2018-12-14</a:t>
+              <a:t>2018-12-16</a:t>
             </a:fld>
             <a:endParaRPr lang="ko-KR" altLang="en-US"/>
           </a:p>
@@ -2057,7 +2056,7 @@
           <a:p>
             <a:fld id="{B246672D-B3FD-4B2E-92C0-4A80DA670927}" type="datetime1">
               <a:rPr lang="ko-KR" altLang="en-US" smtClean="0"/>
-              <a:t>2018-12-14</a:t>
+              <a:t>2018-12-16</a:t>
             </a:fld>
             <a:endParaRPr lang="ko-KR" altLang="en-US"/>
           </a:p>
@@ -2175,7 +2174,7 @@
           <a:p>
             <a:fld id="{9B9B7D2E-B202-4D7A-9519-0C490A04EB9C}" type="datetime1">
               <a:rPr lang="ko-KR" altLang="en-US" smtClean="0"/>
-              <a:t>2018-12-14</a:t>
+              <a:t>2018-12-16</a:t>
             </a:fld>
             <a:endParaRPr lang="ko-KR" altLang="en-US"/>
           </a:p>
@@ -2270,7 +2269,7 @@
           <a:p>
             <a:fld id="{12FB9327-987E-47D6-AE2D-63CED8A79494}" type="datetime1">
               <a:rPr lang="ko-KR" altLang="en-US" smtClean="0"/>
-              <a:t>2018-12-14</a:t>
+              <a:t>2018-12-16</a:t>
             </a:fld>
             <a:endParaRPr lang="ko-KR" altLang="en-US"/>
           </a:p>
@@ -2547,7 +2546,7 @@
           <a:p>
             <a:fld id="{D8D87011-7294-4632-A156-4F695AB9E41C}" type="datetime1">
               <a:rPr lang="ko-KR" altLang="en-US" smtClean="0"/>
-              <a:t>2018-12-14</a:t>
+              <a:t>2018-12-16</a:t>
             </a:fld>
             <a:endParaRPr lang="ko-KR" altLang="en-US"/>
           </a:p>
@@ -2804,7 +2803,7 @@
           <a:p>
             <a:fld id="{1BDC7FDB-72DE-4D65-AF4F-510496DAF70F}" type="datetime1">
               <a:rPr lang="ko-KR" altLang="en-US" smtClean="0"/>
-              <a:t>2018-12-14</a:t>
+              <a:t>2018-12-16</a:t>
             </a:fld>
             <a:endParaRPr lang="ko-KR" altLang="en-US"/>
           </a:p>
@@ -3017,7 +3016,7 @@
           <a:p>
             <a:fld id="{9A286DBF-DB43-470A-A903-26374CB6EF47}" type="datetime1">
               <a:rPr lang="ko-KR" altLang="en-US" smtClean="0"/>
-              <a:t>2018-12-14</a:t>
+              <a:t>2018-12-16</a:t>
             </a:fld>
             <a:endParaRPr lang="ko-KR" altLang="en-US"/>
           </a:p>
@@ -3602,7 +3601,7 @@
           <a:p>
             <a:fld id="{32C03489-23FC-4021-B9AB-958EFB3C0FE7}" type="datetime1">
               <a:rPr lang="ko-KR" altLang="en-US" smtClean="0"/>
-              <a:t>2018-12-14</a:t>
+              <a:t>2018-12-16</a:t>
             </a:fld>
             <a:endParaRPr lang="ko-KR" altLang="en-US"/>
           </a:p>
@@ -3685,7 +3684,7 @@
           <a:p>
             <a:fld id="{EDD93E7F-B437-40E5-8ACB-B79696783EFA}" type="datetime1">
               <a:rPr lang="ko-KR" altLang="en-US" smtClean="0"/>
-              <a:t>2018-12-14</a:t>
+              <a:t>2018-12-16</a:t>
             </a:fld>
             <a:endParaRPr lang="ko-KR" altLang="en-US"/>
           </a:p>
@@ -4052,7 +4051,7 @@
           <a:p>
             <a:fld id="{EDD93E7F-B437-40E5-8ACB-B79696783EFA}" type="datetime1">
               <a:rPr lang="ko-KR" altLang="en-US" smtClean="0"/>
-              <a:t>2018-12-14</a:t>
+              <a:t>2018-12-16</a:t>
             </a:fld>
             <a:endParaRPr lang="ko-KR" altLang="en-US"/>
           </a:p>
@@ -4481,7 +4480,7 @@
           <a:p>
             <a:fld id="{EDD93E7F-B437-40E5-8ACB-B79696783EFA}" type="datetime1">
               <a:rPr lang="ko-KR" altLang="en-US" smtClean="0"/>
-              <a:t>2018-12-14</a:t>
+              <a:t>2018-12-16</a:t>
             </a:fld>
             <a:endParaRPr lang="ko-KR" altLang="en-US"/>
           </a:p>
@@ -4816,7 +4815,7 @@
           <a:p>
             <a:fld id="{EDD93E7F-B437-40E5-8ACB-B79696783EFA}" type="datetime1">
               <a:rPr lang="ko-KR" altLang="en-US" smtClean="0"/>
-              <a:t>2018-12-14</a:t>
+              <a:t>2018-12-16</a:t>
             </a:fld>
             <a:endParaRPr lang="ko-KR" altLang="en-US"/>
           </a:p>
@@ -5223,7 +5222,7 @@
           <a:graphicData uri="http://schemas.openxmlformats.org/presentationml/2006/ole">
             <mc:AlternateContent xmlns:mc="http://schemas.openxmlformats.org/markup-compatibility/2006">
               <mc:Choice xmlns:v="urn:schemas-microsoft-com:vml" Requires="v">
-                <p:oleObj spid="_x0000_s3094" name="Equation" r:id="rId5" imgW="380880" imgH="241200" progId="Equation.DSMT4">
+                <p:oleObj spid="_x0000_s3097" name="Equation" r:id="rId5" imgW="380880" imgH="241200" progId="Equation.DSMT4">
                   <p:embed/>
                 </p:oleObj>
               </mc:Choice>
@@ -5354,7 +5353,7 @@
           <a:p>
             <a:fld id="{EDD93E7F-B437-40E5-8ACB-B79696783EFA}" type="datetime1">
               <a:rPr lang="ko-KR" altLang="en-US" smtClean="0"/>
-              <a:t>2018-12-14</a:t>
+              <a:t>2018-12-16</a:t>
             </a:fld>
             <a:endParaRPr lang="ko-KR" altLang="en-US"/>
           </a:p>
@@ -5669,7 +5668,7 @@
           <a:p>
             <a:fld id="{EDD93E7F-B437-40E5-8ACB-B79696783EFA}" type="datetime1">
               <a:rPr lang="ko-KR" altLang="en-US" smtClean="0"/>
-              <a:t>2018-12-14</a:t>
+              <a:t>2018-12-16</a:t>
             </a:fld>
             <a:endParaRPr lang="ko-KR" altLang="en-US"/>
           </a:p>
@@ -5693,185 +5692,6 @@
             <a:fld id="{8765F8EB-1186-4395-8E70-F957669279DD}" type="slidenum">
               <a:rPr lang="ko-KR" altLang="en-US" smtClean="0"/>
               <a:t>7</a:t>
-            </a:fld>
-            <a:endParaRPr lang="ko-KR" altLang="en-US"/>
-          </a:p>
-        </p:txBody>
-      </p:sp>
-      <p:sp>
-        <p:nvSpPr>
-          <p:cNvPr id="19" name="TextBox 18"/>
-          <p:cNvSpPr txBox="1"/>
-          <p:nvPr/>
-        </p:nvSpPr>
-        <p:spPr>
-          <a:xfrm>
-            <a:off x="266007" y="259135"/>
-            <a:ext cx="8611986" cy="830997"/>
-          </a:xfrm>
-          <a:prstGeom prst="rect">
-            <a:avLst/>
-          </a:prstGeom>
-          <a:noFill/>
-        </p:spPr>
-        <p:txBody>
-          <a:bodyPr wrap="square" rtlCol="0">
-            <a:spAutoFit/>
-          </a:bodyPr>
-          <a:lstStyle/>
-          <a:p>
-            <a:r>
-              <a:rPr lang="en-US" altLang="ko-KR" sz="1600" b="1" dirty="0" smtClean="0"/>
-              <a:t>2007-</a:t>
-            </a:r>
-            <a:r>
-              <a:rPr lang="en-US" altLang="ko-KR" sz="1600" b="1" dirty="0" smtClean="0"/>
-              <a:t>e-J. Surf. Sci. Nanotech.</a:t>
-            </a:r>
-            <a:r>
-              <a:rPr lang="en-US" altLang="ko-KR" sz="1600" b="1" dirty="0" smtClean="0"/>
-              <a:t>-5-Dynamic electrochemical etching technique for tungsten tips suitable for multi tip scanning tunneling microscopes(Rei </a:t>
-            </a:r>
-            <a:r>
-              <a:rPr lang="en-US" altLang="ko-KR" sz="1600" b="1" dirty="0" err="1" smtClean="0"/>
-              <a:t>Hobara</a:t>
-            </a:r>
-            <a:r>
-              <a:rPr lang="en-US" altLang="ko-KR" sz="1600" b="1" dirty="0" smtClean="0"/>
-              <a:t>, Shinya Yoshimoto, Shuji Hasegawa, </a:t>
-            </a:r>
-            <a:r>
-              <a:rPr lang="en-US" altLang="ko-KR" sz="1600" b="1" dirty="0" err="1" smtClean="0"/>
-              <a:t>Katsuyoshi</a:t>
-            </a:r>
-            <a:r>
-              <a:rPr lang="en-US" altLang="ko-KR" sz="1600" b="1" dirty="0" smtClean="0"/>
-              <a:t> Sakamoto)</a:t>
-            </a:r>
-            <a:endParaRPr lang="ko-KR" altLang="en-US" sz="1600" b="1" dirty="0"/>
-          </a:p>
-        </p:txBody>
-      </p:sp>
-      <p:sp>
-        <p:nvSpPr>
-          <p:cNvPr id="9" name="TextBox 8"/>
-          <p:cNvSpPr txBox="1"/>
-          <p:nvPr/>
-        </p:nvSpPr>
-        <p:spPr>
-          <a:xfrm>
-            <a:off x="4845882" y="3629998"/>
-            <a:ext cx="4153535" cy="1323439"/>
-          </a:xfrm>
-          <a:prstGeom prst="rect">
-            <a:avLst/>
-          </a:prstGeom>
-          <a:noFill/>
-        </p:spPr>
-        <p:txBody>
-          <a:bodyPr wrap="square" rtlCol="0">
-            <a:spAutoFit/>
-          </a:bodyPr>
-          <a:lstStyle/>
-          <a:p>
-            <a:pPr marL="285750" indent="-285750">
-              <a:buFontTx/>
-              <a:buChar char="-"/>
-            </a:pPr>
-            <a:r>
-              <a:rPr lang="en-US" altLang="ko-KR" sz="2000" dirty="0" smtClean="0"/>
-              <a:t>“The </a:t>
-            </a:r>
-            <a:r>
-              <a:rPr lang="en-US" altLang="ko-KR" sz="2000" dirty="0"/>
-              <a:t>programming allows for increasing the reproducibility of the preparation and improves the quality of the preparation process</a:t>
-            </a:r>
-            <a:r>
-              <a:rPr lang="en-US" altLang="ko-KR" sz="2000" dirty="0" smtClean="0"/>
-              <a:t>.”</a:t>
-            </a:r>
-            <a:endParaRPr lang="ko-KR" altLang="en-US" sz="2000" dirty="0"/>
-          </a:p>
-        </p:txBody>
-      </p:sp>
-    </p:spTree>
-    <p:extLst>
-      <p:ext uri="{BB962C8B-B14F-4D97-AF65-F5344CB8AC3E}">
-        <p14:creationId xmlns:p14="http://schemas.microsoft.com/office/powerpoint/2010/main" val="1279435694"/>
-      </p:ext>
-    </p:extLst>
-  </p:cSld>
-  <p:clrMapOvr>
-    <a:masterClrMapping/>
-  </p:clrMapOvr>
-  <p:timing>
-    <p:tnLst>
-      <p:par>
-        <p:cTn id="1" dur="indefinite" restart="never" nodeType="tmRoot"/>
-      </p:par>
-    </p:tnLst>
-  </p:timing>
-</p:sld>
-</file>
-
-<file path=ppt/slides/slide8.xml><?xml version="1.0" encoding="utf-8"?>
-<p:sld xmlns:a="http://schemas.openxmlformats.org/drawingml/2006/main" xmlns:r="http://schemas.openxmlformats.org/officeDocument/2006/relationships" xmlns:p="http://schemas.openxmlformats.org/presentationml/2006/main">
-  <p:cSld>
-    <p:spTree>
-      <p:nvGrpSpPr>
-        <p:cNvPr id="1" name=""/>
-        <p:cNvGrpSpPr/>
-        <p:nvPr/>
-      </p:nvGrpSpPr>
-      <p:grpSpPr>
-        <a:xfrm>
-          <a:off x="0" y="0"/>
-          <a:ext cx="0" cy="0"/>
-          <a:chOff x="0" y="0"/>
-          <a:chExt cx="0" cy="0"/>
-        </a:xfrm>
-      </p:grpSpPr>
-      <p:sp>
-        <p:nvSpPr>
-          <p:cNvPr id="4" name="날짜 개체 틀 3"/>
-          <p:cNvSpPr>
-            <a:spLocks noGrp="1"/>
-          </p:cNvSpPr>
-          <p:nvPr>
-            <p:ph type="dt" sz="half" idx="10"/>
-          </p:nvPr>
-        </p:nvSpPr>
-        <p:spPr/>
-        <p:txBody>
-          <a:bodyPr/>
-          <a:lstStyle/>
-          <a:p>
-            <a:fld id="{EDD93E7F-B437-40E5-8ACB-B79696783EFA}" type="datetime1">
-              <a:rPr lang="ko-KR" altLang="en-US" smtClean="0"/>
-              <a:t>2018-12-14</a:t>
-            </a:fld>
-            <a:endParaRPr lang="ko-KR" altLang="en-US"/>
-          </a:p>
-        </p:txBody>
-      </p:sp>
-      <p:sp>
-        <p:nvSpPr>
-          <p:cNvPr id="5" name="슬라이드 번호 개체 틀 4"/>
-          <p:cNvSpPr>
-            <a:spLocks noGrp="1"/>
-          </p:cNvSpPr>
-          <p:nvPr>
-            <p:ph type="sldNum" sz="quarter" idx="12"/>
-          </p:nvPr>
-        </p:nvSpPr>
-        <p:spPr/>
-        <p:txBody>
-          <a:bodyPr/>
-          <a:lstStyle/>
-          <a:p>
-            <a:fld id="{8765F8EB-1186-4395-8E70-F957669279DD}" type="slidenum">
-              <a:rPr lang="ko-KR" altLang="en-US" smtClean="0"/>
-              <a:t>8</a:t>
             </a:fld>
             <a:endParaRPr lang="ko-KR" altLang="en-US"/>
           </a:p>
